--- a/images/MER for QA.pptx
+++ b/images/MER for QA.pptx
@@ -8,6 +8,7 @@
     <p:sldId id="256" r:id="rId2"/>
     <p:sldId id="257" r:id="rId3"/>
     <p:sldId id="258" r:id="rId4"/>
+    <p:sldId id="259" r:id="rId5"/>
   </p:sldIdLst>
   <p:sldSz cx="12192000" cy="6858000"/>
   <p:notesSz cx="6858000" cy="9144000"/>
@@ -8750,7 +8751,7 @@
                   <a:t> </a:t>
                 </a:r>
                 <a:r>
-                  <a:rPr lang="en-US">
+                  <a:rPr lang="en-US" dirty="0" err="1">
                     <a:latin typeface="Times New Roman" panose="02020603050405020304" pitchFamily="18" charset="0"/>
                     <a:cs typeface="Times New Roman" panose="02020603050405020304" pitchFamily="18" charset="0"/>
                   </a:rPr>
@@ -9669,6 +9670,5411 @@
     <p:extLst>
       <p:ext uri="{BB962C8B-B14F-4D97-AF65-F5344CB8AC3E}">
         <p14:creationId xmlns:p14="http://schemas.microsoft.com/office/powerpoint/2010/main" val="3797199965"/>
+      </p:ext>
+    </p:extLst>
+  </p:cSld>
+  <p:clrMapOvr>
+    <a:masterClrMapping/>
+  </p:clrMapOvr>
+</p:sld>
+</file>
+
+<file path=ppt/slides/slide4.xml><?xml version="1.0" encoding="utf-8"?>
+<p:sld xmlns:a="http://schemas.openxmlformats.org/drawingml/2006/main" xmlns:r="http://schemas.openxmlformats.org/officeDocument/2006/relationships" xmlns:p="http://schemas.openxmlformats.org/presentationml/2006/main">
+  <p:cSld>
+    <p:spTree>
+      <p:nvGrpSpPr>
+        <p:cNvPr id="1" name=""/>
+        <p:cNvGrpSpPr/>
+        <p:nvPr/>
+      </p:nvGrpSpPr>
+      <p:grpSpPr>
+        <a:xfrm>
+          <a:off x="0" y="0"/>
+          <a:ext cx="0" cy="0"/>
+          <a:chOff x="0" y="0"/>
+          <a:chExt cx="0" cy="0"/>
+        </a:xfrm>
+      </p:grpSpPr>
+      <p:sp>
+        <p:nvSpPr>
+          <p:cNvPr id="2" name="Title 1"/>
+          <p:cNvSpPr>
+            <a:spLocks noGrp="1"/>
+          </p:cNvSpPr>
+          <p:nvPr>
+            <p:ph type="title"/>
+          </p:nvPr>
+        </p:nvSpPr>
+        <p:spPr/>
+        <p:txBody>
+          <a:bodyPr/>
+          <a:lstStyle/>
+          <a:p>
+            <a:r>
+              <a:rPr lang="en-US" dirty="0" err="1"/>
+              <a:t>Tokenisasi</a:t>
+            </a:r>
+            <a:endParaRPr lang="en-US" dirty="0"/>
+          </a:p>
+        </p:txBody>
+      </p:sp>
+      <p:grpSp>
+        <p:nvGrpSpPr>
+          <p:cNvPr id="3" name="Group 2"/>
+          <p:cNvGrpSpPr/>
+          <p:nvPr/>
+        </p:nvGrpSpPr>
+        <p:grpSpPr>
+          <a:xfrm>
+            <a:off x="838200" y="1826263"/>
+            <a:ext cx="4943990" cy="3350675"/>
+            <a:chOff x="838200" y="-313292"/>
+            <a:chExt cx="3416643" cy="3350675"/>
+          </a:xfrm>
+        </p:grpSpPr>
+        <p:grpSp>
+          <p:nvGrpSpPr>
+            <p:cNvPr id="4" name="Group 3"/>
+            <p:cNvGrpSpPr/>
+            <p:nvPr/>
+          </p:nvGrpSpPr>
+          <p:grpSpPr>
+            <a:xfrm>
+              <a:off x="838200" y="-313292"/>
+              <a:ext cx="3416643" cy="3350675"/>
+              <a:chOff x="838200" y="-313292"/>
+              <a:chExt cx="3906795" cy="3350675"/>
+            </a:xfrm>
+          </p:grpSpPr>
+          <p:sp>
+            <p:nvSpPr>
+              <p:cNvPr id="6" name="Rectangle 5"/>
+              <p:cNvSpPr/>
+              <p:nvPr/>
+            </p:nvSpPr>
+            <p:spPr>
+              <a:xfrm>
+                <a:off x="838200" y="-313292"/>
+                <a:ext cx="3906795" cy="486032"/>
+              </a:xfrm>
+              <a:prstGeom prst="rect">
+                <a:avLst/>
+              </a:prstGeom>
+            </p:spPr>
+            <p:style>
+              <a:lnRef idx="2">
+                <a:schemeClr val="accent5">
+                  <a:shade val="50000"/>
+                </a:schemeClr>
+              </a:lnRef>
+              <a:fillRef idx="1">
+                <a:schemeClr val="accent5"/>
+              </a:fillRef>
+              <a:effectRef idx="0">
+                <a:schemeClr val="accent5"/>
+              </a:effectRef>
+              <a:fontRef idx="minor">
+                <a:schemeClr val="lt1"/>
+              </a:fontRef>
+            </p:style>
+            <p:txBody>
+              <a:bodyPr rtlCol="0" anchor="ctr"/>
+              <a:lstStyle/>
+              <a:p>
+                <a:pPr algn="ctr"/>
+                <a:r>
+                  <a:rPr lang="en-US" dirty="0" err="1">
+                    <a:latin typeface="Times New Roman" panose="02020603050405020304" pitchFamily="18" charset="0"/>
+                    <a:cs typeface="Times New Roman" panose="02020603050405020304" pitchFamily="18" charset="0"/>
+                  </a:rPr>
+                  <a:t>Teks</a:t>
+                </a:r>
+                <a:r>
+                  <a:rPr lang="en-US" dirty="0">
+                    <a:latin typeface="Times New Roman" panose="02020603050405020304" pitchFamily="18" charset="0"/>
+                    <a:cs typeface="Times New Roman" panose="02020603050405020304" pitchFamily="18" charset="0"/>
+                  </a:rPr>
+                  <a:t> </a:t>
+                </a:r>
+                <a:r>
+                  <a:rPr lang="en-US" dirty="0" err="1">
+                    <a:latin typeface="Times New Roman" panose="02020603050405020304" pitchFamily="18" charset="0"/>
+                    <a:cs typeface="Times New Roman" panose="02020603050405020304" pitchFamily="18" charset="0"/>
+                  </a:rPr>
+                  <a:t>sebelum</a:t>
+                </a:r>
+                <a:r>
+                  <a:rPr lang="en-US" dirty="0">
+                    <a:latin typeface="Times New Roman" panose="02020603050405020304" pitchFamily="18" charset="0"/>
+                    <a:cs typeface="Times New Roman" panose="02020603050405020304" pitchFamily="18" charset="0"/>
+                  </a:rPr>
+                  <a:t> </a:t>
+                </a:r>
+                <a:r>
+                  <a:rPr lang="en-US" dirty="0" err="1">
+                    <a:latin typeface="Times New Roman" panose="02020603050405020304" pitchFamily="18" charset="0"/>
+                    <a:cs typeface="Times New Roman" panose="02020603050405020304" pitchFamily="18" charset="0"/>
+                  </a:rPr>
+                  <a:t>Pemotongan</a:t>
+                </a:r>
+                <a:r>
+                  <a:rPr lang="en-US" dirty="0">
+                    <a:latin typeface="Times New Roman" panose="02020603050405020304" pitchFamily="18" charset="0"/>
+                    <a:cs typeface="Times New Roman" panose="02020603050405020304" pitchFamily="18" charset="0"/>
+                  </a:rPr>
+                  <a:t> </a:t>
+                </a:r>
+                <a:r>
+                  <a:rPr lang="en-US" dirty="0" err="1">
+                    <a:latin typeface="Times New Roman" panose="02020603050405020304" pitchFamily="18" charset="0"/>
+                    <a:cs typeface="Times New Roman" panose="02020603050405020304" pitchFamily="18" charset="0"/>
+                  </a:rPr>
+                  <a:t>Kalimat</a:t>
+                </a:r>
+                <a:endParaRPr lang="en-US" dirty="0">
+                  <a:latin typeface="Times New Roman" panose="02020603050405020304" pitchFamily="18" charset="0"/>
+                  <a:cs typeface="Times New Roman" panose="02020603050405020304" pitchFamily="18" charset="0"/>
+                </a:endParaRPr>
+              </a:p>
+            </p:txBody>
+          </p:sp>
+          <p:sp>
+            <p:nvSpPr>
+              <p:cNvPr id="7" name="Rectangle 6"/>
+              <p:cNvSpPr/>
+              <p:nvPr/>
+            </p:nvSpPr>
+            <p:spPr>
+              <a:xfrm>
+                <a:off x="838200" y="172740"/>
+                <a:ext cx="3906795" cy="2864643"/>
+              </a:xfrm>
+              <a:prstGeom prst="rect">
+                <a:avLst/>
+              </a:prstGeom>
+              <a:noFill/>
+            </p:spPr>
+            <p:style>
+              <a:lnRef idx="2">
+                <a:schemeClr val="accent5">
+                  <a:shade val="50000"/>
+                </a:schemeClr>
+              </a:lnRef>
+              <a:fillRef idx="1">
+                <a:schemeClr val="accent5"/>
+              </a:fillRef>
+              <a:effectRef idx="0">
+                <a:schemeClr val="accent5"/>
+              </a:effectRef>
+              <a:fontRef idx="minor">
+                <a:schemeClr val="lt1"/>
+              </a:fontRef>
+            </p:style>
+            <p:txBody>
+              <a:bodyPr rtlCol="0" anchor="ctr"/>
+              <a:lstStyle/>
+              <a:p>
+                <a:pPr lvl="0" eaLnBrk="0" fontAlgn="base" hangingPunct="0">
+                  <a:spcBef>
+                    <a:spcPct val="0"/>
+                  </a:spcBef>
+                  <a:spcAft>
+                    <a:spcPct val="0"/>
+                  </a:spcAft>
+                </a:pPr>
+                <a:r>
+                  <a:rPr kumimoji="0" lang="en-US" altLang="en-US" sz="1600" b="0" i="0" u="none" strike="noStrike" cap="none" normalizeH="0" baseline="0" dirty="0" err="1">
+                    <a:ln>
+                      <a:noFill/>
+                    </a:ln>
+                    <a:solidFill>
+                      <a:schemeClr val="tx1"/>
+                    </a:solidFill>
+                    <a:effectLst/>
+                    <a:latin typeface="Times New Roman" panose="02020603050405020304" pitchFamily="18" charset="0"/>
+                    <a:cs typeface="Times New Roman" panose="02020603050405020304" pitchFamily="18" charset="0"/>
+                  </a:rPr>
+                  <a:t>Penyakit</a:t>
+                </a:r>
+                <a:r>
+                  <a:rPr kumimoji="0" lang="en-US" altLang="en-US" sz="1600" b="0" i="0" u="none" strike="noStrike" cap="none" normalizeH="0" baseline="0" dirty="0">
+                    <a:ln>
+                      <a:noFill/>
+                    </a:ln>
+                    <a:solidFill>
+                      <a:schemeClr val="tx1"/>
+                    </a:solidFill>
+                    <a:effectLst/>
+                    <a:latin typeface="Times New Roman" panose="02020603050405020304" pitchFamily="18" charset="0"/>
+                    <a:cs typeface="Times New Roman" panose="02020603050405020304" pitchFamily="18" charset="0"/>
+                  </a:rPr>
+                  <a:t> </a:t>
+                </a:r>
+                <a:r>
+                  <a:rPr kumimoji="0" lang="en-US" altLang="en-US" sz="1600" b="0" i="0" u="none" strike="noStrike" cap="none" normalizeH="0" baseline="0" dirty="0" err="1">
+                    <a:ln>
+                      <a:noFill/>
+                    </a:ln>
+                    <a:solidFill>
+                      <a:schemeClr val="tx1"/>
+                    </a:solidFill>
+                    <a:effectLst/>
+                    <a:latin typeface="Times New Roman" panose="02020603050405020304" pitchFamily="18" charset="0"/>
+                    <a:cs typeface="Times New Roman" panose="02020603050405020304" pitchFamily="18" charset="0"/>
+                  </a:rPr>
+                  <a:t>apa</a:t>
+                </a:r>
+                <a:r>
+                  <a:rPr kumimoji="0" lang="en-US" altLang="en-US" sz="1600" b="0" i="0" u="none" strike="noStrike" cap="none" normalizeH="0" baseline="0" dirty="0">
+                    <a:ln>
+                      <a:noFill/>
+                    </a:ln>
+                    <a:solidFill>
+                      <a:schemeClr val="tx1"/>
+                    </a:solidFill>
+                    <a:effectLst/>
+                    <a:latin typeface="Times New Roman" panose="02020603050405020304" pitchFamily="18" charset="0"/>
+                    <a:cs typeface="Times New Roman" panose="02020603050405020304" pitchFamily="18" charset="0"/>
+                  </a:rPr>
+                  <a:t> </a:t>
+                </a:r>
+                <a:r>
+                  <a:rPr kumimoji="0" lang="en-US" altLang="en-US" sz="1600" b="0" i="0" u="none" strike="noStrike" cap="none" normalizeH="0" baseline="0" dirty="0" err="1">
+                    <a:ln>
+                      <a:noFill/>
+                    </a:ln>
+                    <a:solidFill>
+                      <a:schemeClr val="tx1"/>
+                    </a:solidFill>
+                    <a:effectLst/>
+                    <a:latin typeface="Times New Roman" panose="02020603050405020304" pitchFamily="18" charset="0"/>
+                    <a:cs typeface="Times New Roman" panose="02020603050405020304" pitchFamily="18" charset="0"/>
+                  </a:rPr>
+                  <a:t>ini</a:t>
+                </a:r>
+                <a:r>
+                  <a:rPr kumimoji="0" lang="en-US" altLang="en-US" sz="1600" b="0" i="0" u="none" strike="noStrike" cap="none" normalizeH="0" baseline="0" dirty="0">
+                    <a:ln>
+                      <a:noFill/>
+                    </a:ln>
+                    <a:solidFill>
+                      <a:schemeClr val="tx1"/>
+                    </a:solidFill>
+                    <a:effectLst/>
+                    <a:latin typeface="Times New Roman" panose="02020603050405020304" pitchFamily="18" charset="0"/>
+                    <a:cs typeface="Times New Roman" panose="02020603050405020304" pitchFamily="18" charset="0"/>
+                  </a:rPr>
+                  <a:t> ? </a:t>
+                </a:r>
+                <a:r>
+                  <a:rPr kumimoji="0" lang="en-US" altLang="en-US" sz="1600" b="0" i="0" u="none" strike="noStrike" cap="none" normalizeH="0" baseline="0" dirty="0" err="1">
+                    <a:ln>
+                      <a:noFill/>
+                    </a:ln>
+                    <a:solidFill>
+                      <a:schemeClr val="tx1"/>
+                    </a:solidFill>
+                    <a:effectLst/>
+                    <a:latin typeface="Times New Roman" panose="02020603050405020304" pitchFamily="18" charset="0"/>
+                    <a:cs typeface="Times New Roman" panose="02020603050405020304" pitchFamily="18" charset="0"/>
+                  </a:rPr>
+                  <a:t>Apakah</a:t>
+                </a:r>
+                <a:r>
+                  <a:rPr kumimoji="0" lang="en-US" altLang="en-US" sz="1600" b="0" i="0" u="none" strike="noStrike" cap="none" normalizeH="0" baseline="0" dirty="0">
+                    <a:ln>
+                      <a:noFill/>
+                    </a:ln>
+                    <a:solidFill>
+                      <a:schemeClr val="tx1"/>
+                    </a:solidFill>
+                    <a:effectLst/>
+                    <a:latin typeface="Times New Roman" panose="02020603050405020304" pitchFamily="18" charset="0"/>
+                    <a:cs typeface="Times New Roman" panose="02020603050405020304" pitchFamily="18" charset="0"/>
+                  </a:rPr>
+                  <a:t> </a:t>
+                </a:r>
+                <a:r>
+                  <a:rPr kumimoji="0" lang="en-US" altLang="en-US" sz="1600" b="0" i="0" u="none" strike="noStrike" cap="none" normalizeH="0" baseline="0" dirty="0" err="1">
+                    <a:ln>
+                      <a:noFill/>
+                    </a:ln>
+                    <a:solidFill>
+                      <a:schemeClr val="tx1"/>
+                    </a:solidFill>
+                    <a:effectLst/>
+                    <a:latin typeface="Times New Roman" panose="02020603050405020304" pitchFamily="18" charset="0"/>
+                    <a:cs typeface="Times New Roman" panose="02020603050405020304" pitchFamily="18" charset="0"/>
+                  </a:rPr>
+                  <a:t>berbahaya</a:t>
+                </a:r>
+                <a:r>
+                  <a:rPr kumimoji="0" lang="en-US" altLang="en-US" sz="1600" b="0" i="0" u="none" strike="noStrike" cap="none" normalizeH="0" baseline="0" dirty="0">
+                    <a:ln>
+                      <a:noFill/>
+                    </a:ln>
+                    <a:solidFill>
+                      <a:schemeClr val="tx1"/>
+                    </a:solidFill>
+                    <a:effectLst/>
+                    <a:latin typeface="Times New Roman" panose="02020603050405020304" pitchFamily="18" charset="0"/>
+                    <a:cs typeface="Times New Roman" panose="02020603050405020304" pitchFamily="18" charset="0"/>
+                  </a:rPr>
+                  <a:t> ? </a:t>
+                </a:r>
+                <a:r>
+                  <a:rPr kumimoji="0" lang="en-US" altLang="en-US" sz="1600" b="0" i="0" u="none" strike="noStrike" cap="none" normalizeH="0" baseline="0" dirty="0" err="1">
+                    <a:ln>
+                      <a:noFill/>
+                    </a:ln>
+                    <a:solidFill>
+                      <a:schemeClr val="tx1"/>
+                    </a:solidFill>
+                    <a:effectLst/>
+                    <a:latin typeface="Times New Roman" panose="02020603050405020304" pitchFamily="18" charset="0"/>
+                    <a:cs typeface="Times New Roman" panose="02020603050405020304" pitchFamily="18" charset="0"/>
+                  </a:rPr>
+                  <a:t>Bagaimana</a:t>
+                </a:r>
+                <a:r>
+                  <a:rPr kumimoji="0" lang="en-US" altLang="en-US" sz="1600" b="0" i="0" u="none" strike="noStrike" cap="none" normalizeH="0" baseline="0" dirty="0">
+                    <a:ln>
+                      <a:noFill/>
+                    </a:ln>
+                    <a:solidFill>
+                      <a:schemeClr val="tx1"/>
+                    </a:solidFill>
+                    <a:effectLst/>
+                    <a:latin typeface="Times New Roman" panose="02020603050405020304" pitchFamily="18" charset="0"/>
+                    <a:cs typeface="Times New Roman" panose="02020603050405020304" pitchFamily="18" charset="0"/>
+                  </a:rPr>
+                  <a:t> </a:t>
+                </a:r>
+                <a:r>
+                  <a:rPr kumimoji="0" lang="en-US" altLang="en-US" sz="1600" b="0" i="0" u="none" strike="noStrike" cap="none" normalizeH="0" baseline="0" dirty="0" err="1">
+                    <a:ln>
+                      <a:noFill/>
+                    </a:ln>
+                    <a:solidFill>
+                      <a:schemeClr val="tx1"/>
+                    </a:solidFill>
+                    <a:effectLst/>
+                    <a:latin typeface="Times New Roman" panose="02020603050405020304" pitchFamily="18" charset="0"/>
+                    <a:cs typeface="Times New Roman" panose="02020603050405020304" pitchFamily="18" charset="0"/>
+                  </a:rPr>
+                  <a:t>cara</a:t>
+                </a:r>
+                <a:r>
+                  <a:rPr kumimoji="0" lang="en-US" altLang="en-US" sz="1600" b="0" i="0" u="none" strike="noStrike" cap="none" normalizeH="0" baseline="0" dirty="0">
+                    <a:ln>
+                      <a:noFill/>
+                    </a:ln>
+                    <a:solidFill>
+                      <a:schemeClr val="tx1"/>
+                    </a:solidFill>
+                    <a:effectLst/>
+                    <a:latin typeface="Times New Roman" panose="02020603050405020304" pitchFamily="18" charset="0"/>
+                    <a:cs typeface="Times New Roman" panose="02020603050405020304" pitchFamily="18" charset="0"/>
+                  </a:rPr>
+                  <a:t> </a:t>
+                </a:r>
+                <a:r>
+                  <a:rPr kumimoji="0" lang="en-US" altLang="en-US" sz="1600" b="0" i="0" u="none" strike="noStrike" cap="none" normalizeH="0" baseline="0" dirty="0" err="1">
+                    <a:ln>
+                      <a:noFill/>
+                    </a:ln>
+                    <a:solidFill>
+                      <a:schemeClr val="tx1"/>
+                    </a:solidFill>
+                    <a:effectLst/>
+                    <a:latin typeface="Times New Roman" panose="02020603050405020304" pitchFamily="18" charset="0"/>
+                    <a:cs typeface="Times New Roman" panose="02020603050405020304" pitchFamily="18" charset="0"/>
+                  </a:rPr>
+                  <a:t>menanganinya</a:t>
+                </a:r>
+                <a:r>
+                  <a:rPr kumimoji="0" lang="en-US" altLang="en-US" sz="1600" b="0" i="0" u="none" strike="noStrike" cap="none" normalizeH="0" baseline="0" dirty="0">
+                    <a:ln>
+                      <a:noFill/>
+                    </a:ln>
+                    <a:solidFill>
+                      <a:schemeClr val="tx1"/>
+                    </a:solidFill>
+                    <a:effectLst/>
+                    <a:latin typeface="Times New Roman" panose="02020603050405020304" pitchFamily="18" charset="0"/>
+                    <a:cs typeface="Times New Roman" panose="02020603050405020304" pitchFamily="18" charset="0"/>
+                  </a:rPr>
+                  <a:t> </a:t>
+                </a:r>
+                <a:r>
+                  <a:rPr kumimoji="0" lang="en-US" altLang="en-US" sz="1600" b="0" i="0" u="none" strike="noStrike" cap="none" normalizeH="0" baseline="0" dirty="0" err="1">
+                    <a:ln>
+                      <a:noFill/>
+                    </a:ln>
+                    <a:solidFill>
+                      <a:schemeClr val="tx1"/>
+                    </a:solidFill>
+                    <a:effectLst/>
+                    <a:latin typeface="Times New Roman" panose="02020603050405020304" pitchFamily="18" charset="0"/>
+                    <a:cs typeface="Times New Roman" panose="02020603050405020304" pitchFamily="18" charset="0"/>
+                  </a:rPr>
+                  <a:t>selain</a:t>
+                </a:r>
+                <a:r>
+                  <a:rPr kumimoji="0" lang="en-US" altLang="en-US" sz="1600" b="0" i="0" u="none" strike="noStrike" cap="none" normalizeH="0" baseline="0" dirty="0">
+                    <a:ln>
+                      <a:noFill/>
+                    </a:ln>
+                    <a:solidFill>
+                      <a:schemeClr val="tx1"/>
+                    </a:solidFill>
+                    <a:effectLst/>
+                    <a:latin typeface="Times New Roman" panose="02020603050405020304" pitchFamily="18" charset="0"/>
+                    <a:cs typeface="Times New Roman" panose="02020603050405020304" pitchFamily="18" charset="0"/>
+                  </a:rPr>
+                  <a:t> </a:t>
+                </a:r>
+                <a:r>
+                  <a:rPr kumimoji="0" lang="en-US" altLang="en-US" sz="1600" b="0" i="0" u="none" strike="noStrike" cap="none" normalizeH="0" baseline="0" dirty="0" err="1">
+                    <a:ln>
+                      <a:noFill/>
+                    </a:ln>
+                    <a:solidFill>
+                      <a:schemeClr val="tx1"/>
+                    </a:solidFill>
+                    <a:effectLst/>
+                    <a:latin typeface="Times New Roman" panose="02020603050405020304" pitchFamily="18" charset="0"/>
+                    <a:cs typeface="Times New Roman" panose="02020603050405020304" pitchFamily="18" charset="0"/>
+                  </a:rPr>
+                  <a:t>obat</a:t>
+                </a:r>
+                <a:r>
+                  <a:rPr kumimoji="0" lang="en-US" altLang="en-US" sz="1600" b="0" i="0" u="none" strike="noStrike" cap="none" normalizeH="0" baseline="0" dirty="0">
+                    <a:ln>
+                      <a:noFill/>
+                    </a:ln>
+                    <a:solidFill>
+                      <a:schemeClr val="tx1"/>
+                    </a:solidFill>
+                    <a:effectLst/>
+                    <a:latin typeface="Times New Roman" panose="02020603050405020304" pitchFamily="18" charset="0"/>
+                    <a:cs typeface="Times New Roman" panose="02020603050405020304" pitchFamily="18" charset="0"/>
+                  </a:rPr>
+                  <a:t> ? Saya </a:t>
+                </a:r>
+                <a:r>
+                  <a:rPr kumimoji="0" lang="en-US" altLang="en-US" sz="1600" b="0" i="0" u="none" strike="noStrike" cap="none" normalizeH="0" baseline="0" dirty="0" err="1">
+                    <a:ln>
+                      <a:noFill/>
+                    </a:ln>
+                    <a:solidFill>
+                      <a:schemeClr val="tx1"/>
+                    </a:solidFill>
+                    <a:effectLst/>
+                    <a:latin typeface="Times New Roman" panose="02020603050405020304" pitchFamily="18" charset="0"/>
+                    <a:cs typeface="Times New Roman" panose="02020603050405020304" pitchFamily="18" charset="0"/>
+                  </a:rPr>
+                  <a:t>kadang</a:t>
+                </a:r>
+                <a:r>
+                  <a:rPr kumimoji="0" lang="en-US" altLang="en-US" sz="1600" b="0" i="0" u="none" strike="noStrike" cap="none" normalizeH="0" baseline="0" dirty="0">
+                    <a:ln>
+                      <a:noFill/>
+                    </a:ln>
+                    <a:solidFill>
+                      <a:schemeClr val="tx1"/>
+                    </a:solidFill>
+                    <a:effectLst/>
+                    <a:latin typeface="Times New Roman" panose="02020603050405020304" pitchFamily="18" charset="0"/>
+                    <a:cs typeface="Times New Roman" panose="02020603050405020304" pitchFamily="18" charset="0"/>
+                  </a:rPr>
+                  <a:t> </a:t>
+                </a:r>
+                <a:r>
+                  <a:rPr kumimoji="0" lang="en-US" altLang="en-US" sz="1600" b="0" i="0" u="none" strike="noStrike" cap="none" normalizeH="0" baseline="0" dirty="0" err="1">
+                    <a:ln>
+                      <a:noFill/>
+                    </a:ln>
+                    <a:solidFill>
+                      <a:schemeClr val="tx1"/>
+                    </a:solidFill>
+                    <a:effectLst/>
+                    <a:latin typeface="Times New Roman" panose="02020603050405020304" pitchFamily="18" charset="0"/>
+                    <a:cs typeface="Times New Roman" panose="02020603050405020304" pitchFamily="18" charset="0"/>
+                  </a:rPr>
+                  <a:t>bisa</a:t>
+                </a:r>
+                <a:r>
+                  <a:rPr kumimoji="0" lang="en-US" altLang="en-US" sz="1600" b="0" i="0" u="none" strike="noStrike" cap="none" normalizeH="0" baseline="0" dirty="0">
+                    <a:ln>
+                      <a:noFill/>
+                    </a:ln>
+                    <a:solidFill>
+                      <a:schemeClr val="tx1"/>
+                    </a:solidFill>
+                    <a:effectLst/>
+                    <a:latin typeface="Times New Roman" panose="02020603050405020304" pitchFamily="18" charset="0"/>
+                    <a:cs typeface="Times New Roman" panose="02020603050405020304" pitchFamily="18" charset="0"/>
+                  </a:rPr>
+                  <a:t> </a:t>
+                </a:r>
+                <a:r>
+                  <a:rPr kumimoji="0" lang="en-US" altLang="en-US" sz="1600" b="0" i="0" u="none" strike="noStrike" cap="none" normalizeH="0" baseline="0" dirty="0" err="1">
+                    <a:ln>
+                      <a:noFill/>
+                    </a:ln>
+                    <a:solidFill>
+                      <a:schemeClr val="tx1"/>
+                    </a:solidFill>
+                    <a:effectLst/>
+                    <a:latin typeface="Times New Roman" panose="02020603050405020304" pitchFamily="18" charset="0"/>
+                    <a:cs typeface="Times New Roman" panose="02020603050405020304" pitchFamily="18" charset="0"/>
+                  </a:rPr>
+                  <a:t>muncul</a:t>
+                </a:r>
+                <a:r>
+                  <a:rPr kumimoji="0" lang="en-US" altLang="en-US" sz="1600" b="0" i="0" u="none" strike="noStrike" cap="none" normalizeH="0" baseline="0" dirty="0">
+                    <a:ln>
+                      <a:noFill/>
+                    </a:ln>
+                    <a:solidFill>
+                      <a:schemeClr val="tx1"/>
+                    </a:solidFill>
+                    <a:effectLst/>
+                    <a:latin typeface="Times New Roman" panose="02020603050405020304" pitchFamily="18" charset="0"/>
+                    <a:cs typeface="Times New Roman" panose="02020603050405020304" pitchFamily="18" charset="0"/>
+                  </a:rPr>
+                  <a:t> rasa </a:t>
+                </a:r>
+                <a:r>
+                  <a:rPr kumimoji="0" lang="en-US" altLang="en-US" sz="1600" b="0" i="0" u="none" strike="noStrike" cap="none" normalizeH="0" baseline="0" dirty="0" err="1">
+                    <a:ln>
+                      <a:noFill/>
+                    </a:ln>
+                    <a:solidFill>
+                      <a:schemeClr val="tx1"/>
+                    </a:solidFill>
+                    <a:effectLst/>
+                    <a:latin typeface="Times New Roman" panose="02020603050405020304" pitchFamily="18" charset="0"/>
+                    <a:cs typeface="Times New Roman" panose="02020603050405020304" pitchFamily="18" charset="0"/>
+                  </a:rPr>
+                  <a:t>sakit</a:t>
+                </a:r>
+                <a:r>
+                  <a:rPr kumimoji="0" lang="en-US" altLang="en-US" sz="1600" b="0" i="0" u="none" strike="noStrike" cap="none" normalizeH="0" baseline="0" dirty="0">
+                    <a:ln>
+                      <a:noFill/>
+                    </a:ln>
+                    <a:solidFill>
+                      <a:schemeClr val="tx1"/>
+                    </a:solidFill>
+                    <a:effectLst/>
+                    <a:latin typeface="Times New Roman" panose="02020603050405020304" pitchFamily="18" charset="0"/>
+                    <a:cs typeface="Times New Roman" panose="02020603050405020304" pitchFamily="18" charset="0"/>
+                  </a:rPr>
+                  <a:t> </a:t>
+                </a:r>
+                <a:r>
+                  <a:rPr kumimoji="0" lang="en-US" altLang="en-US" sz="1600" b="0" i="0" u="none" strike="noStrike" cap="none" normalizeH="0" baseline="0" dirty="0" err="1">
+                    <a:ln>
+                      <a:noFill/>
+                    </a:ln>
+                    <a:solidFill>
+                      <a:schemeClr val="tx1"/>
+                    </a:solidFill>
+                    <a:effectLst/>
+                    <a:latin typeface="Times New Roman" panose="02020603050405020304" pitchFamily="18" charset="0"/>
+                    <a:cs typeface="Times New Roman" panose="02020603050405020304" pitchFamily="18" charset="0"/>
+                  </a:rPr>
+                  <a:t>dibagian</a:t>
+                </a:r>
+                <a:r>
+                  <a:rPr kumimoji="0" lang="en-US" altLang="en-US" sz="1600" b="0" i="0" u="none" strike="noStrike" cap="none" normalizeH="0" baseline="0" dirty="0">
+                    <a:ln>
+                      <a:noFill/>
+                    </a:ln>
+                    <a:solidFill>
+                      <a:schemeClr val="tx1"/>
+                    </a:solidFill>
+                    <a:effectLst/>
+                    <a:latin typeface="Times New Roman" panose="02020603050405020304" pitchFamily="18" charset="0"/>
+                    <a:cs typeface="Times New Roman" panose="02020603050405020304" pitchFamily="18" charset="0"/>
+                  </a:rPr>
+                  <a:t> </a:t>
+                </a:r>
+                <a:r>
+                  <a:rPr kumimoji="0" lang="en-US" altLang="en-US" sz="1600" b="0" i="0" u="none" strike="noStrike" cap="none" normalizeH="0" baseline="0" dirty="0" err="1">
+                    <a:ln>
+                      <a:noFill/>
+                    </a:ln>
+                    <a:solidFill>
+                      <a:schemeClr val="tx1"/>
+                    </a:solidFill>
+                    <a:effectLst/>
+                    <a:latin typeface="Times New Roman" panose="02020603050405020304" pitchFamily="18" charset="0"/>
+                    <a:cs typeface="Times New Roman" panose="02020603050405020304" pitchFamily="18" charset="0"/>
+                  </a:rPr>
+                  <a:t>dada</a:t>
+                </a:r>
+                <a:r>
+                  <a:rPr kumimoji="0" lang="en-US" altLang="en-US" sz="1600" b="0" i="0" u="none" strike="noStrike" cap="none" normalizeH="0" baseline="0" dirty="0">
+                    <a:ln>
+                      <a:noFill/>
+                    </a:ln>
+                    <a:solidFill>
+                      <a:schemeClr val="tx1"/>
+                    </a:solidFill>
+                    <a:effectLst/>
+                    <a:latin typeface="Times New Roman" panose="02020603050405020304" pitchFamily="18" charset="0"/>
+                    <a:cs typeface="Times New Roman" panose="02020603050405020304" pitchFamily="18" charset="0"/>
+                  </a:rPr>
+                  <a:t> </a:t>
+                </a:r>
+                <a:r>
+                  <a:rPr kumimoji="0" lang="en-US" altLang="en-US" sz="1600" b="0" i="0" u="none" strike="noStrike" cap="none" normalizeH="0" baseline="0" dirty="0" err="1">
+                    <a:ln>
+                      <a:noFill/>
+                    </a:ln>
+                    <a:solidFill>
+                      <a:schemeClr val="tx1"/>
+                    </a:solidFill>
+                    <a:effectLst/>
+                    <a:latin typeface="Times New Roman" panose="02020603050405020304" pitchFamily="18" charset="0"/>
+                    <a:cs typeface="Times New Roman" panose="02020603050405020304" pitchFamily="18" charset="0"/>
+                  </a:rPr>
+                  <a:t>sebelah</a:t>
+                </a:r>
+                <a:r>
+                  <a:rPr kumimoji="0" lang="en-US" altLang="en-US" sz="1600" b="0" i="0" u="none" strike="noStrike" cap="none" normalizeH="0" baseline="0" dirty="0">
+                    <a:ln>
+                      <a:noFill/>
+                    </a:ln>
+                    <a:solidFill>
+                      <a:schemeClr val="tx1"/>
+                    </a:solidFill>
+                    <a:effectLst/>
+                    <a:latin typeface="Times New Roman" panose="02020603050405020304" pitchFamily="18" charset="0"/>
+                    <a:cs typeface="Times New Roman" panose="02020603050405020304" pitchFamily="18" charset="0"/>
+                  </a:rPr>
+                  <a:t> </a:t>
+                </a:r>
+                <a:r>
+                  <a:rPr kumimoji="0" lang="en-US" altLang="en-US" sz="1600" b="0" i="0" u="none" strike="noStrike" cap="none" normalizeH="0" baseline="0" dirty="0" err="1">
+                    <a:ln>
+                      <a:noFill/>
+                    </a:ln>
+                    <a:solidFill>
+                      <a:schemeClr val="tx1"/>
+                    </a:solidFill>
+                    <a:effectLst/>
+                    <a:latin typeface="Times New Roman" panose="02020603050405020304" pitchFamily="18" charset="0"/>
+                    <a:cs typeface="Times New Roman" panose="02020603050405020304" pitchFamily="18" charset="0"/>
+                  </a:rPr>
+                  <a:t>kiri</a:t>
+                </a:r>
+                <a:r>
+                  <a:rPr kumimoji="0" lang="en-US" altLang="en-US" sz="1600" b="0" i="0" u="none" strike="noStrike" cap="none" normalizeH="0" baseline="0" dirty="0">
+                    <a:ln>
+                      <a:noFill/>
+                    </a:ln>
+                    <a:solidFill>
+                      <a:schemeClr val="tx1"/>
+                    </a:solidFill>
+                    <a:effectLst/>
+                    <a:latin typeface="Times New Roman" panose="02020603050405020304" pitchFamily="18" charset="0"/>
+                    <a:cs typeface="Times New Roman" panose="02020603050405020304" pitchFamily="18" charset="0"/>
+                  </a:rPr>
+                  <a:t> </a:t>
+                </a:r>
+                <a:r>
+                  <a:rPr kumimoji="0" lang="en-US" altLang="en-US" sz="1600" b="0" i="0" u="none" strike="noStrike" cap="none" normalizeH="0" baseline="0" dirty="0" err="1">
+                    <a:ln>
+                      <a:noFill/>
+                    </a:ln>
+                    <a:solidFill>
+                      <a:schemeClr val="tx1"/>
+                    </a:solidFill>
+                    <a:effectLst/>
+                    <a:latin typeface="Times New Roman" panose="02020603050405020304" pitchFamily="18" charset="0"/>
+                    <a:cs typeface="Times New Roman" panose="02020603050405020304" pitchFamily="18" charset="0"/>
+                  </a:rPr>
+                  <a:t>bawah</a:t>
+                </a:r>
+                <a:r>
+                  <a:rPr kumimoji="0" lang="en-US" altLang="en-US" sz="1600" b="0" i="0" u="none" strike="noStrike" cap="none" normalizeH="0" baseline="0" dirty="0">
+                    <a:ln>
+                      <a:noFill/>
+                    </a:ln>
+                    <a:solidFill>
+                      <a:schemeClr val="tx1"/>
+                    </a:solidFill>
+                    <a:effectLst/>
+                    <a:latin typeface="Times New Roman" panose="02020603050405020304" pitchFamily="18" charset="0"/>
+                    <a:cs typeface="Times New Roman" panose="02020603050405020304" pitchFamily="18" charset="0"/>
+                  </a:rPr>
+                  <a:t> . </a:t>
+                </a:r>
+                <a:r>
+                  <a:rPr kumimoji="0" lang="en-US" altLang="en-US" sz="1600" b="0" i="0" u="none" strike="noStrike" cap="none" normalizeH="0" baseline="0" dirty="0" err="1">
+                    <a:ln>
+                      <a:noFill/>
+                    </a:ln>
+                    <a:solidFill>
+                      <a:schemeClr val="tx1"/>
+                    </a:solidFill>
+                    <a:effectLst/>
+                    <a:latin typeface="Times New Roman" panose="02020603050405020304" pitchFamily="18" charset="0"/>
+                    <a:cs typeface="Times New Roman" panose="02020603050405020304" pitchFamily="18" charset="0"/>
+                  </a:rPr>
+                  <a:t>Kadang</a:t>
+                </a:r>
+                <a:r>
+                  <a:rPr kumimoji="0" lang="en-US" altLang="en-US" sz="1600" b="0" i="0" u="none" strike="noStrike" cap="none" normalizeH="0" baseline="0" dirty="0">
+                    <a:ln>
+                      <a:noFill/>
+                    </a:ln>
+                    <a:solidFill>
+                      <a:schemeClr val="tx1"/>
+                    </a:solidFill>
+                    <a:effectLst/>
+                    <a:latin typeface="Times New Roman" panose="02020603050405020304" pitchFamily="18" charset="0"/>
+                    <a:cs typeface="Times New Roman" panose="02020603050405020304" pitchFamily="18" charset="0"/>
+                  </a:rPr>
+                  <a:t> </a:t>
+                </a:r>
+                <a:r>
+                  <a:rPr kumimoji="0" lang="en-US" altLang="en-US" sz="1600" b="0" i="0" u="none" strike="noStrike" cap="none" normalizeH="0" baseline="0" dirty="0" err="1">
+                    <a:ln>
+                      <a:noFill/>
+                    </a:ln>
+                    <a:solidFill>
+                      <a:schemeClr val="tx1"/>
+                    </a:solidFill>
+                    <a:effectLst/>
+                    <a:latin typeface="Times New Roman" panose="02020603050405020304" pitchFamily="18" charset="0"/>
+                    <a:cs typeface="Times New Roman" panose="02020603050405020304" pitchFamily="18" charset="0"/>
+                  </a:rPr>
+                  <a:t>bisa</a:t>
+                </a:r>
+                <a:r>
+                  <a:rPr kumimoji="0" lang="en-US" altLang="en-US" sz="1600" b="0" i="0" u="none" strike="noStrike" cap="none" normalizeH="0" baseline="0" dirty="0">
+                    <a:ln>
+                      <a:noFill/>
+                    </a:ln>
+                    <a:solidFill>
+                      <a:schemeClr val="tx1"/>
+                    </a:solidFill>
+                    <a:effectLst/>
+                    <a:latin typeface="Times New Roman" panose="02020603050405020304" pitchFamily="18" charset="0"/>
+                    <a:cs typeface="Times New Roman" panose="02020603050405020304" pitchFamily="18" charset="0"/>
+                  </a:rPr>
+                  <a:t> </a:t>
+                </a:r>
+                <a:r>
+                  <a:rPr kumimoji="0" lang="en-US" altLang="en-US" sz="1600" b="0" i="0" u="none" strike="noStrike" cap="none" normalizeH="0" baseline="0" dirty="0" err="1">
+                    <a:ln>
+                      <a:noFill/>
+                    </a:ln>
+                    <a:solidFill>
+                      <a:schemeClr val="tx1"/>
+                    </a:solidFill>
+                    <a:effectLst/>
+                    <a:latin typeface="Times New Roman" panose="02020603050405020304" pitchFamily="18" charset="0"/>
+                    <a:cs typeface="Times New Roman" panose="02020603050405020304" pitchFamily="18" charset="0"/>
+                  </a:rPr>
+                  <a:t>ditengah</a:t>
+                </a:r>
+                <a:r>
+                  <a:rPr kumimoji="0" lang="en-US" altLang="en-US" sz="1600" b="0" i="0" u="none" strike="noStrike" cap="none" normalizeH="0" baseline="0" dirty="0">
+                    <a:ln>
+                      <a:noFill/>
+                    </a:ln>
+                    <a:solidFill>
+                      <a:schemeClr val="tx1"/>
+                    </a:solidFill>
+                    <a:effectLst/>
+                    <a:latin typeface="Times New Roman" panose="02020603050405020304" pitchFamily="18" charset="0"/>
+                    <a:cs typeface="Times New Roman" panose="02020603050405020304" pitchFamily="18" charset="0"/>
+                  </a:rPr>
+                  <a:t> ( </a:t>
+                </a:r>
+                <a:r>
+                  <a:rPr kumimoji="0" lang="en-US" altLang="en-US" sz="1600" b="0" i="0" u="none" strike="noStrike" cap="none" normalizeH="0" baseline="0" dirty="0" err="1">
+                    <a:ln>
+                      <a:noFill/>
+                    </a:ln>
+                    <a:solidFill>
+                      <a:schemeClr val="tx1"/>
+                    </a:solidFill>
+                    <a:effectLst/>
+                    <a:latin typeface="Times New Roman" panose="02020603050405020304" pitchFamily="18" charset="0"/>
+                    <a:cs typeface="Times New Roman" panose="02020603050405020304" pitchFamily="18" charset="0"/>
+                  </a:rPr>
+                  <a:t>diatas</a:t>
+                </a:r>
+                <a:r>
+                  <a:rPr kumimoji="0" lang="en-US" altLang="en-US" sz="1600" b="0" i="0" u="none" strike="noStrike" cap="none" normalizeH="0" baseline="0" dirty="0">
+                    <a:ln>
+                      <a:noFill/>
+                    </a:ln>
+                    <a:solidFill>
+                      <a:schemeClr val="tx1"/>
+                    </a:solidFill>
+                    <a:effectLst/>
+                    <a:latin typeface="Times New Roman" panose="02020603050405020304" pitchFamily="18" charset="0"/>
+                    <a:cs typeface="Times New Roman" panose="02020603050405020304" pitchFamily="18" charset="0"/>
+                  </a:rPr>
+                  <a:t> </a:t>
+                </a:r>
+                <a:r>
+                  <a:rPr kumimoji="0" lang="en-US" altLang="en-US" sz="1600" b="0" i="0" u="none" strike="noStrike" cap="none" normalizeH="0" baseline="0" dirty="0" err="1">
+                    <a:ln>
+                      <a:noFill/>
+                    </a:ln>
+                    <a:solidFill>
+                      <a:schemeClr val="tx1"/>
+                    </a:solidFill>
+                    <a:effectLst/>
+                    <a:latin typeface="Times New Roman" panose="02020603050405020304" pitchFamily="18" charset="0"/>
+                    <a:cs typeface="Times New Roman" panose="02020603050405020304" pitchFamily="18" charset="0"/>
+                  </a:rPr>
+                  <a:t>perut</a:t>
+                </a:r>
+                <a:r>
+                  <a:rPr kumimoji="0" lang="en-US" altLang="en-US" sz="1600" b="0" i="0" u="none" strike="noStrike" cap="none" normalizeH="0" baseline="0" dirty="0">
+                    <a:ln>
+                      <a:noFill/>
+                    </a:ln>
+                    <a:solidFill>
+                      <a:schemeClr val="tx1"/>
+                    </a:solidFill>
+                    <a:effectLst/>
+                    <a:latin typeface="Times New Roman" panose="02020603050405020304" pitchFamily="18" charset="0"/>
+                    <a:cs typeface="Times New Roman" panose="02020603050405020304" pitchFamily="18" charset="0"/>
+                  </a:rPr>
+                  <a:t> ) . Rasa </a:t>
+                </a:r>
+                <a:r>
+                  <a:rPr kumimoji="0" lang="en-US" altLang="en-US" sz="1600" b="0" i="0" u="none" strike="noStrike" cap="none" normalizeH="0" baseline="0" dirty="0" err="1">
+                    <a:ln>
+                      <a:noFill/>
+                    </a:ln>
+                    <a:solidFill>
+                      <a:schemeClr val="tx1"/>
+                    </a:solidFill>
+                    <a:effectLst/>
+                    <a:latin typeface="Times New Roman" panose="02020603050405020304" pitchFamily="18" charset="0"/>
+                    <a:cs typeface="Times New Roman" panose="02020603050405020304" pitchFamily="18" charset="0"/>
+                  </a:rPr>
+                  <a:t>sakitnya</a:t>
+                </a:r>
+                <a:r>
+                  <a:rPr kumimoji="0" lang="en-US" altLang="en-US" sz="1600" b="0" i="0" u="none" strike="noStrike" cap="none" normalizeH="0" baseline="0" dirty="0">
+                    <a:ln>
+                      <a:noFill/>
+                    </a:ln>
+                    <a:solidFill>
+                      <a:schemeClr val="tx1"/>
+                    </a:solidFill>
+                    <a:effectLst/>
+                    <a:latin typeface="Times New Roman" panose="02020603050405020304" pitchFamily="18" charset="0"/>
+                    <a:cs typeface="Times New Roman" panose="02020603050405020304" pitchFamily="18" charset="0"/>
+                  </a:rPr>
+                  <a:t> </a:t>
+                </a:r>
+                <a:r>
+                  <a:rPr kumimoji="0" lang="en-US" altLang="en-US" sz="1600" b="0" i="0" u="none" strike="noStrike" cap="none" normalizeH="0" baseline="0" dirty="0" err="1">
+                    <a:ln>
+                      <a:noFill/>
+                    </a:ln>
+                    <a:solidFill>
+                      <a:schemeClr val="tx1"/>
+                    </a:solidFill>
+                    <a:effectLst/>
+                    <a:latin typeface="Times New Roman" panose="02020603050405020304" pitchFamily="18" charset="0"/>
+                    <a:cs typeface="Times New Roman" panose="02020603050405020304" pitchFamily="18" charset="0"/>
+                  </a:rPr>
+                  <a:t>itu</a:t>
+                </a:r>
+                <a:r>
+                  <a:rPr kumimoji="0" lang="en-US" altLang="en-US" sz="1600" b="0" i="0" u="none" strike="noStrike" cap="none" normalizeH="0" baseline="0" dirty="0">
+                    <a:ln>
+                      <a:noFill/>
+                    </a:ln>
+                    <a:solidFill>
+                      <a:schemeClr val="tx1"/>
+                    </a:solidFill>
+                    <a:effectLst/>
+                    <a:latin typeface="Times New Roman" panose="02020603050405020304" pitchFamily="18" charset="0"/>
+                    <a:cs typeface="Times New Roman" panose="02020603050405020304" pitchFamily="18" charset="0"/>
+                  </a:rPr>
+                  <a:t> </a:t>
+                </a:r>
+                <a:r>
+                  <a:rPr kumimoji="0" lang="en-US" altLang="en-US" sz="1600" b="0" i="0" u="none" strike="noStrike" cap="none" normalizeH="0" baseline="0" dirty="0" err="1">
+                    <a:ln>
+                      <a:noFill/>
+                    </a:ln>
+                    <a:solidFill>
+                      <a:schemeClr val="tx1"/>
+                    </a:solidFill>
+                    <a:effectLst/>
+                    <a:latin typeface="Times New Roman" panose="02020603050405020304" pitchFamily="18" charset="0"/>
+                    <a:cs typeface="Times New Roman" panose="02020603050405020304" pitchFamily="18" charset="0"/>
+                  </a:rPr>
+                  <a:t>bisa</a:t>
+                </a:r>
+                <a:r>
+                  <a:rPr kumimoji="0" lang="en-US" altLang="en-US" sz="1600" b="0" i="0" u="none" strike="noStrike" cap="none" normalizeH="0" baseline="0" dirty="0">
+                    <a:ln>
+                      <a:noFill/>
+                    </a:ln>
+                    <a:solidFill>
+                      <a:schemeClr val="tx1"/>
+                    </a:solidFill>
+                    <a:effectLst/>
+                    <a:latin typeface="Times New Roman" panose="02020603050405020304" pitchFamily="18" charset="0"/>
+                    <a:cs typeface="Times New Roman" panose="02020603050405020304" pitchFamily="18" charset="0"/>
+                  </a:rPr>
+                  <a:t> </a:t>
+                </a:r>
+                <a:r>
+                  <a:rPr kumimoji="0" lang="en-US" altLang="en-US" sz="1600" b="0" i="0" u="none" strike="noStrike" cap="none" normalizeH="0" baseline="0" dirty="0" err="1">
+                    <a:ln>
+                      <a:noFill/>
+                    </a:ln>
+                    <a:solidFill>
+                      <a:schemeClr val="tx1"/>
+                    </a:solidFill>
+                    <a:effectLst/>
+                    <a:latin typeface="Times New Roman" panose="02020603050405020304" pitchFamily="18" charset="0"/>
+                    <a:cs typeface="Times New Roman" panose="02020603050405020304" pitchFamily="18" charset="0"/>
+                  </a:rPr>
+                  <a:t>kapan</a:t>
+                </a:r>
+                <a:r>
+                  <a:rPr kumimoji="0" lang="en-US" altLang="en-US" sz="1600" b="0" i="0" u="none" strike="noStrike" cap="none" normalizeH="0" baseline="0" dirty="0">
+                    <a:ln>
+                      <a:noFill/>
+                    </a:ln>
+                    <a:solidFill>
+                      <a:schemeClr val="tx1"/>
+                    </a:solidFill>
+                    <a:effectLst/>
+                    <a:latin typeface="Times New Roman" panose="02020603050405020304" pitchFamily="18" charset="0"/>
+                    <a:cs typeface="Times New Roman" panose="02020603050405020304" pitchFamily="18" charset="0"/>
+                  </a:rPr>
+                  <a:t> </a:t>
+                </a:r>
+                <a:r>
+                  <a:rPr kumimoji="0" lang="en-US" altLang="en-US" sz="1600" b="0" i="0" u="none" strike="noStrike" cap="none" normalizeH="0" baseline="0" dirty="0" err="1">
+                    <a:ln>
+                      <a:noFill/>
+                    </a:ln>
+                    <a:solidFill>
+                      <a:schemeClr val="tx1"/>
+                    </a:solidFill>
+                    <a:effectLst/>
+                    <a:latin typeface="Times New Roman" panose="02020603050405020304" pitchFamily="18" charset="0"/>
+                    <a:cs typeface="Times New Roman" panose="02020603050405020304" pitchFamily="18" charset="0"/>
+                  </a:rPr>
+                  <a:t>aja</a:t>
+                </a:r>
+                <a:r>
+                  <a:rPr kumimoji="0" lang="en-US" altLang="en-US" sz="1600" b="0" i="0" u="none" strike="noStrike" cap="none" normalizeH="0" baseline="0" dirty="0">
+                    <a:ln>
+                      <a:noFill/>
+                    </a:ln>
+                    <a:solidFill>
+                      <a:schemeClr val="tx1"/>
+                    </a:solidFill>
+                    <a:effectLst/>
+                    <a:latin typeface="Times New Roman" panose="02020603050405020304" pitchFamily="18" charset="0"/>
+                    <a:cs typeface="Times New Roman" panose="02020603050405020304" pitchFamily="18" charset="0"/>
+                  </a:rPr>
+                  <a:t> </a:t>
+                </a:r>
+                <a:r>
+                  <a:rPr kumimoji="0" lang="en-US" altLang="en-US" sz="1600" b="0" i="0" u="none" strike="noStrike" cap="none" normalizeH="0" baseline="0" dirty="0" err="1">
+                    <a:ln>
+                      <a:noFill/>
+                    </a:ln>
+                    <a:solidFill>
+                      <a:schemeClr val="tx1"/>
+                    </a:solidFill>
+                    <a:effectLst/>
+                    <a:latin typeface="Times New Roman" panose="02020603050405020304" pitchFamily="18" charset="0"/>
+                    <a:cs typeface="Times New Roman" panose="02020603050405020304" pitchFamily="18" charset="0"/>
+                  </a:rPr>
+                  <a:t>muncul</a:t>
+                </a:r>
+                <a:r>
+                  <a:rPr kumimoji="0" lang="en-US" altLang="en-US" sz="1600" b="0" i="0" u="none" strike="noStrike" cap="none" normalizeH="0" baseline="0" dirty="0">
+                    <a:ln>
+                      <a:noFill/>
+                    </a:ln>
+                    <a:solidFill>
+                      <a:schemeClr val="tx1"/>
+                    </a:solidFill>
+                    <a:effectLst/>
+                    <a:latin typeface="Times New Roman" panose="02020603050405020304" pitchFamily="18" charset="0"/>
+                    <a:cs typeface="Times New Roman" panose="02020603050405020304" pitchFamily="18" charset="0"/>
+                  </a:rPr>
+                  <a:t> </a:t>
+                </a:r>
+                <a:r>
+                  <a:rPr kumimoji="0" lang="en-US" altLang="en-US" sz="1600" b="0" i="0" u="none" strike="noStrike" cap="none" normalizeH="0" baseline="0" dirty="0" err="1">
+                    <a:ln>
+                      <a:noFill/>
+                    </a:ln>
+                    <a:solidFill>
+                      <a:schemeClr val="tx1"/>
+                    </a:solidFill>
+                    <a:effectLst/>
+                    <a:latin typeface="Times New Roman" panose="02020603050405020304" pitchFamily="18" charset="0"/>
+                    <a:cs typeface="Times New Roman" panose="02020603050405020304" pitchFamily="18" charset="0"/>
+                  </a:rPr>
+                  <a:t>secara</a:t>
+                </a:r>
+                <a:r>
+                  <a:rPr kumimoji="0" lang="en-US" altLang="en-US" sz="1600" b="0" i="0" u="none" strike="noStrike" cap="none" normalizeH="0" baseline="0" dirty="0">
+                    <a:ln>
+                      <a:noFill/>
+                    </a:ln>
+                    <a:solidFill>
+                      <a:schemeClr val="tx1"/>
+                    </a:solidFill>
+                    <a:effectLst/>
+                    <a:latin typeface="Times New Roman" panose="02020603050405020304" pitchFamily="18" charset="0"/>
+                    <a:cs typeface="Times New Roman" panose="02020603050405020304" pitchFamily="18" charset="0"/>
+                  </a:rPr>
+                  <a:t> </a:t>
+                </a:r>
+                <a:r>
+                  <a:rPr kumimoji="0" lang="en-US" altLang="en-US" sz="1600" b="0" i="0" u="none" strike="noStrike" cap="none" normalizeH="0" baseline="0" dirty="0" err="1">
+                    <a:ln>
+                      <a:noFill/>
+                    </a:ln>
+                    <a:solidFill>
+                      <a:schemeClr val="tx1"/>
+                    </a:solidFill>
+                    <a:effectLst/>
+                    <a:latin typeface="Times New Roman" panose="02020603050405020304" pitchFamily="18" charset="0"/>
+                    <a:cs typeface="Times New Roman" panose="02020603050405020304" pitchFamily="18" charset="0"/>
+                  </a:rPr>
+                  <a:t>tiba</a:t>
+                </a:r>
+                <a:r>
+                  <a:rPr kumimoji="0" lang="en-US" altLang="en-US" sz="1600" b="0" i="0" u="none" strike="noStrike" cap="none" normalizeH="0" baseline="0" dirty="0">
+                    <a:ln>
+                      <a:noFill/>
+                    </a:ln>
+                    <a:solidFill>
+                      <a:schemeClr val="tx1"/>
+                    </a:solidFill>
+                    <a:effectLst/>
+                    <a:latin typeface="Times New Roman" panose="02020603050405020304" pitchFamily="18" charset="0"/>
+                    <a:cs typeface="Times New Roman" panose="02020603050405020304" pitchFamily="18" charset="0"/>
+                  </a:rPr>
+                  <a:t> 2 . </a:t>
+                </a:r>
+                <a:r>
+                  <a:rPr kumimoji="0" lang="en-US" altLang="en-US" sz="1600" b="0" i="0" u="none" strike="noStrike" cap="none" normalizeH="0" baseline="0" dirty="0" err="1">
+                    <a:ln>
+                      <a:noFill/>
+                    </a:ln>
+                    <a:solidFill>
+                      <a:schemeClr val="tx1"/>
+                    </a:solidFill>
+                    <a:effectLst/>
+                    <a:latin typeface="Times New Roman" panose="02020603050405020304" pitchFamily="18" charset="0"/>
+                    <a:cs typeface="Times New Roman" panose="02020603050405020304" pitchFamily="18" charset="0"/>
+                  </a:rPr>
+                  <a:t>Semacam</a:t>
+                </a:r>
+                <a:r>
+                  <a:rPr kumimoji="0" lang="en-US" altLang="en-US" sz="1600" b="0" i="0" u="none" strike="noStrike" cap="none" normalizeH="0" baseline="0" dirty="0">
+                    <a:ln>
+                      <a:noFill/>
+                    </a:ln>
+                    <a:solidFill>
+                      <a:schemeClr val="tx1"/>
+                    </a:solidFill>
+                    <a:effectLst/>
+                    <a:latin typeface="Times New Roman" panose="02020603050405020304" pitchFamily="18" charset="0"/>
+                    <a:cs typeface="Times New Roman" panose="02020603050405020304" pitchFamily="18" charset="0"/>
+                  </a:rPr>
+                  <a:t> </a:t>
+                </a:r>
+                <a:r>
+                  <a:rPr kumimoji="0" lang="en-US" altLang="en-US" sz="1600" b="0" i="0" u="none" strike="noStrike" cap="none" normalizeH="0" baseline="0" dirty="0" err="1">
+                    <a:ln>
+                      <a:noFill/>
+                    </a:ln>
+                    <a:solidFill>
+                      <a:schemeClr val="tx1"/>
+                    </a:solidFill>
+                    <a:effectLst/>
+                    <a:latin typeface="Times New Roman" panose="02020603050405020304" pitchFamily="18" charset="0"/>
+                    <a:cs typeface="Times New Roman" panose="02020603050405020304" pitchFamily="18" charset="0"/>
+                  </a:rPr>
+                  <a:t>ngilu</a:t>
+                </a:r>
+                <a:r>
+                  <a:rPr kumimoji="0" lang="en-US" altLang="en-US" sz="1600" b="0" i="0" u="none" strike="noStrike" cap="none" normalizeH="0" baseline="0" dirty="0">
+                    <a:ln>
+                      <a:noFill/>
+                    </a:ln>
+                    <a:solidFill>
+                      <a:schemeClr val="tx1"/>
+                    </a:solidFill>
+                    <a:effectLst/>
+                    <a:latin typeface="Times New Roman" panose="02020603050405020304" pitchFamily="18" charset="0"/>
+                    <a:cs typeface="Times New Roman" panose="02020603050405020304" pitchFamily="18" charset="0"/>
+                  </a:rPr>
+                  <a:t> </a:t>
+                </a:r>
+                <a:r>
+                  <a:rPr kumimoji="0" lang="en-US" altLang="en-US" sz="1600" b="0" i="0" u="none" strike="noStrike" cap="none" normalizeH="0" baseline="0" dirty="0" err="1">
+                    <a:ln>
+                      <a:noFill/>
+                    </a:ln>
+                    <a:solidFill>
+                      <a:schemeClr val="tx1"/>
+                    </a:solidFill>
+                    <a:effectLst/>
+                    <a:latin typeface="Times New Roman" panose="02020603050405020304" pitchFamily="18" charset="0"/>
+                    <a:cs typeface="Times New Roman" panose="02020603050405020304" pitchFamily="18" charset="0"/>
+                  </a:rPr>
+                  <a:t>nyeri</a:t>
+                </a:r>
+                <a:r>
+                  <a:rPr kumimoji="0" lang="en-US" altLang="en-US" sz="1600" b="0" i="0" u="none" strike="noStrike" cap="none" normalizeH="0" baseline="0" dirty="0">
+                    <a:ln>
+                      <a:noFill/>
+                    </a:ln>
+                    <a:solidFill>
+                      <a:schemeClr val="tx1"/>
+                    </a:solidFill>
+                    <a:effectLst/>
+                    <a:latin typeface="Times New Roman" panose="02020603050405020304" pitchFamily="18" charset="0"/>
+                    <a:cs typeface="Times New Roman" panose="02020603050405020304" pitchFamily="18" charset="0"/>
+                  </a:rPr>
+                  <a:t> </a:t>
+                </a:r>
+                <a:r>
+                  <a:rPr kumimoji="0" lang="en-US" altLang="en-US" sz="1600" b="0" i="0" u="none" strike="noStrike" cap="none" normalizeH="0" baseline="0" dirty="0" err="1">
+                    <a:ln>
+                      <a:noFill/>
+                    </a:ln>
+                    <a:solidFill>
+                      <a:schemeClr val="tx1"/>
+                    </a:solidFill>
+                    <a:effectLst/>
+                    <a:latin typeface="Times New Roman" panose="02020603050405020304" pitchFamily="18" charset="0"/>
+                    <a:cs typeface="Times New Roman" panose="02020603050405020304" pitchFamily="18" charset="0"/>
+                  </a:rPr>
+                  <a:t>gitu</a:t>
+                </a:r>
+                <a:r>
+                  <a:rPr kumimoji="0" lang="en-US" altLang="en-US" sz="1600" b="0" i="0" u="none" strike="noStrike" cap="none" normalizeH="0" baseline="0" dirty="0">
+                    <a:ln>
+                      <a:noFill/>
+                    </a:ln>
+                    <a:solidFill>
+                      <a:schemeClr val="tx1"/>
+                    </a:solidFill>
+                    <a:effectLst/>
+                    <a:latin typeface="Times New Roman" panose="02020603050405020304" pitchFamily="18" charset="0"/>
+                    <a:cs typeface="Times New Roman" panose="02020603050405020304" pitchFamily="18" charset="0"/>
+                  </a:rPr>
+                  <a:t> </a:t>
+                </a:r>
+                <a:r>
+                  <a:rPr kumimoji="0" lang="en-US" altLang="en-US" sz="1600" b="0" i="0" u="none" strike="noStrike" cap="none" normalizeH="0" baseline="0" dirty="0" err="1">
+                    <a:ln>
+                      <a:noFill/>
+                    </a:ln>
+                    <a:solidFill>
+                      <a:schemeClr val="tx1"/>
+                    </a:solidFill>
+                    <a:effectLst/>
+                    <a:latin typeface="Times New Roman" panose="02020603050405020304" pitchFamily="18" charset="0"/>
+                    <a:cs typeface="Times New Roman" panose="02020603050405020304" pitchFamily="18" charset="0"/>
+                  </a:rPr>
+                  <a:t>rasanya</a:t>
+                </a:r>
+                <a:r>
+                  <a:rPr kumimoji="0" lang="en-US" altLang="en-US" sz="1600" b="0" i="0" u="none" strike="noStrike" cap="none" normalizeH="0" baseline="0" dirty="0">
+                    <a:ln>
+                      <a:noFill/>
+                    </a:ln>
+                    <a:solidFill>
+                      <a:schemeClr val="tx1"/>
+                    </a:solidFill>
+                    <a:effectLst/>
+                    <a:latin typeface="Times New Roman" panose="02020603050405020304" pitchFamily="18" charset="0"/>
+                    <a:cs typeface="Times New Roman" panose="02020603050405020304" pitchFamily="18" charset="0"/>
+                  </a:rPr>
+                  <a:t> </a:t>
+                </a:r>
+                <a:r>
+                  <a:rPr kumimoji="0" lang="en-US" altLang="en-US" sz="1600" b="0" i="0" u="none" strike="noStrike" cap="none" normalizeH="0" baseline="0" dirty="0" err="1">
+                    <a:ln>
+                      <a:noFill/>
+                    </a:ln>
+                    <a:solidFill>
+                      <a:schemeClr val="tx1"/>
+                    </a:solidFill>
+                    <a:effectLst/>
+                    <a:latin typeface="Times New Roman" panose="02020603050405020304" pitchFamily="18" charset="0"/>
+                    <a:cs typeface="Times New Roman" panose="02020603050405020304" pitchFamily="18" charset="0"/>
+                  </a:rPr>
+                  <a:t>mungkin</a:t>
+                </a:r>
+                <a:r>
+                  <a:rPr kumimoji="0" lang="en-US" altLang="en-US" sz="1600" b="0" i="0" u="none" strike="noStrike" cap="none" normalizeH="0" baseline="0" dirty="0">
+                    <a:ln>
+                      <a:noFill/>
+                    </a:ln>
+                    <a:solidFill>
+                      <a:schemeClr val="tx1"/>
+                    </a:solidFill>
+                    <a:effectLst/>
+                    <a:latin typeface="Times New Roman" panose="02020603050405020304" pitchFamily="18" charset="0"/>
+                    <a:cs typeface="Times New Roman" panose="02020603050405020304" pitchFamily="18" charset="0"/>
+                  </a:rPr>
+                  <a:t> . </a:t>
+                </a:r>
+                <a:r>
+                  <a:rPr kumimoji="0" lang="en-US" altLang="en-US" sz="1600" b="0" i="0" u="none" strike="noStrike" cap="none" normalizeH="0" baseline="0" dirty="0" err="1">
+                    <a:ln>
+                      <a:noFill/>
+                    </a:ln>
+                    <a:solidFill>
+                      <a:schemeClr val="tx1"/>
+                    </a:solidFill>
+                    <a:effectLst/>
+                    <a:latin typeface="Times New Roman" panose="02020603050405020304" pitchFamily="18" charset="0"/>
+                    <a:cs typeface="Times New Roman" panose="02020603050405020304" pitchFamily="18" charset="0"/>
+                  </a:rPr>
+                  <a:t>Itu</a:t>
+                </a:r>
+                <a:r>
+                  <a:rPr kumimoji="0" lang="en-US" altLang="en-US" sz="1600" b="0" i="0" u="none" strike="noStrike" cap="none" normalizeH="0" baseline="0" dirty="0">
+                    <a:ln>
+                      <a:noFill/>
+                    </a:ln>
+                    <a:solidFill>
+                      <a:schemeClr val="tx1"/>
+                    </a:solidFill>
+                    <a:effectLst/>
+                    <a:latin typeface="Times New Roman" panose="02020603050405020304" pitchFamily="18" charset="0"/>
+                    <a:cs typeface="Times New Roman" panose="02020603050405020304" pitchFamily="18" charset="0"/>
+                  </a:rPr>
+                  <a:t> </a:t>
+                </a:r>
+                <a:r>
+                  <a:rPr kumimoji="0" lang="en-US" altLang="en-US" sz="1600" b="0" i="0" u="none" strike="noStrike" cap="none" normalizeH="0" baseline="0" dirty="0" err="1">
+                    <a:ln>
+                      <a:noFill/>
+                    </a:ln>
+                    <a:solidFill>
+                      <a:schemeClr val="tx1"/>
+                    </a:solidFill>
+                    <a:effectLst/>
+                    <a:latin typeface="Times New Roman" panose="02020603050405020304" pitchFamily="18" charset="0"/>
+                    <a:cs typeface="Times New Roman" panose="02020603050405020304" pitchFamily="18" charset="0"/>
+                  </a:rPr>
+                  <a:t>mengakibatkan</a:t>
+                </a:r>
+                <a:r>
+                  <a:rPr kumimoji="0" lang="en-US" altLang="en-US" sz="1600" b="0" i="0" u="none" strike="noStrike" cap="none" normalizeH="0" baseline="0" dirty="0">
+                    <a:ln>
+                      <a:noFill/>
+                    </a:ln>
+                    <a:solidFill>
+                      <a:schemeClr val="tx1"/>
+                    </a:solidFill>
+                    <a:effectLst/>
+                    <a:latin typeface="Times New Roman" panose="02020603050405020304" pitchFamily="18" charset="0"/>
+                    <a:cs typeface="Times New Roman" panose="02020603050405020304" pitchFamily="18" charset="0"/>
+                  </a:rPr>
+                  <a:t> </a:t>
+                </a:r>
+                <a:r>
+                  <a:rPr kumimoji="0" lang="en-US" altLang="en-US" sz="1600" b="0" i="0" u="none" strike="noStrike" cap="none" normalizeH="0" baseline="0" dirty="0" err="1">
+                    <a:ln>
+                      <a:noFill/>
+                    </a:ln>
+                    <a:solidFill>
+                      <a:schemeClr val="tx1"/>
+                    </a:solidFill>
+                    <a:effectLst/>
+                    <a:latin typeface="Times New Roman" panose="02020603050405020304" pitchFamily="18" charset="0"/>
+                    <a:cs typeface="Times New Roman" panose="02020603050405020304" pitchFamily="18" charset="0"/>
+                  </a:rPr>
+                  <a:t>napas</a:t>
+                </a:r>
+                <a:r>
+                  <a:rPr kumimoji="0" lang="en-US" altLang="en-US" sz="1600" b="0" i="0" u="none" strike="noStrike" cap="none" normalizeH="0" baseline="0" dirty="0">
+                    <a:ln>
+                      <a:noFill/>
+                    </a:ln>
+                    <a:solidFill>
+                      <a:schemeClr val="tx1"/>
+                    </a:solidFill>
+                    <a:effectLst/>
+                    <a:latin typeface="Times New Roman" panose="02020603050405020304" pitchFamily="18" charset="0"/>
+                    <a:cs typeface="Times New Roman" panose="02020603050405020304" pitchFamily="18" charset="0"/>
+                  </a:rPr>
+                  <a:t> </a:t>
+                </a:r>
+                <a:r>
+                  <a:rPr kumimoji="0" lang="en-US" altLang="en-US" sz="1600" b="0" i="0" u="none" strike="noStrike" cap="none" normalizeH="0" baseline="0" dirty="0" err="1">
+                    <a:ln>
+                      <a:noFill/>
+                    </a:ln>
+                    <a:solidFill>
+                      <a:schemeClr val="tx1"/>
+                    </a:solidFill>
+                    <a:effectLst/>
+                    <a:latin typeface="Times New Roman" panose="02020603050405020304" pitchFamily="18" charset="0"/>
+                    <a:cs typeface="Times New Roman" panose="02020603050405020304" pitchFamily="18" charset="0"/>
+                  </a:rPr>
+                  <a:t>saya</a:t>
+                </a:r>
+                <a:r>
+                  <a:rPr kumimoji="0" lang="en-US" altLang="en-US" sz="1600" b="0" i="0" u="none" strike="noStrike" cap="none" normalizeH="0" baseline="0" dirty="0">
+                    <a:ln>
+                      <a:noFill/>
+                    </a:ln>
+                    <a:solidFill>
+                      <a:schemeClr val="tx1"/>
+                    </a:solidFill>
+                    <a:effectLst/>
+                    <a:latin typeface="Times New Roman" panose="02020603050405020304" pitchFamily="18" charset="0"/>
+                    <a:cs typeface="Times New Roman" panose="02020603050405020304" pitchFamily="18" charset="0"/>
+                  </a:rPr>
+                  <a:t> </a:t>
+                </a:r>
+                <a:r>
+                  <a:rPr kumimoji="0" lang="en-US" altLang="en-US" sz="1600" b="0" i="0" u="none" strike="noStrike" cap="none" normalizeH="0" baseline="0" dirty="0" err="1">
+                    <a:ln>
+                      <a:noFill/>
+                    </a:ln>
+                    <a:solidFill>
+                      <a:schemeClr val="tx1"/>
+                    </a:solidFill>
+                    <a:effectLst/>
+                    <a:latin typeface="Times New Roman" panose="02020603050405020304" pitchFamily="18" charset="0"/>
+                    <a:cs typeface="Times New Roman" panose="02020603050405020304" pitchFamily="18" charset="0"/>
+                  </a:rPr>
+                  <a:t>terganggu</a:t>
+                </a:r>
+                <a:r>
+                  <a:rPr kumimoji="0" lang="en-US" altLang="en-US" sz="1600" b="0" i="0" u="none" strike="noStrike" cap="none" normalizeH="0" baseline="0" dirty="0">
+                    <a:ln>
+                      <a:noFill/>
+                    </a:ln>
+                    <a:solidFill>
+                      <a:schemeClr val="tx1"/>
+                    </a:solidFill>
+                    <a:effectLst/>
+                    <a:latin typeface="Times New Roman" panose="02020603050405020304" pitchFamily="18" charset="0"/>
+                    <a:cs typeface="Times New Roman" panose="02020603050405020304" pitchFamily="18" charset="0"/>
+                  </a:rPr>
+                  <a:t> . </a:t>
+                </a:r>
+                <a:r>
+                  <a:rPr kumimoji="0" lang="en-US" altLang="en-US" sz="1600" b="0" i="0" u="none" strike="noStrike" cap="none" normalizeH="0" baseline="0" dirty="0" err="1">
+                    <a:ln>
+                      <a:noFill/>
+                    </a:ln>
+                    <a:solidFill>
+                      <a:schemeClr val="tx1"/>
+                    </a:solidFill>
+                    <a:effectLst/>
+                    <a:latin typeface="Times New Roman" panose="02020603050405020304" pitchFamily="18" charset="0"/>
+                    <a:cs typeface="Times New Roman" panose="02020603050405020304" pitchFamily="18" charset="0"/>
+                  </a:rPr>
+                  <a:t>Saat</a:t>
+                </a:r>
+                <a:r>
+                  <a:rPr kumimoji="0" lang="en-US" altLang="en-US" sz="1600" b="0" i="0" u="none" strike="noStrike" cap="none" normalizeH="0" baseline="0" dirty="0">
+                    <a:ln>
+                      <a:noFill/>
+                    </a:ln>
+                    <a:solidFill>
+                      <a:schemeClr val="tx1"/>
+                    </a:solidFill>
+                    <a:effectLst/>
+                    <a:latin typeface="Times New Roman" panose="02020603050405020304" pitchFamily="18" charset="0"/>
+                    <a:cs typeface="Times New Roman" panose="02020603050405020304" pitchFamily="18" charset="0"/>
+                  </a:rPr>
+                  <a:t> rasa </a:t>
+                </a:r>
+                <a:r>
+                  <a:rPr kumimoji="0" lang="en-US" altLang="en-US" sz="1600" b="0" i="0" u="none" strike="noStrike" cap="none" normalizeH="0" baseline="0" dirty="0" err="1">
+                    <a:ln>
+                      <a:noFill/>
+                    </a:ln>
+                    <a:solidFill>
+                      <a:schemeClr val="tx1"/>
+                    </a:solidFill>
+                    <a:effectLst/>
+                    <a:latin typeface="Times New Roman" panose="02020603050405020304" pitchFamily="18" charset="0"/>
+                    <a:cs typeface="Times New Roman" panose="02020603050405020304" pitchFamily="18" charset="0"/>
+                  </a:rPr>
+                  <a:t>sakit</a:t>
+                </a:r>
+                <a:r>
+                  <a:rPr kumimoji="0" lang="en-US" altLang="en-US" sz="1600" b="0" i="0" u="none" strike="noStrike" cap="none" normalizeH="0" baseline="0" dirty="0">
+                    <a:ln>
+                      <a:noFill/>
+                    </a:ln>
+                    <a:solidFill>
+                      <a:schemeClr val="tx1"/>
+                    </a:solidFill>
+                    <a:effectLst/>
+                    <a:latin typeface="Times New Roman" panose="02020603050405020304" pitchFamily="18" charset="0"/>
+                    <a:cs typeface="Times New Roman" panose="02020603050405020304" pitchFamily="18" charset="0"/>
+                  </a:rPr>
+                  <a:t> </a:t>
+                </a:r>
+                <a:r>
+                  <a:rPr kumimoji="0" lang="en-US" altLang="en-US" sz="1600" b="0" i="0" u="none" strike="noStrike" cap="none" normalizeH="0" baseline="0" dirty="0" err="1">
+                    <a:ln>
+                      <a:noFill/>
+                    </a:ln>
+                    <a:solidFill>
+                      <a:schemeClr val="tx1"/>
+                    </a:solidFill>
+                    <a:effectLst/>
+                    <a:latin typeface="Times New Roman" panose="02020603050405020304" pitchFamily="18" charset="0"/>
+                    <a:cs typeface="Times New Roman" panose="02020603050405020304" pitchFamily="18" charset="0"/>
+                  </a:rPr>
+                  <a:t>itu</a:t>
+                </a:r>
+                <a:r>
+                  <a:rPr kumimoji="0" lang="en-US" altLang="en-US" sz="1600" b="0" i="0" u="none" strike="noStrike" cap="none" normalizeH="0" baseline="0" dirty="0">
+                    <a:ln>
+                      <a:noFill/>
+                    </a:ln>
+                    <a:solidFill>
+                      <a:schemeClr val="tx1"/>
+                    </a:solidFill>
+                    <a:effectLst/>
+                    <a:latin typeface="Times New Roman" panose="02020603050405020304" pitchFamily="18" charset="0"/>
+                    <a:cs typeface="Times New Roman" panose="02020603050405020304" pitchFamily="18" charset="0"/>
+                  </a:rPr>
+                  <a:t> </a:t>
+                </a:r>
+                <a:r>
+                  <a:rPr kumimoji="0" lang="en-US" altLang="en-US" sz="1600" b="0" i="0" u="none" strike="noStrike" cap="none" normalizeH="0" baseline="0" dirty="0" err="1">
+                    <a:ln>
+                      <a:noFill/>
+                    </a:ln>
+                    <a:solidFill>
+                      <a:schemeClr val="tx1"/>
+                    </a:solidFill>
+                    <a:effectLst/>
+                    <a:latin typeface="Times New Roman" panose="02020603050405020304" pitchFamily="18" charset="0"/>
+                    <a:cs typeface="Times New Roman" panose="02020603050405020304" pitchFamily="18" charset="0"/>
+                  </a:rPr>
+                  <a:t>muncul</a:t>
+                </a:r>
+                <a:r>
+                  <a:rPr kumimoji="0" lang="en-US" altLang="en-US" sz="1600" b="0" i="0" u="none" strike="noStrike" cap="none" normalizeH="0" baseline="0" dirty="0">
+                    <a:ln>
+                      <a:noFill/>
+                    </a:ln>
+                    <a:solidFill>
+                      <a:schemeClr val="tx1"/>
+                    </a:solidFill>
+                    <a:effectLst/>
+                    <a:latin typeface="Times New Roman" panose="02020603050405020304" pitchFamily="18" charset="0"/>
+                    <a:cs typeface="Times New Roman" panose="02020603050405020304" pitchFamily="18" charset="0"/>
+                  </a:rPr>
+                  <a:t> , </a:t>
+                </a:r>
+                <a:r>
+                  <a:rPr kumimoji="0" lang="en-US" altLang="en-US" sz="1600" b="0" i="0" u="none" strike="noStrike" cap="none" normalizeH="0" baseline="0" dirty="0" err="1">
+                    <a:ln>
+                      <a:noFill/>
+                    </a:ln>
+                    <a:solidFill>
+                      <a:schemeClr val="tx1"/>
+                    </a:solidFill>
+                    <a:effectLst/>
+                    <a:latin typeface="Times New Roman" panose="02020603050405020304" pitchFamily="18" charset="0"/>
+                    <a:cs typeface="Times New Roman" panose="02020603050405020304" pitchFamily="18" charset="0"/>
+                  </a:rPr>
+                  <a:t>napas</a:t>
+                </a:r>
+                <a:r>
+                  <a:rPr kumimoji="0" lang="en-US" altLang="en-US" sz="1600" b="0" i="0" u="none" strike="noStrike" cap="none" normalizeH="0" baseline="0" dirty="0">
+                    <a:ln>
+                      <a:noFill/>
+                    </a:ln>
+                    <a:solidFill>
+                      <a:schemeClr val="tx1"/>
+                    </a:solidFill>
+                    <a:effectLst/>
+                    <a:latin typeface="Times New Roman" panose="02020603050405020304" pitchFamily="18" charset="0"/>
+                    <a:cs typeface="Times New Roman" panose="02020603050405020304" pitchFamily="18" charset="0"/>
+                  </a:rPr>
+                  <a:t> </a:t>
+                </a:r>
+                <a:r>
+                  <a:rPr kumimoji="0" lang="en-US" altLang="en-US" sz="1600" b="0" i="0" u="none" strike="noStrike" cap="none" normalizeH="0" baseline="0" dirty="0" err="1">
+                    <a:ln>
+                      <a:noFill/>
+                    </a:ln>
+                    <a:solidFill>
+                      <a:schemeClr val="tx1"/>
+                    </a:solidFill>
+                    <a:effectLst/>
+                    <a:latin typeface="Times New Roman" panose="02020603050405020304" pitchFamily="18" charset="0"/>
+                    <a:cs typeface="Times New Roman" panose="02020603050405020304" pitchFamily="18" charset="0"/>
+                  </a:rPr>
+                  <a:t>saya</a:t>
+                </a:r>
+                <a:r>
+                  <a:rPr kumimoji="0" lang="en-US" altLang="en-US" sz="1600" b="0" i="0" u="none" strike="noStrike" cap="none" normalizeH="0" baseline="0" dirty="0">
+                    <a:ln>
+                      <a:noFill/>
+                    </a:ln>
+                    <a:solidFill>
+                      <a:schemeClr val="tx1"/>
+                    </a:solidFill>
+                    <a:effectLst/>
+                    <a:latin typeface="Times New Roman" panose="02020603050405020304" pitchFamily="18" charset="0"/>
+                    <a:cs typeface="Times New Roman" panose="02020603050405020304" pitchFamily="18" charset="0"/>
+                  </a:rPr>
+                  <a:t> </a:t>
+                </a:r>
+                <a:r>
+                  <a:rPr kumimoji="0" lang="en-US" altLang="en-US" sz="1600" b="0" i="0" u="none" strike="noStrike" cap="none" normalizeH="0" baseline="0" dirty="0" err="1">
+                    <a:ln>
+                      <a:noFill/>
+                    </a:ln>
+                    <a:solidFill>
+                      <a:schemeClr val="tx1"/>
+                    </a:solidFill>
+                    <a:effectLst/>
+                    <a:latin typeface="Times New Roman" panose="02020603050405020304" pitchFamily="18" charset="0"/>
+                    <a:cs typeface="Times New Roman" panose="02020603050405020304" pitchFamily="18" charset="0"/>
+                  </a:rPr>
+                  <a:t>jadi</a:t>
+                </a:r>
+                <a:r>
+                  <a:rPr kumimoji="0" lang="en-US" altLang="en-US" sz="1600" b="0" i="0" u="none" strike="noStrike" cap="none" normalizeH="0" baseline="0" dirty="0">
+                    <a:ln>
+                      <a:noFill/>
+                    </a:ln>
+                    <a:solidFill>
+                      <a:schemeClr val="tx1"/>
+                    </a:solidFill>
+                    <a:effectLst/>
+                    <a:latin typeface="Times New Roman" panose="02020603050405020304" pitchFamily="18" charset="0"/>
+                    <a:cs typeface="Times New Roman" panose="02020603050405020304" pitchFamily="18" charset="0"/>
+                  </a:rPr>
+                  <a:t> </a:t>
+                </a:r>
+                <a:r>
+                  <a:rPr kumimoji="0" lang="en-US" altLang="en-US" sz="1600" b="0" i="0" u="none" strike="noStrike" cap="none" normalizeH="0" baseline="0" dirty="0" err="1">
+                    <a:ln>
+                      <a:noFill/>
+                    </a:ln>
+                    <a:solidFill>
+                      <a:schemeClr val="tx1"/>
+                    </a:solidFill>
+                    <a:effectLst/>
+                    <a:latin typeface="Times New Roman" panose="02020603050405020304" pitchFamily="18" charset="0"/>
+                    <a:cs typeface="Times New Roman" panose="02020603050405020304" pitchFamily="18" charset="0"/>
+                  </a:rPr>
+                  <a:t>semacam</a:t>
+                </a:r>
+                <a:r>
+                  <a:rPr kumimoji="0" lang="en-US" altLang="en-US" sz="1600" b="0" i="0" u="none" strike="noStrike" cap="none" normalizeH="0" baseline="0" dirty="0">
+                    <a:ln>
+                      <a:noFill/>
+                    </a:ln>
+                    <a:solidFill>
+                      <a:schemeClr val="tx1"/>
+                    </a:solidFill>
+                    <a:effectLst/>
+                    <a:latin typeface="Times New Roman" panose="02020603050405020304" pitchFamily="18" charset="0"/>
+                    <a:cs typeface="Times New Roman" panose="02020603050405020304" pitchFamily="18" charset="0"/>
+                  </a:rPr>
+                  <a:t> </a:t>
+                </a:r>
+                <a:r>
+                  <a:rPr kumimoji="0" lang="en-US" altLang="en-US" sz="1600" b="0" i="0" u="none" strike="noStrike" cap="none" normalizeH="0" baseline="0" dirty="0" err="1">
+                    <a:ln>
+                      <a:noFill/>
+                    </a:ln>
+                    <a:solidFill>
+                      <a:schemeClr val="tx1"/>
+                    </a:solidFill>
+                    <a:effectLst/>
+                    <a:latin typeface="Times New Roman" panose="02020603050405020304" pitchFamily="18" charset="0"/>
+                    <a:cs typeface="Times New Roman" panose="02020603050405020304" pitchFamily="18" charset="0"/>
+                  </a:rPr>
+                  <a:t>terengah</a:t>
+                </a:r>
+                <a:r>
+                  <a:rPr kumimoji="0" lang="en-US" altLang="en-US" sz="1600" b="0" i="0" u="none" strike="noStrike" cap="none" normalizeH="0" baseline="0" dirty="0">
+                    <a:ln>
+                      <a:noFill/>
+                    </a:ln>
+                    <a:solidFill>
+                      <a:schemeClr val="tx1"/>
+                    </a:solidFill>
+                    <a:effectLst/>
+                    <a:latin typeface="Times New Roman" panose="02020603050405020304" pitchFamily="18" charset="0"/>
+                    <a:cs typeface="Times New Roman" panose="02020603050405020304" pitchFamily="18" charset="0"/>
+                  </a:rPr>
+                  <a:t> - </a:t>
+                </a:r>
+                <a:r>
+                  <a:rPr kumimoji="0" lang="en-US" altLang="en-US" sz="1600" b="0" i="0" u="none" strike="noStrike" cap="none" normalizeH="0" baseline="0" dirty="0" err="1">
+                    <a:ln>
+                      <a:noFill/>
+                    </a:ln>
+                    <a:solidFill>
+                      <a:schemeClr val="tx1"/>
+                    </a:solidFill>
+                    <a:effectLst/>
+                    <a:latin typeface="Times New Roman" panose="02020603050405020304" pitchFamily="18" charset="0"/>
+                    <a:cs typeface="Times New Roman" panose="02020603050405020304" pitchFamily="18" charset="0"/>
+                  </a:rPr>
+                  <a:t>engah</a:t>
+                </a:r>
+                <a:r>
+                  <a:rPr kumimoji="0" lang="en-US" altLang="en-US" sz="1600" b="0" i="0" u="none" strike="noStrike" cap="none" normalizeH="0" baseline="0" dirty="0">
+                    <a:ln>
+                      <a:noFill/>
+                    </a:ln>
+                    <a:solidFill>
+                      <a:schemeClr val="tx1"/>
+                    </a:solidFill>
+                    <a:effectLst/>
+                    <a:latin typeface="Times New Roman" panose="02020603050405020304" pitchFamily="18" charset="0"/>
+                    <a:cs typeface="Times New Roman" panose="02020603050405020304" pitchFamily="18" charset="0"/>
+                  </a:rPr>
+                  <a:t> . </a:t>
+                </a:r>
+                <a:r>
+                  <a:rPr kumimoji="0" lang="en-US" altLang="en-US" sz="1600" b="0" i="0" u="none" strike="noStrike" cap="none" normalizeH="0" baseline="0" dirty="0" err="1">
+                    <a:ln>
+                      <a:noFill/>
+                    </a:ln>
+                    <a:solidFill>
+                      <a:schemeClr val="tx1"/>
+                    </a:solidFill>
+                    <a:effectLst/>
+                    <a:latin typeface="Times New Roman" panose="02020603050405020304" pitchFamily="18" charset="0"/>
+                    <a:cs typeface="Times New Roman" panose="02020603050405020304" pitchFamily="18" charset="0"/>
+                  </a:rPr>
+                  <a:t>Pokoknya</a:t>
+                </a:r>
+                <a:r>
+                  <a:rPr kumimoji="0" lang="en-US" altLang="en-US" sz="1600" b="0" i="0" u="none" strike="noStrike" cap="none" normalizeH="0" baseline="0" dirty="0">
+                    <a:ln>
+                      <a:noFill/>
+                    </a:ln>
+                    <a:solidFill>
+                      <a:schemeClr val="tx1"/>
+                    </a:solidFill>
+                    <a:effectLst/>
+                    <a:latin typeface="Times New Roman" panose="02020603050405020304" pitchFamily="18" charset="0"/>
+                    <a:cs typeface="Times New Roman" panose="02020603050405020304" pitchFamily="18" charset="0"/>
+                  </a:rPr>
+                  <a:t> </a:t>
+                </a:r>
+                <a:r>
+                  <a:rPr kumimoji="0" lang="en-US" altLang="en-US" sz="1600" b="0" i="0" u="none" strike="noStrike" cap="none" normalizeH="0" baseline="0" dirty="0" err="1">
+                    <a:ln>
+                      <a:noFill/>
+                    </a:ln>
+                    <a:solidFill>
+                      <a:schemeClr val="tx1"/>
+                    </a:solidFill>
+                    <a:effectLst/>
+                    <a:latin typeface="Times New Roman" panose="02020603050405020304" pitchFamily="18" charset="0"/>
+                    <a:cs typeface="Times New Roman" panose="02020603050405020304" pitchFamily="18" charset="0"/>
+                  </a:rPr>
+                  <a:t>jadi</a:t>
+                </a:r>
+                <a:r>
+                  <a:rPr kumimoji="0" lang="en-US" altLang="en-US" sz="1600" b="0" i="0" u="none" strike="noStrike" cap="none" normalizeH="0" baseline="0" dirty="0">
+                    <a:ln>
+                      <a:noFill/>
+                    </a:ln>
+                    <a:solidFill>
+                      <a:schemeClr val="tx1"/>
+                    </a:solidFill>
+                    <a:effectLst/>
+                    <a:latin typeface="Times New Roman" panose="02020603050405020304" pitchFamily="18" charset="0"/>
+                    <a:cs typeface="Times New Roman" panose="02020603050405020304" pitchFamily="18" charset="0"/>
+                  </a:rPr>
+                  <a:t> </a:t>
+                </a:r>
+                <a:r>
+                  <a:rPr kumimoji="0" lang="en-US" altLang="en-US" sz="1600" b="0" i="0" u="none" strike="noStrike" cap="none" normalizeH="0" baseline="0" dirty="0" err="1">
+                    <a:ln>
+                      <a:noFill/>
+                    </a:ln>
+                    <a:solidFill>
+                      <a:schemeClr val="tx1"/>
+                    </a:solidFill>
+                    <a:effectLst/>
+                    <a:latin typeface="Times New Roman" panose="02020603050405020304" pitchFamily="18" charset="0"/>
+                    <a:cs typeface="Times New Roman" panose="02020603050405020304" pitchFamily="18" charset="0"/>
+                  </a:rPr>
+                  <a:t>susah</a:t>
+                </a:r>
+                <a:r>
+                  <a:rPr kumimoji="0" lang="en-US" altLang="en-US" sz="1600" b="0" i="0" u="none" strike="noStrike" cap="none" normalizeH="0" baseline="0" dirty="0">
+                    <a:ln>
+                      <a:noFill/>
+                    </a:ln>
+                    <a:solidFill>
+                      <a:schemeClr val="tx1"/>
+                    </a:solidFill>
+                    <a:effectLst/>
+                    <a:latin typeface="Times New Roman" panose="02020603050405020304" pitchFamily="18" charset="0"/>
+                    <a:cs typeface="Times New Roman" panose="02020603050405020304" pitchFamily="18" charset="0"/>
+                  </a:rPr>
+                  <a:t> </a:t>
+                </a:r>
+                <a:r>
+                  <a:rPr kumimoji="0" lang="en-US" altLang="en-US" sz="1600" b="0" i="0" u="none" strike="noStrike" cap="none" normalizeH="0" baseline="0" dirty="0" err="1">
+                    <a:ln>
+                      <a:noFill/>
+                    </a:ln>
+                    <a:solidFill>
+                      <a:schemeClr val="tx1"/>
+                    </a:solidFill>
+                    <a:effectLst/>
+                    <a:latin typeface="Times New Roman" panose="02020603050405020304" pitchFamily="18" charset="0"/>
+                    <a:cs typeface="Times New Roman" panose="02020603050405020304" pitchFamily="18" charset="0"/>
+                  </a:rPr>
+                  <a:t>ngambil</a:t>
+                </a:r>
+                <a:r>
+                  <a:rPr kumimoji="0" lang="en-US" altLang="en-US" sz="1600" b="0" i="0" u="none" strike="noStrike" cap="none" normalizeH="0" baseline="0" dirty="0">
+                    <a:ln>
+                      <a:noFill/>
+                    </a:ln>
+                    <a:solidFill>
+                      <a:schemeClr val="tx1"/>
+                    </a:solidFill>
+                    <a:effectLst/>
+                    <a:latin typeface="Times New Roman" panose="02020603050405020304" pitchFamily="18" charset="0"/>
+                    <a:cs typeface="Times New Roman" panose="02020603050405020304" pitchFamily="18" charset="0"/>
+                  </a:rPr>
+                  <a:t> </a:t>
+                </a:r>
+                <a:r>
+                  <a:rPr kumimoji="0" lang="en-US" altLang="en-US" sz="1600" b="0" i="0" u="none" strike="noStrike" cap="none" normalizeH="0" baseline="0" dirty="0" err="1">
+                    <a:ln>
+                      <a:noFill/>
+                    </a:ln>
+                    <a:solidFill>
+                      <a:schemeClr val="tx1"/>
+                    </a:solidFill>
+                    <a:effectLst/>
+                    <a:latin typeface="Times New Roman" panose="02020603050405020304" pitchFamily="18" charset="0"/>
+                    <a:cs typeface="Times New Roman" panose="02020603050405020304" pitchFamily="18" charset="0"/>
+                  </a:rPr>
+                  <a:t>napas</a:t>
+                </a:r>
+                <a:r>
+                  <a:rPr kumimoji="0" lang="en-US" altLang="en-US" sz="1600" b="0" i="0" u="none" strike="noStrike" cap="none" normalizeH="0" baseline="0" dirty="0">
+                    <a:ln>
+                      <a:noFill/>
+                    </a:ln>
+                    <a:solidFill>
+                      <a:schemeClr val="tx1"/>
+                    </a:solidFill>
+                    <a:effectLst/>
+                    <a:latin typeface="Times New Roman" panose="02020603050405020304" pitchFamily="18" charset="0"/>
+                    <a:cs typeface="Times New Roman" panose="02020603050405020304" pitchFamily="18" charset="0"/>
+                  </a:rPr>
+                  <a:t> </a:t>
+                </a:r>
+                <a:r>
+                  <a:rPr kumimoji="0" lang="en-US" altLang="en-US" sz="1600" b="0" i="0" u="none" strike="noStrike" cap="none" normalizeH="0" baseline="0" dirty="0" err="1">
+                    <a:ln>
+                      <a:noFill/>
+                    </a:ln>
+                    <a:solidFill>
+                      <a:schemeClr val="tx1"/>
+                    </a:solidFill>
+                    <a:effectLst/>
+                    <a:latin typeface="Times New Roman" panose="02020603050405020304" pitchFamily="18" charset="0"/>
+                    <a:cs typeface="Times New Roman" panose="02020603050405020304" pitchFamily="18" charset="0"/>
+                  </a:rPr>
+                  <a:t>gitu</a:t>
+                </a:r>
+                <a:r>
+                  <a:rPr kumimoji="0" lang="en-US" altLang="en-US" sz="1600" b="0" i="0" u="none" strike="noStrike" cap="none" normalizeH="0" baseline="0" dirty="0">
+                    <a:ln>
+                      <a:noFill/>
+                    </a:ln>
+                    <a:solidFill>
+                      <a:schemeClr val="tx1"/>
+                    </a:solidFill>
+                    <a:effectLst/>
+                    <a:latin typeface="Times New Roman" panose="02020603050405020304" pitchFamily="18" charset="0"/>
+                    <a:cs typeface="Times New Roman" panose="02020603050405020304" pitchFamily="18" charset="0"/>
+                  </a:rPr>
+                  <a:t> . </a:t>
+                </a:r>
+                <a:r>
+                  <a:rPr kumimoji="0" lang="en-US" altLang="en-US" sz="1600" b="0" i="0" u="none" strike="noStrike" cap="none" normalizeH="0" baseline="0" dirty="0" err="1">
+                    <a:ln>
+                      <a:noFill/>
+                    </a:ln>
+                    <a:solidFill>
+                      <a:schemeClr val="tx1"/>
+                    </a:solidFill>
+                    <a:effectLst/>
+                    <a:latin typeface="Times New Roman" panose="02020603050405020304" pitchFamily="18" charset="0"/>
+                    <a:cs typeface="Times New Roman" panose="02020603050405020304" pitchFamily="18" charset="0"/>
+                  </a:rPr>
+                  <a:t>Kadang</a:t>
+                </a:r>
+                <a:r>
+                  <a:rPr kumimoji="0" lang="en-US" altLang="en-US" sz="1600" b="0" i="0" u="none" strike="noStrike" cap="none" normalizeH="0" baseline="0" dirty="0">
+                    <a:ln>
+                      <a:noFill/>
+                    </a:ln>
+                    <a:solidFill>
+                      <a:schemeClr val="tx1"/>
+                    </a:solidFill>
+                    <a:effectLst/>
+                    <a:latin typeface="Times New Roman" panose="02020603050405020304" pitchFamily="18" charset="0"/>
+                    <a:cs typeface="Times New Roman" panose="02020603050405020304" pitchFamily="18" charset="0"/>
+                  </a:rPr>
+                  <a:t> </a:t>
+                </a:r>
+                <a:r>
+                  <a:rPr kumimoji="0" lang="en-US" altLang="en-US" sz="1600" b="0" i="0" u="none" strike="noStrike" cap="none" normalizeH="0" baseline="0" dirty="0" err="1">
+                    <a:ln>
+                      <a:noFill/>
+                    </a:ln>
+                    <a:solidFill>
+                      <a:schemeClr val="tx1"/>
+                    </a:solidFill>
+                    <a:effectLst/>
+                    <a:latin typeface="Times New Roman" panose="02020603050405020304" pitchFamily="18" charset="0"/>
+                    <a:cs typeface="Times New Roman" panose="02020603050405020304" pitchFamily="18" charset="0"/>
+                  </a:rPr>
+                  <a:t>kalo</a:t>
+                </a:r>
+                <a:r>
+                  <a:rPr kumimoji="0" lang="en-US" altLang="en-US" sz="1600" b="0" i="0" u="none" strike="noStrike" cap="none" normalizeH="0" baseline="0" dirty="0">
+                    <a:ln>
+                      <a:noFill/>
+                    </a:ln>
+                    <a:solidFill>
+                      <a:schemeClr val="tx1"/>
+                    </a:solidFill>
+                    <a:effectLst/>
+                    <a:latin typeface="Times New Roman" panose="02020603050405020304" pitchFamily="18" charset="0"/>
+                    <a:cs typeface="Times New Roman" panose="02020603050405020304" pitchFamily="18" charset="0"/>
+                  </a:rPr>
+                  <a:t> </a:t>
+                </a:r>
+                <a:r>
+                  <a:rPr kumimoji="0" lang="en-US" altLang="en-US" sz="1600" b="0" i="0" u="none" strike="noStrike" cap="none" normalizeH="0" baseline="0" dirty="0" err="1">
+                    <a:ln>
+                      <a:noFill/>
+                    </a:ln>
+                    <a:solidFill>
+                      <a:schemeClr val="tx1"/>
+                    </a:solidFill>
+                    <a:effectLst/>
+                    <a:latin typeface="Times New Roman" panose="02020603050405020304" pitchFamily="18" charset="0"/>
+                    <a:cs typeface="Times New Roman" panose="02020603050405020304" pitchFamily="18" charset="0"/>
+                  </a:rPr>
+                  <a:t>saya</a:t>
+                </a:r>
+                <a:r>
+                  <a:rPr kumimoji="0" lang="en-US" altLang="en-US" sz="1600" b="0" i="0" u="none" strike="noStrike" cap="none" normalizeH="0" baseline="0" dirty="0">
+                    <a:ln>
+                      <a:noFill/>
+                    </a:ln>
+                    <a:solidFill>
+                      <a:schemeClr val="tx1"/>
+                    </a:solidFill>
+                    <a:effectLst/>
+                    <a:latin typeface="Times New Roman" panose="02020603050405020304" pitchFamily="18" charset="0"/>
+                    <a:cs typeface="Times New Roman" panose="02020603050405020304" pitchFamily="18" charset="0"/>
+                  </a:rPr>
+                  <a:t> </a:t>
+                </a:r>
+                <a:r>
+                  <a:rPr kumimoji="0" lang="en-US" altLang="en-US" sz="1600" b="0" i="0" u="none" strike="noStrike" cap="none" normalizeH="0" baseline="0" dirty="0" err="1">
+                    <a:ln>
+                      <a:noFill/>
+                    </a:ln>
+                    <a:solidFill>
+                      <a:schemeClr val="tx1"/>
+                    </a:solidFill>
+                    <a:effectLst/>
+                    <a:latin typeface="Times New Roman" panose="02020603050405020304" pitchFamily="18" charset="0"/>
+                    <a:cs typeface="Times New Roman" panose="02020603050405020304" pitchFamily="18" charset="0"/>
+                  </a:rPr>
+                  <a:t>tahan</a:t>
+                </a:r>
+                <a:r>
+                  <a:rPr kumimoji="0" lang="en-US" altLang="en-US" sz="1600" b="0" i="0" u="none" strike="noStrike" cap="none" normalizeH="0" baseline="0" dirty="0">
+                    <a:ln>
+                      <a:noFill/>
+                    </a:ln>
+                    <a:solidFill>
+                      <a:schemeClr val="tx1"/>
+                    </a:solidFill>
+                    <a:effectLst/>
+                    <a:latin typeface="Times New Roman" panose="02020603050405020304" pitchFamily="18" charset="0"/>
+                    <a:cs typeface="Times New Roman" panose="02020603050405020304" pitchFamily="18" charset="0"/>
+                  </a:rPr>
+                  <a:t> </a:t>
+                </a:r>
+                <a:r>
+                  <a:rPr kumimoji="0" lang="en-US" altLang="en-US" sz="1600" b="0" i="0" u="none" strike="noStrike" cap="none" normalizeH="0" baseline="0" dirty="0" err="1">
+                    <a:ln>
+                      <a:noFill/>
+                    </a:ln>
+                    <a:solidFill>
+                      <a:schemeClr val="tx1"/>
+                    </a:solidFill>
+                    <a:effectLst/>
+                    <a:latin typeface="Times New Roman" panose="02020603050405020304" pitchFamily="18" charset="0"/>
+                    <a:cs typeface="Times New Roman" panose="02020603050405020304" pitchFamily="18" charset="0"/>
+                  </a:rPr>
+                  <a:t>napas</a:t>
+                </a:r>
+                <a:r>
+                  <a:rPr kumimoji="0" lang="en-US" altLang="en-US" sz="1600" b="0" i="0" u="none" strike="noStrike" cap="none" normalizeH="0" baseline="0" dirty="0">
+                    <a:ln>
+                      <a:noFill/>
+                    </a:ln>
+                    <a:solidFill>
+                      <a:schemeClr val="tx1"/>
+                    </a:solidFill>
+                    <a:effectLst/>
+                    <a:latin typeface="Times New Roman" panose="02020603050405020304" pitchFamily="18" charset="0"/>
+                    <a:cs typeface="Times New Roman" panose="02020603050405020304" pitchFamily="18" charset="0"/>
+                  </a:rPr>
+                  <a:t> rasa </a:t>
+                </a:r>
+                <a:r>
+                  <a:rPr kumimoji="0" lang="en-US" altLang="en-US" sz="1600" b="0" i="0" u="none" strike="noStrike" cap="none" normalizeH="0" baseline="0" dirty="0" err="1">
+                    <a:ln>
+                      <a:noFill/>
+                    </a:ln>
+                    <a:solidFill>
+                      <a:schemeClr val="tx1"/>
+                    </a:solidFill>
+                    <a:effectLst/>
+                    <a:latin typeface="Times New Roman" panose="02020603050405020304" pitchFamily="18" charset="0"/>
+                    <a:cs typeface="Times New Roman" panose="02020603050405020304" pitchFamily="18" charset="0"/>
+                  </a:rPr>
+                  <a:t>sakitnya</a:t>
+                </a:r>
+                <a:r>
+                  <a:rPr kumimoji="0" lang="en-US" altLang="en-US" sz="1600" b="0" i="0" u="none" strike="noStrike" cap="none" normalizeH="0" baseline="0" dirty="0">
+                    <a:ln>
+                      <a:noFill/>
+                    </a:ln>
+                    <a:solidFill>
+                      <a:schemeClr val="tx1"/>
+                    </a:solidFill>
+                    <a:effectLst/>
+                    <a:latin typeface="Times New Roman" panose="02020603050405020304" pitchFamily="18" charset="0"/>
+                    <a:cs typeface="Times New Roman" panose="02020603050405020304" pitchFamily="18" charset="0"/>
+                  </a:rPr>
+                  <a:t> </a:t>
+                </a:r>
+                <a:r>
+                  <a:rPr kumimoji="0" lang="en-US" altLang="en-US" sz="1600" b="0" i="0" u="none" strike="noStrike" cap="none" normalizeH="0" baseline="0" dirty="0" err="1">
+                    <a:ln>
+                      <a:noFill/>
+                    </a:ln>
+                    <a:solidFill>
+                      <a:schemeClr val="tx1"/>
+                    </a:solidFill>
+                    <a:effectLst/>
+                    <a:latin typeface="Times New Roman" panose="02020603050405020304" pitchFamily="18" charset="0"/>
+                    <a:cs typeface="Times New Roman" panose="02020603050405020304" pitchFamily="18" charset="0"/>
+                  </a:rPr>
+                  <a:t>jadi</a:t>
+                </a:r>
+                <a:r>
+                  <a:rPr kumimoji="0" lang="en-US" altLang="en-US" sz="1600" b="0" i="0" u="none" strike="noStrike" cap="none" normalizeH="0" baseline="0" dirty="0">
+                    <a:ln>
+                      <a:noFill/>
+                    </a:ln>
+                    <a:solidFill>
+                      <a:schemeClr val="tx1"/>
+                    </a:solidFill>
+                    <a:effectLst/>
+                    <a:latin typeface="Times New Roman" panose="02020603050405020304" pitchFamily="18" charset="0"/>
+                    <a:cs typeface="Times New Roman" panose="02020603050405020304" pitchFamily="18" charset="0"/>
+                  </a:rPr>
+                  <a:t> </a:t>
+                </a:r>
+                <a:r>
+                  <a:rPr kumimoji="0" lang="en-US" altLang="en-US" sz="1600" b="0" i="0" u="none" strike="noStrike" cap="none" normalizeH="0" baseline="0" dirty="0" err="1">
+                    <a:ln>
+                      <a:noFill/>
+                    </a:ln>
+                    <a:solidFill>
+                      <a:schemeClr val="tx1"/>
+                    </a:solidFill>
+                    <a:effectLst/>
+                    <a:latin typeface="Times New Roman" panose="02020603050405020304" pitchFamily="18" charset="0"/>
+                    <a:cs typeface="Times New Roman" panose="02020603050405020304" pitchFamily="18" charset="0"/>
+                  </a:rPr>
+                  <a:t>mendingan</a:t>
+                </a:r>
+                <a:r>
+                  <a:rPr kumimoji="0" lang="en-US" altLang="en-US" sz="1600" b="0" i="0" u="none" strike="noStrike" cap="none" normalizeH="0" baseline="0" dirty="0">
+                    <a:ln>
+                      <a:noFill/>
+                    </a:ln>
+                    <a:solidFill>
+                      <a:schemeClr val="tx1"/>
+                    </a:solidFill>
+                    <a:effectLst/>
+                    <a:latin typeface="Times New Roman" panose="02020603050405020304" pitchFamily="18" charset="0"/>
+                    <a:cs typeface="Times New Roman" panose="02020603050405020304" pitchFamily="18" charset="0"/>
+                  </a:rPr>
+                  <a:t> </a:t>
+                </a:r>
+                <a:r>
+                  <a:rPr kumimoji="0" lang="en-US" altLang="en-US" sz="1600" b="0" i="0" u="none" strike="noStrike" cap="none" normalizeH="0" baseline="0" dirty="0" err="1">
+                    <a:ln>
+                      <a:noFill/>
+                    </a:ln>
+                    <a:solidFill>
+                      <a:schemeClr val="tx1"/>
+                    </a:solidFill>
+                    <a:effectLst/>
+                    <a:latin typeface="Times New Roman" panose="02020603050405020304" pitchFamily="18" charset="0"/>
+                    <a:cs typeface="Times New Roman" panose="02020603050405020304" pitchFamily="18" charset="0"/>
+                  </a:rPr>
+                  <a:t>sepertinya</a:t>
+                </a:r>
+                <a:r>
+                  <a:rPr kumimoji="0" lang="en-US" altLang="en-US" sz="1600" b="0" i="0" u="none" strike="noStrike" cap="none" normalizeH="0" baseline="0" dirty="0">
+                    <a:ln>
+                      <a:noFill/>
+                    </a:ln>
+                    <a:solidFill>
+                      <a:schemeClr val="tx1"/>
+                    </a:solidFill>
+                    <a:effectLst/>
+                    <a:latin typeface="Times New Roman" panose="02020603050405020304" pitchFamily="18" charset="0"/>
+                    <a:cs typeface="Times New Roman" panose="02020603050405020304" pitchFamily="18" charset="0"/>
+                  </a:rPr>
+                  <a:t> ( Saya </a:t>
+                </a:r>
+                <a:r>
+                  <a:rPr kumimoji="0" lang="en-US" altLang="en-US" sz="1600" b="0" i="0" u="none" strike="noStrike" cap="none" normalizeH="0" baseline="0" dirty="0" err="1">
+                    <a:ln>
+                      <a:noFill/>
+                    </a:ln>
+                    <a:solidFill>
+                      <a:schemeClr val="tx1"/>
+                    </a:solidFill>
+                    <a:effectLst/>
+                    <a:latin typeface="Times New Roman" panose="02020603050405020304" pitchFamily="18" charset="0"/>
+                    <a:cs typeface="Times New Roman" panose="02020603050405020304" pitchFamily="18" charset="0"/>
+                  </a:rPr>
+                  <a:t>kurang</a:t>
+                </a:r>
+                <a:r>
+                  <a:rPr kumimoji="0" lang="en-US" altLang="en-US" sz="1600" b="0" i="0" u="none" strike="noStrike" cap="none" normalizeH="0" baseline="0" dirty="0">
+                    <a:ln>
+                      <a:noFill/>
+                    </a:ln>
+                    <a:solidFill>
+                      <a:schemeClr val="tx1"/>
+                    </a:solidFill>
+                    <a:effectLst/>
+                    <a:latin typeface="Times New Roman" panose="02020603050405020304" pitchFamily="18" charset="0"/>
+                    <a:cs typeface="Times New Roman" panose="02020603050405020304" pitchFamily="18" charset="0"/>
+                  </a:rPr>
+                  <a:t> </a:t>
+                </a:r>
+                <a:r>
+                  <a:rPr kumimoji="0" lang="en-US" altLang="en-US" sz="1600" b="0" i="0" u="none" strike="noStrike" cap="none" normalizeH="0" baseline="0" dirty="0" err="1">
+                    <a:ln>
+                      <a:noFill/>
+                    </a:ln>
+                    <a:solidFill>
+                      <a:schemeClr val="tx1"/>
+                    </a:solidFill>
+                    <a:effectLst/>
+                    <a:latin typeface="Times New Roman" panose="02020603050405020304" pitchFamily="18" charset="0"/>
+                    <a:cs typeface="Times New Roman" panose="02020603050405020304" pitchFamily="18" charset="0"/>
+                  </a:rPr>
+                  <a:t>yakin</a:t>
+                </a:r>
+                <a:r>
+                  <a:rPr kumimoji="0" lang="en-US" altLang="en-US" sz="1600" b="0" i="0" u="none" strike="noStrike" cap="none" normalizeH="0" baseline="0" dirty="0">
+                    <a:ln>
+                      <a:noFill/>
+                    </a:ln>
+                    <a:solidFill>
+                      <a:schemeClr val="tx1"/>
+                    </a:solidFill>
+                    <a:effectLst/>
+                    <a:latin typeface="Times New Roman" panose="02020603050405020304" pitchFamily="18" charset="0"/>
+                    <a:cs typeface="Times New Roman" panose="02020603050405020304" pitchFamily="18" charset="0"/>
+                  </a:rPr>
+                  <a:t> </a:t>
+                </a:r>
+                <a:r>
+                  <a:rPr kumimoji="0" lang="en-US" altLang="en-US" sz="1600" b="0" i="0" u="none" strike="noStrike" cap="none" normalizeH="0" baseline="0" dirty="0" err="1">
+                    <a:ln>
+                      <a:noFill/>
+                    </a:ln>
+                    <a:solidFill>
+                      <a:schemeClr val="tx1"/>
+                    </a:solidFill>
+                    <a:effectLst/>
+                    <a:latin typeface="Times New Roman" panose="02020603050405020304" pitchFamily="18" charset="0"/>
+                    <a:cs typeface="Times New Roman" panose="02020603050405020304" pitchFamily="18" charset="0"/>
+                  </a:rPr>
+                  <a:t>sih</a:t>
+                </a:r>
+                <a:r>
+                  <a:rPr kumimoji="0" lang="en-US" altLang="en-US" sz="1600" b="0" i="0" u="none" strike="noStrike" cap="none" normalizeH="0" baseline="0" dirty="0">
+                    <a:ln>
+                      <a:noFill/>
+                    </a:ln>
+                    <a:solidFill>
+                      <a:schemeClr val="tx1"/>
+                    </a:solidFill>
+                    <a:effectLst/>
+                    <a:latin typeface="Times New Roman" panose="02020603050405020304" pitchFamily="18" charset="0"/>
+                    <a:cs typeface="Times New Roman" panose="02020603050405020304" pitchFamily="18" charset="0"/>
+                  </a:rPr>
+                  <a:t> ) .</a:t>
+                </a:r>
+              </a:p>
+            </p:txBody>
+          </p:sp>
+        </p:grpSp>
+        <p:sp>
+          <p:nvSpPr>
+            <p:cNvPr id="5" name="Rectangle 4"/>
+            <p:cNvSpPr/>
+            <p:nvPr/>
+          </p:nvSpPr>
+          <p:spPr>
+            <a:xfrm>
+              <a:off x="3999470" y="-313292"/>
+              <a:ext cx="255373" cy="3350675"/>
+            </a:xfrm>
+            <a:prstGeom prst="rect">
+              <a:avLst/>
+            </a:prstGeom>
+            <a:noFill/>
+            <a:ln>
+              <a:noFill/>
+            </a:ln>
+          </p:spPr>
+          <p:style>
+            <a:lnRef idx="2">
+              <a:schemeClr val="accent1">
+                <a:shade val="50000"/>
+              </a:schemeClr>
+            </a:lnRef>
+            <a:fillRef idx="1">
+              <a:schemeClr val="accent1"/>
+            </a:fillRef>
+            <a:effectRef idx="0">
+              <a:schemeClr val="accent1"/>
+            </a:effectRef>
+            <a:fontRef idx="minor">
+              <a:schemeClr val="lt1"/>
+            </a:fontRef>
+          </p:style>
+          <p:txBody>
+            <a:bodyPr rtlCol="0" anchor="ctr"/>
+            <a:lstStyle/>
+            <a:p>
+              <a:pPr algn="ctr"/>
+              <a:endParaRPr lang="en-US"/>
+            </a:p>
+          </p:txBody>
+        </p:sp>
+      </p:grpSp>
+      <p:cxnSp>
+        <p:nvCxnSpPr>
+          <p:cNvPr id="8" name="Straight Arrow Connector 7"/>
+          <p:cNvCxnSpPr>
+            <a:cxnSpLocks/>
+            <a:stCxn id="5" idx="3"/>
+            <a:endCxn id="30" idx="1"/>
+          </p:cNvCxnSpPr>
+          <p:nvPr/>
+        </p:nvCxnSpPr>
+        <p:spPr>
+          <a:xfrm>
+            <a:off x="5782190" y="3501601"/>
+            <a:ext cx="982503" cy="0"/>
+          </a:xfrm>
+          <a:prstGeom prst="straightConnector1">
+            <a:avLst/>
+          </a:prstGeom>
+          <a:ln w="57150">
+            <a:solidFill>
+              <a:schemeClr val="tx1">
+                <a:lumMod val="50000"/>
+                <a:lumOff val="50000"/>
+              </a:schemeClr>
+            </a:solidFill>
+            <a:tailEnd type="triangle"/>
+          </a:ln>
+        </p:spPr>
+        <p:style>
+          <a:lnRef idx="1">
+            <a:schemeClr val="accent1"/>
+          </a:lnRef>
+          <a:fillRef idx="0">
+            <a:schemeClr val="accent1"/>
+          </a:fillRef>
+          <a:effectRef idx="0">
+            <a:schemeClr val="accent1"/>
+          </a:effectRef>
+          <a:fontRef idx="minor">
+            <a:schemeClr val="tx1"/>
+          </a:fontRef>
+        </p:style>
+      </p:cxnSp>
+      <p:sp>
+        <p:nvSpPr>
+          <p:cNvPr id="17" name="Rectangle 2"/>
+          <p:cNvSpPr>
+            <a:spLocks noChangeArrowheads="1"/>
+          </p:cNvSpPr>
+          <p:nvPr/>
+        </p:nvSpPr>
+        <p:spPr bwMode="auto">
+          <a:xfrm>
+            <a:off x="0" y="90100"/>
+            <a:ext cx="65" cy="276999"/>
+          </a:xfrm>
+          <a:prstGeom prst="rect">
+            <a:avLst/>
+          </a:prstGeom>
+          <a:solidFill>
+            <a:srgbClr val="FFFFFF"/>
+          </a:solidFill>
+          <a:ln>
+            <a:noFill/>
+          </a:ln>
+          <a:effectLst/>
+          <a:extLst>
+            <a:ext uri="{91240B29-F687-4F45-9708-019B960494DF}">
+              <a14:hiddenLine xmlns:a14="http://schemas.microsoft.com/office/drawing/2010/main" w="9525">
+                <a:solidFill>
+                  <a:schemeClr val="tx1"/>
+                </a:solidFill>
+                <a:miter lim="800000"/>
+                <a:headEnd/>
+                <a:tailEnd/>
+              </a14:hiddenLine>
+            </a:ext>
+            <a:ext uri="{AF507438-7753-43E0-B8FC-AC1667EBCBE1}">
+              <a14:hiddenEffects xmlns:a14="http://schemas.microsoft.com/office/drawing/2010/main">
+                <a:effectLst>
+                  <a:outerShdw dist="35921" dir="2700000" algn="ctr" rotWithShape="0">
+                    <a:schemeClr val="bg2"/>
+                  </a:outerShdw>
+                </a:effectLst>
+              </a14:hiddenEffects>
+            </a:ext>
+          </a:extLst>
+        </p:spPr>
+        <p:txBody>
+          <a:bodyPr vert="horz" wrap="none" lIns="0" tIns="0" rIns="0" bIns="0" numCol="1" anchor="ctr" anchorCtr="0" compatLnSpc="1">
+            <a:prstTxWarp prst="textNoShape">
+              <a:avLst/>
+            </a:prstTxWarp>
+            <a:spAutoFit/>
+          </a:bodyPr>
+          <a:lstStyle/>
+          <a:p>
+            <a:pPr marL="0" marR="0" lvl="0" indent="0" algn="l" defTabSz="914400" rtl="0" eaLnBrk="0" fontAlgn="base" latinLnBrk="0" hangingPunct="0">
+              <a:lnSpc>
+                <a:spcPct val="100000"/>
+              </a:lnSpc>
+              <a:spcBef>
+                <a:spcPct val="0"/>
+              </a:spcBef>
+              <a:spcAft>
+                <a:spcPct val="0"/>
+              </a:spcAft>
+              <a:buClrTx/>
+              <a:buSzTx/>
+              <a:buFontTx/>
+              <a:buNone/>
+              <a:tabLst/>
+            </a:pPr>
+            <a:endParaRPr kumimoji="0" lang="en-US" altLang="en-US" sz="1800" b="0" i="0" u="none" strike="noStrike" cap="none" normalizeH="0" baseline="0" dirty="0">
+              <a:ln>
+                <a:noFill/>
+              </a:ln>
+              <a:solidFill>
+                <a:schemeClr val="tx1"/>
+              </a:solidFill>
+              <a:effectLst/>
+              <a:latin typeface="Arial" panose="020B0604020202020204" pitchFamily="34" charset="0"/>
+            </a:endParaRPr>
+          </a:p>
+        </p:txBody>
+      </p:sp>
+      <p:sp>
+        <p:nvSpPr>
+          <p:cNvPr id="21" name="Rectangle 5"/>
+          <p:cNvSpPr>
+            <a:spLocks noChangeArrowheads="1"/>
+          </p:cNvSpPr>
+          <p:nvPr/>
+        </p:nvSpPr>
+        <p:spPr bwMode="auto">
+          <a:xfrm>
+            <a:off x="0" y="90100"/>
+            <a:ext cx="65" cy="276999"/>
+          </a:xfrm>
+          <a:prstGeom prst="rect">
+            <a:avLst/>
+          </a:prstGeom>
+          <a:solidFill>
+            <a:srgbClr val="FFFFFF"/>
+          </a:solidFill>
+          <a:ln>
+            <a:noFill/>
+          </a:ln>
+          <a:effectLst/>
+          <a:extLst>
+            <a:ext uri="{91240B29-F687-4F45-9708-019B960494DF}">
+              <a14:hiddenLine xmlns:a14="http://schemas.microsoft.com/office/drawing/2010/main" w="9525">
+                <a:solidFill>
+                  <a:schemeClr val="tx1"/>
+                </a:solidFill>
+                <a:miter lim="800000"/>
+                <a:headEnd/>
+                <a:tailEnd/>
+              </a14:hiddenLine>
+            </a:ext>
+            <a:ext uri="{AF507438-7753-43E0-B8FC-AC1667EBCBE1}">
+              <a14:hiddenEffects xmlns:a14="http://schemas.microsoft.com/office/drawing/2010/main">
+                <a:effectLst>
+                  <a:outerShdw dist="35921" dir="2700000" algn="ctr" rotWithShape="0">
+                    <a:schemeClr val="bg2"/>
+                  </a:outerShdw>
+                </a:effectLst>
+              </a14:hiddenEffects>
+            </a:ext>
+          </a:extLst>
+        </p:spPr>
+        <p:txBody>
+          <a:bodyPr vert="horz" wrap="none" lIns="0" tIns="0" rIns="0" bIns="0" numCol="1" anchor="ctr" anchorCtr="0" compatLnSpc="1">
+            <a:prstTxWarp prst="textNoShape">
+              <a:avLst/>
+            </a:prstTxWarp>
+            <a:spAutoFit/>
+          </a:bodyPr>
+          <a:lstStyle/>
+          <a:p>
+            <a:pPr marL="0" marR="0" lvl="0" indent="0" algn="l" defTabSz="914400" rtl="0" eaLnBrk="0" fontAlgn="base" latinLnBrk="0" hangingPunct="0">
+              <a:lnSpc>
+                <a:spcPct val="100000"/>
+              </a:lnSpc>
+              <a:spcBef>
+                <a:spcPct val="0"/>
+              </a:spcBef>
+              <a:spcAft>
+                <a:spcPct val="0"/>
+              </a:spcAft>
+              <a:buClrTx/>
+              <a:buSzTx/>
+              <a:buFontTx/>
+              <a:buNone/>
+              <a:tabLst/>
+            </a:pPr>
+            <a:endParaRPr kumimoji="0" lang="en-US" altLang="en-US" sz="1800" b="0" i="0" u="none" strike="noStrike" cap="none" normalizeH="0" baseline="0" dirty="0">
+              <a:ln>
+                <a:noFill/>
+              </a:ln>
+              <a:solidFill>
+                <a:schemeClr val="tx1"/>
+              </a:solidFill>
+              <a:effectLst/>
+              <a:latin typeface="Arial" panose="020B0604020202020204" pitchFamily="34" charset="0"/>
+            </a:endParaRPr>
+          </a:p>
+        </p:txBody>
+      </p:sp>
+      <p:sp>
+        <p:nvSpPr>
+          <p:cNvPr id="23" name="Rectangle 7"/>
+          <p:cNvSpPr>
+            <a:spLocks noChangeArrowheads="1"/>
+          </p:cNvSpPr>
+          <p:nvPr/>
+        </p:nvSpPr>
+        <p:spPr bwMode="auto">
+          <a:xfrm>
+            <a:off x="0" y="90100"/>
+            <a:ext cx="65" cy="276999"/>
+          </a:xfrm>
+          <a:prstGeom prst="rect">
+            <a:avLst/>
+          </a:prstGeom>
+          <a:solidFill>
+            <a:srgbClr val="FFFFFF"/>
+          </a:solidFill>
+          <a:ln>
+            <a:noFill/>
+          </a:ln>
+          <a:effectLst/>
+          <a:extLst>
+            <a:ext uri="{91240B29-F687-4F45-9708-019B960494DF}">
+              <a14:hiddenLine xmlns:a14="http://schemas.microsoft.com/office/drawing/2010/main" w="9525">
+                <a:solidFill>
+                  <a:schemeClr val="tx1"/>
+                </a:solidFill>
+                <a:miter lim="800000"/>
+                <a:headEnd/>
+                <a:tailEnd/>
+              </a14:hiddenLine>
+            </a:ext>
+            <a:ext uri="{AF507438-7753-43E0-B8FC-AC1667EBCBE1}">
+              <a14:hiddenEffects xmlns:a14="http://schemas.microsoft.com/office/drawing/2010/main">
+                <a:effectLst>
+                  <a:outerShdw dist="35921" dir="2700000" algn="ctr" rotWithShape="0">
+                    <a:schemeClr val="bg2"/>
+                  </a:outerShdw>
+                </a:effectLst>
+              </a14:hiddenEffects>
+            </a:ext>
+          </a:extLst>
+        </p:spPr>
+        <p:txBody>
+          <a:bodyPr vert="horz" wrap="none" lIns="0" tIns="0" rIns="0" bIns="0" numCol="1" anchor="ctr" anchorCtr="0" compatLnSpc="1">
+            <a:prstTxWarp prst="textNoShape">
+              <a:avLst/>
+            </a:prstTxWarp>
+            <a:spAutoFit/>
+          </a:bodyPr>
+          <a:lstStyle/>
+          <a:p>
+            <a:pPr marL="0" marR="0" lvl="0" indent="0" algn="l" defTabSz="914400" rtl="0" eaLnBrk="0" fontAlgn="base" latinLnBrk="0" hangingPunct="0">
+              <a:lnSpc>
+                <a:spcPct val="100000"/>
+              </a:lnSpc>
+              <a:spcBef>
+                <a:spcPct val="0"/>
+              </a:spcBef>
+              <a:spcAft>
+                <a:spcPct val="0"/>
+              </a:spcAft>
+              <a:buClrTx/>
+              <a:buSzTx/>
+              <a:buFontTx/>
+              <a:buNone/>
+              <a:tabLst/>
+            </a:pPr>
+            <a:endParaRPr kumimoji="0" lang="en-US" altLang="en-US" sz="1800" b="0" i="0" u="none" strike="noStrike" cap="none" normalizeH="0" baseline="0" dirty="0">
+              <a:ln>
+                <a:noFill/>
+              </a:ln>
+              <a:solidFill>
+                <a:schemeClr val="tx1"/>
+              </a:solidFill>
+              <a:effectLst/>
+              <a:latin typeface="Arial" panose="020B0604020202020204" pitchFamily="34" charset="0"/>
+            </a:endParaRPr>
+          </a:p>
+        </p:txBody>
+      </p:sp>
+      <p:sp>
+        <p:nvSpPr>
+          <p:cNvPr id="25" name="Rectangle 8"/>
+          <p:cNvSpPr>
+            <a:spLocks noChangeArrowheads="1"/>
+          </p:cNvSpPr>
+          <p:nvPr/>
+        </p:nvSpPr>
+        <p:spPr bwMode="auto">
+          <a:xfrm>
+            <a:off x="0" y="90100"/>
+            <a:ext cx="65" cy="276999"/>
+          </a:xfrm>
+          <a:prstGeom prst="rect">
+            <a:avLst/>
+          </a:prstGeom>
+          <a:solidFill>
+            <a:srgbClr val="FFFFFF"/>
+          </a:solidFill>
+          <a:ln>
+            <a:noFill/>
+          </a:ln>
+          <a:effectLst/>
+          <a:extLst>
+            <a:ext uri="{91240B29-F687-4F45-9708-019B960494DF}">
+              <a14:hiddenLine xmlns:a14="http://schemas.microsoft.com/office/drawing/2010/main" w="9525">
+                <a:solidFill>
+                  <a:schemeClr val="tx1"/>
+                </a:solidFill>
+                <a:miter lim="800000"/>
+                <a:headEnd/>
+                <a:tailEnd/>
+              </a14:hiddenLine>
+            </a:ext>
+            <a:ext uri="{AF507438-7753-43E0-B8FC-AC1667EBCBE1}">
+              <a14:hiddenEffects xmlns:a14="http://schemas.microsoft.com/office/drawing/2010/main">
+                <a:effectLst>
+                  <a:outerShdw dist="35921" dir="2700000" algn="ctr" rotWithShape="0">
+                    <a:schemeClr val="bg2"/>
+                  </a:outerShdw>
+                </a:effectLst>
+              </a14:hiddenEffects>
+            </a:ext>
+          </a:extLst>
+        </p:spPr>
+        <p:txBody>
+          <a:bodyPr vert="horz" wrap="none" lIns="0" tIns="0" rIns="0" bIns="0" numCol="1" anchor="ctr" anchorCtr="0" compatLnSpc="1">
+            <a:prstTxWarp prst="textNoShape">
+              <a:avLst/>
+            </a:prstTxWarp>
+            <a:spAutoFit/>
+          </a:bodyPr>
+          <a:lstStyle/>
+          <a:p>
+            <a:pPr marL="0" marR="0" lvl="0" indent="0" algn="l" defTabSz="914400" rtl="0" eaLnBrk="0" fontAlgn="base" latinLnBrk="0" hangingPunct="0">
+              <a:lnSpc>
+                <a:spcPct val="100000"/>
+              </a:lnSpc>
+              <a:spcBef>
+                <a:spcPct val="0"/>
+              </a:spcBef>
+              <a:spcAft>
+                <a:spcPct val="0"/>
+              </a:spcAft>
+              <a:buClrTx/>
+              <a:buSzTx/>
+              <a:buFontTx/>
+              <a:buNone/>
+              <a:tabLst/>
+            </a:pPr>
+            <a:endParaRPr kumimoji="0" lang="en-US" altLang="en-US" sz="1800" b="0" i="0" u="none" strike="noStrike" cap="none" normalizeH="0" baseline="0" dirty="0">
+              <a:ln>
+                <a:noFill/>
+              </a:ln>
+              <a:solidFill>
+                <a:schemeClr val="tx1"/>
+              </a:solidFill>
+              <a:effectLst/>
+              <a:latin typeface="Arial" panose="020B0604020202020204" pitchFamily="34" charset="0"/>
+            </a:endParaRPr>
+          </a:p>
+        </p:txBody>
+      </p:sp>
+      <p:grpSp>
+        <p:nvGrpSpPr>
+          <p:cNvPr id="28" name="Group 27"/>
+          <p:cNvGrpSpPr/>
+          <p:nvPr/>
+        </p:nvGrpSpPr>
+        <p:grpSpPr>
+          <a:xfrm>
+            <a:off x="6764693" y="1268950"/>
+            <a:ext cx="4943990" cy="4465302"/>
+            <a:chOff x="838200" y="-318568"/>
+            <a:chExt cx="3416643" cy="4465302"/>
+          </a:xfrm>
+        </p:grpSpPr>
+        <p:grpSp>
+          <p:nvGrpSpPr>
+            <p:cNvPr id="29" name="Group 28"/>
+            <p:cNvGrpSpPr/>
+            <p:nvPr/>
+          </p:nvGrpSpPr>
+          <p:grpSpPr>
+            <a:xfrm>
+              <a:off x="838200" y="-313292"/>
+              <a:ext cx="3416643" cy="4460026"/>
+              <a:chOff x="838200" y="-313292"/>
+              <a:chExt cx="3906795" cy="4460026"/>
+            </a:xfrm>
+          </p:grpSpPr>
+          <p:sp>
+            <p:nvSpPr>
+              <p:cNvPr id="31" name="Rectangle 30"/>
+              <p:cNvSpPr/>
+              <p:nvPr/>
+            </p:nvSpPr>
+            <p:spPr>
+              <a:xfrm>
+                <a:off x="838200" y="-313292"/>
+                <a:ext cx="3906795" cy="486032"/>
+              </a:xfrm>
+              <a:prstGeom prst="rect">
+                <a:avLst/>
+              </a:prstGeom>
+            </p:spPr>
+            <p:style>
+              <a:lnRef idx="2">
+                <a:schemeClr val="accent5">
+                  <a:shade val="50000"/>
+                </a:schemeClr>
+              </a:lnRef>
+              <a:fillRef idx="1">
+                <a:schemeClr val="accent5"/>
+              </a:fillRef>
+              <a:effectRef idx="0">
+                <a:schemeClr val="accent5"/>
+              </a:effectRef>
+              <a:fontRef idx="minor">
+                <a:schemeClr val="lt1"/>
+              </a:fontRef>
+            </p:style>
+            <p:txBody>
+              <a:bodyPr rtlCol="0" anchor="ctr"/>
+              <a:lstStyle/>
+              <a:p>
+                <a:pPr algn="ctr"/>
+                <a:r>
+                  <a:rPr lang="en-US" dirty="0" err="1">
+                    <a:latin typeface="Times New Roman" panose="02020603050405020304" pitchFamily="18" charset="0"/>
+                    <a:cs typeface="Times New Roman" panose="02020603050405020304" pitchFamily="18" charset="0"/>
+                  </a:rPr>
+                  <a:t>Kalimat</a:t>
+                </a:r>
+                <a:r>
+                  <a:rPr lang="en-US" dirty="0">
+                    <a:latin typeface="Times New Roman" panose="02020603050405020304" pitchFamily="18" charset="0"/>
+                    <a:cs typeface="Times New Roman" panose="02020603050405020304" pitchFamily="18" charset="0"/>
+                  </a:rPr>
+                  <a:t> </a:t>
+                </a:r>
+                <a:r>
+                  <a:rPr lang="en-US" dirty="0" err="1">
+                    <a:latin typeface="Times New Roman" panose="02020603050405020304" pitchFamily="18" charset="0"/>
+                    <a:cs typeface="Times New Roman" panose="02020603050405020304" pitchFamily="18" charset="0"/>
+                  </a:rPr>
+                  <a:t>Hasil</a:t>
+                </a:r>
+                <a:r>
+                  <a:rPr lang="en-US" dirty="0">
+                    <a:latin typeface="Times New Roman" panose="02020603050405020304" pitchFamily="18" charset="0"/>
+                    <a:cs typeface="Times New Roman" panose="02020603050405020304" pitchFamily="18" charset="0"/>
+                  </a:rPr>
+                  <a:t> </a:t>
+                </a:r>
+                <a:r>
+                  <a:rPr lang="en-US" dirty="0" err="1">
+                    <a:latin typeface="Times New Roman" panose="02020603050405020304" pitchFamily="18" charset="0"/>
+                    <a:cs typeface="Times New Roman" panose="02020603050405020304" pitchFamily="18" charset="0"/>
+                  </a:rPr>
+                  <a:t>Pemotongan</a:t>
+                </a:r>
+                <a:r>
+                  <a:rPr lang="en-US" dirty="0">
+                    <a:latin typeface="Times New Roman" panose="02020603050405020304" pitchFamily="18" charset="0"/>
+                    <a:cs typeface="Times New Roman" panose="02020603050405020304" pitchFamily="18" charset="0"/>
+                  </a:rPr>
+                  <a:t> </a:t>
+                </a:r>
+                <a:r>
+                  <a:rPr lang="en-US" dirty="0" err="1">
+                    <a:latin typeface="Times New Roman" panose="02020603050405020304" pitchFamily="18" charset="0"/>
+                    <a:cs typeface="Times New Roman" panose="02020603050405020304" pitchFamily="18" charset="0"/>
+                  </a:rPr>
+                  <a:t>Kalimat</a:t>
+                </a:r>
+                <a:endParaRPr lang="en-US" dirty="0">
+                  <a:latin typeface="Times New Roman" panose="02020603050405020304" pitchFamily="18" charset="0"/>
+                  <a:cs typeface="Times New Roman" panose="02020603050405020304" pitchFamily="18" charset="0"/>
+                </a:endParaRPr>
+              </a:p>
+            </p:txBody>
+          </p:sp>
+          <p:sp>
+            <p:nvSpPr>
+              <p:cNvPr id="32" name="Rectangle 31"/>
+              <p:cNvSpPr/>
+              <p:nvPr/>
+            </p:nvSpPr>
+            <p:spPr>
+              <a:xfrm>
+                <a:off x="838200" y="172740"/>
+                <a:ext cx="3906795" cy="628905"/>
+              </a:xfrm>
+              <a:prstGeom prst="rect">
+                <a:avLst/>
+              </a:prstGeom>
+              <a:noFill/>
+            </p:spPr>
+            <p:style>
+              <a:lnRef idx="2">
+                <a:schemeClr val="accent5">
+                  <a:shade val="50000"/>
+                </a:schemeClr>
+              </a:lnRef>
+              <a:fillRef idx="1">
+                <a:schemeClr val="accent5"/>
+              </a:fillRef>
+              <a:effectRef idx="0">
+                <a:schemeClr val="accent5"/>
+              </a:effectRef>
+              <a:fontRef idx="minor">
+                <a:schemeClr val="lt1"/>
+              </a:fontRef>
+            </p:style>
+            <p:txBody>
+              <a:bodyPr rtlCol="0" anchor="ctr"/>
+              <a:lstStyle/>
+              <a:p>
+                <a:pPr algn="just"/>
+                <a:r>
+                  <a:rPr kumimoji="0" lang="en-US" altLang="en-US" sz="1600" b="0" i="0" u="none" strike="noStrike" cap="none" normalizeH="0" baseline="0" dirty="0" err="1">
+                    <a:ln>
+                      <a:noFill/>
+                    </a:ln>
+                    <a:solidFill>
+                      <a:schemeClr val="tx1"/>
+                    </a:solidFill>
+                    <a:effectLst/>
+                    <a:latin typeface="Times New Roman" panose="02020603050405020304" pitchFamily="18" charset="0"/>
+                    <a:cs typeface="Times New Roman" panose="02020603050405020304" pitchFamily="18" charset="0"/>
+                  </a:rPr>
+                  <a:t>Penyakit</a:t>
+                </a:r>
+                <a:r>
+                  <a:rPr kumimoji="0" lang="en-US" altLang="en-US" sz="1600" b="0" i="0" u="none" strike="noStrike" cap="none" normalizeH="0" baseline="0" dirty="0">
+                    <a:ln>
+                      <a:noFill/>
+                    </a:ln>
+                    <a:solidFill>
+                      <a:schemeClr val="tx1"/>
+                    </a:solidFill>
+                    <a:effectLst/>
+                    <a:latin typeface="Times New Roman" panose="02020603050405020304" pitchFamily="18" charset="0"/>
+                    <a:cs typeface="Times New Roman" panose="02020603050405020304" pitchFamily="18" charset="0"/>
+                  </a:rPr>
+                  <a:t> </a:t>
+                </a:r>
+                <a:r>
+                  <a:rPr kumimoji="0" lang="en-US" altLang="en-US" sz="1600" b="0" i="0" u="none" strike="noStrike" cap="none" normalizeH="0" baseline="0" dirty="0" err="1">
+                    <a:ln>
+                      <a:noFill/>
+                    </a:ln>
+                    <a:solidFill>
+                      <a:schemeClr val="tx1"/>
+                    </a:solidFill>
+                    <a:effectLst/>
+                    <a:latin typeface="Times New Roman" panose="02020603050405020304" pitchFamily="18" charset="0"/>
+                    <a:cs typeface="Times New Roman" panose="02020603050405020304" pitchFamily="18" charset="0"/>
+                  </a:rPr>
+                  <a:t>apa</a:t>
+                </a:r>
+                <a:r>
+                  <a:rPr kumimoji="0" lang="en-US" altLang="en-US" sz="1600" b="0" i="0" u="none" strike="noStrike" cap="none" normalizeH="0" baseline="0" dirty="0">
+                    <a:ln>
+                      <a:noFill/>
+                    </a:ln>
+                    <a:solidFill>
+                      <a:schemeClr val="tx1"/>
+                    </a:solidFill>
+                    <a:effectLst/>
+                    <a:latin typeface="Times New Roman" panose="02020603050405020304" pitchFamily="18" charset="0"/>
+                    <a:cs typeface="Times New Roman" panose="02020603050405020304" pitchFamily="18" charset="0"/>
+                  </a:rPr>
+                  <a:t> </a:t>
+                </a:r>
+                <a:r>
+                  <a:rPr kumimoji="0" lang="en-US" altLang="en-US" sz="1600" b="0" i="0" u="none" strike="noStrike" cap="none" normalizeH="0" baseline="0" dirty="0" err="1">
+                    <a:ln>
+                      <a:noFill/>
+                    </a:ln>
+                    <a:solidFill>
+                      <a:schemeClr val="tx1"/>
+                    </a:solidFill>
+                    <a:effectLst/>
+                    <a:latin typeface="Times New Roman" panose="02020603050405020304" pitchFamily="18" charset="0"/>
+                    <a:cs typeface="Times New Roman" panose="02020603050405020304" pitchFamily="18" charset="0"/>
+                  </a:rPr>
+                  <a:t>ini</a:t>
+                </a:r>
+                <a:r>
+                  <a:rPr kumimoji="0" lang="en-US" altLang="en-US" sz="1600" b="0" i="0" u="none" strike="noStrike" cap="none" normalizeH="0" baseline="0" dirty="0">
+                    <a:ln>
+                      <a:noFill/>
+                    </a:ln>
+                    <a:solidFill>
+                      <a:schemeClr val="tx1"/>
+                    </a:solidFill>
+                    <a:effectLst/>
+                    <a:latin typeface="Times New Roman" panose="02020603050405020304" pitchFamily="18" charset="0"/>
+                    <a:cs typeface="Times New Roman" panose="02020603050405020304" pitchFamily="18" charset="0"/>
+                  </a:rPr>
+                  <a:t> ? </a:t>
+                </a:r>
+                <a:r>
+                  <a:rPr kumimoji="0" lang="en-US" altLang="en-US" sz="1600" b="0" i="0" u="none" strike="noStrike" cap="none" normalizeH="0" baseline="0" dirty="0" err="1">
+                    <a:ln>
+                      <a:noFill/>
+                    </a:ln>
+                    <a:solidFill>
+                      <a:schemeClr val="tx1"/>
+                    </a:solidFill>
+                    <a:effectLst/>
+                    <a:latin typeface="Times New Roman" panose="02020603050405020304" pitchFamily="18" charset="0"/>
+                    <a:cs typeface="Times New Roman" panose="02020603050405020304" pitchFamily="18" charset="0"/>
+                  </a:rPr>
+                  <a:t>Apakah</a:t>
+                </a:r>
+                <a:r>
+                  <a:rPr kumimoji="0" lang="en-US" altLang="en-US" sz="1600" b="0" i="0" u="none" strike="noStrike" cap="none" normalizeH="0" baseline="0" dirty="0">
+                    <a:ln>
+                      <a:noFill/>
+                    </a:ln>
+                    <a:solidFill>
+                      <a:schemeClr val="tx1"/>
+                    </a:solidFill>
+                    <a:effectLst/>
+                    <a:latin typeface="Times New Roman" panose="02020603050405020304" pitchFamily="18" charset="0"/>
+                    <a:cs typeface="Times New Roman" panose="02020603050405020304" pitchFamily="18" charset="0"/>
+                  </a:rPr>
+                  <a:t> </a:t>
+                </a:r>
+                <a:r>
+                  <a:rPr kumimoji="0" lang="en-US" altLang="en-US" sz="1600" b="0" i="0" u="none" strike="noStrike" cap="none" normalizeH="0" baseline="0" dirty="0" err="1">
+                    <a:ln>
+                      <a:noFill/>
+                    </a:ln>
+                    <a:solidFill>
+                      <a:schemeClr val="tx1"/>
+                    </a:solidFill>
+                    <a:effectLst/>
+                    <a:latin typeface="Times New Roman" panose="02020603050405020304" pitchFamily="18" charset="0"/>
+                    <a:cs typeface="Times New Roman" panose="02020603050405020304" pitchFamily="18" charset="0"/>
+                  </a:rPr>
+                  <a:t>berbahaya</a:t>
+                </a:r>
+                <a:r>
+                  <a:rPr kumimoji="0" lang="en-US" altLang="en-US" sz="1600" b="0" i="0" u="none" strike="noStrike" cap="none" normalizeH="0" baseline="0" dirty="0">
+                    <a:ln>
+                      <a:noFill/>
+                    </a:ln>
+                    <a:solidFill>
+                      <a:schemeClr val="tx1"/>
+                    </a:solidFill>
+                    <a:effectLst/>
+                    <a:latin typeface="Times New Roman" panose="02020603050405020304" pitchFamily="18" charset="0"/>
+                    <a:cs typeface="Times New Roman" panose="02020603050405020304" pitchFamily="18" charset="0"/>
+                  </a:rPr>
+                  <a:t> ? </a:t>
+                </a:r>
+                <a:r>
+                  <a:rPr kumimoji="0" lang="en-US" altLang="en-US" sz="1600" b="0" i="0" u="none" strike="noStrike" cap="none" normalizeH="0" baseline="0" dirty="0" err="1">
+                    <a:ln>
+                      <a:noFill/>
+                    </a:ln>
+                    <a:solidFill>
+                      <a:schemeClr val="tx1"/>
+                    </a:solidFill>
+                    <a:effectLst/>
+                    <a:latin typeface="Times New Roman" panose="02020603050405020304" pitchFamily="18" charset="0"/>
+                    <a:cs typeface="Times New Roman" panose="02020603050405020304" pitchFamily="18" charset="0"/>
+                  </a:rPr>
+                  <a:t>Bagaimana</a:t>
+                </a:r>
+                <a:r>
+                  <a:rPr kumimoji="0" lang="en-US" altLang="en-US" sz="1600" b="0" i="0" u="none" strike="noStrike" cap="none" normalizeH="0" baseline="0" dirty="0">
+                    <a:ln>
+                      <a:noFill/>
+                    </a:ln>
+                    <a:solidFill>
+                      <a:schemeClr val="tx1"/>
+                    </a:solidFill>
+                    <a:effectLst/>
+                    <a:latin typeface="Times New Roman" panose="02020603050405020304" pitchFamily="18" charset="0"/>
+                    <a:cs typeface="Times New Roman" panose="02020603050405020304" pitchFamily="18" charset="0"/>
+                  </a:rPr>
+                  <a:t> </a:t>
+                </a:r>
+                <a:r>
+                  <a:rPr kumimoji="0" lang="en-US" altLang="en-US" sz="1600" b="0" i="0" u="none" strike="noStrike" cap="none" normalizeH="0" baseline="0" dirty="0" err="1">
+                    <a:ln>
+                      <a:noFill/>
+                    </a:ln>
+                    <a:solidFill>
+                      <a:schemeClr val="tx1"/>
+                    </a:solidFill>
+                    <a:effectLst/>
+                    <a:latin typeface="Times New Roman" panose="02020603050405020304" pitchFamily="18" charset="0"/>
+                    <a:cs typeface="Times New Roman" panose="02020603050405020304" pitchFamily="18" charset="0"/>
+                  </a:rPr>
+                  <a:t>cara</a:t>
+                </a:r>
+                <a:r>
+                  <a:rPr kumimoji="0" lang="en-US" altLang="en-US" sz="1600" b="0" i="0" u="none" strike="noStrike" cap="none" normalizeH="0" baseline="0" dirty="0">
+                    <a:ln>
+                      <a:noFill/>
+                    </a:ln>
+                    <a:solidFill>
+                      <a:schemeClr val="tx1"/>
+                    </a:solidFill>
+                    <a:effectLst/>
+                    <a:latin typeface="Times New Roman" panose="02020603050405020304" pitchFamily="18" charset="0"/>
+                    <a:cs typeface="Times New Roman" panose="02020603050405020304" pitchFamily="18" charset="0"/>
+                  </a:rPr>
+                  <a:t> </a:t>
+                </a:r>
+                <a:r>
+                  <a:rPr kumimoji="0" lang="en-US" altLang="en-US" sz="1600" b="0" i="0" u="none" strike="noStrike" cap="none" normalizeH="0" baseline="0" dirty="0" err="1">
+                    <a:ln>
+                      <a:noFill/>
+                    </a:ln>
+                    <a:solidFill>
+                      <a:schemeClr val="tx1"/>
+                    </a:solidFill>
+                    <a:effectLst/>
+                    <a:latin typeface="Times New Roman" panose="02020603050405020304" pitchFamily="18" charset="0"/>
+                    <a:cs typeface="Times New Roman" panose="02020603050405020304" pitchFamily="18" charset="0"/>
+                  </a:rPr>
+                  <a:t>menanganinya</a:t>
+                </a:r>
+                <a:r>
+                  <a:rPr kumimoji="0" lang="en-US" altLang="en-US" sz="1600" b="0" i="0" u="none" strike="noStrike" cap="none" normalizeH="0" baseline="0" dirty="0">
+                    <a:ln>
+                      <a:noFill/>
+                    </a:ln>
+                    <a:solidFill>
+                      <a:schemeClr val="tx1"/>
+                    </a:solidFill>
+                    <a:effectLst/>
+                    <a:latin typeface="Times New Roman" panose="02020603050405020304" pitchFamily="18" charset="0"/>
+                    <a:cs typeface="Times New Roman" panose="02020603050405020304" pitchFamily="18" charset="0"/>
+                  </a:rPr>
+                  <a:t> </a:t>
+                </a:r>
+                <a:r>
+                  <a:rPr kumimoji="0" lang="en-US" altLang="en-US" sz="1600" b="0" i="0" u="none" strike="noStrike" cap="none" normalizeH="0" baseline="0" dirty="0" err="1">
+                    <a:ln>
+                      <a:noFill/>
+                    </a:ln>
+                    <a:solidFill>
+                      <a:schemeClr val="tx1"/>
+                    </a:solidFill>
+                    <a:effectLst/>
+                    <a:latin typeface="Times New Roman" panose="02020603050405020304" pitchFamily="18" charset="0"/>
+                    <a:cs typeface="Times New Roman" panose="02020603050405020304" pitchFamily="18" charset="0"/>
+                  </a:rPr>
+                  <a:t>selain</a:t>
+                </a:r>
+                <a:r>
+                  <a:rPr kumimoji="0" lang="en-US" altLang="en-US" sz="1600" b="0" i="0" u="none" strike="noStrike" cap="none" normalizeH="0" baseline="0" dirty="0">
+                    <a:ln>
+                      <a:noFill/>
+                    </a:ln>
+                    <a:solidFill>
+                      <a:schemeClr val="tx1"/>
+                    </a:solidFill>
+                    <a:effectLst/>
+                    <a:latin typeface="Times New Roman" panose="02020603050405020304" pitchFamily="18" charset="0"/>
+                    <a:cs typeface="Times New Roman" panose="02020603050405020304" pitchFamily="18" charset="0"/>
+                  </a:rPr>
+                  <a:t> </a:t>
+                </a:r>
+                <a:r>
+                  <a:rPr kumimoji="0" lang="en-US" altLang="en-US" sz="1600" b="0" i="0" u="none" strike="noStrike" cap="none" normalizeH="0" baseline="0" dirty="0" err="1">
+                    <a:ln>
+                      <a:noFill/>
+                    </a:ln>
+                    <a:solidFill>
+                      <a:schemeClr val="tx1"/>
+                    </a:solidFill>
+                    <a:effectLst/>
+                    <a:latin typeface="Times New Roman" panose="02020603050405020304" pitchFamily="18" charset="0"/>
+                    <a:cs typeface="Times New Roman" panose="02020603050405020304" pitchFamily="18" charset="0"/>
+                  </a:rPr>
+                  <a:t>obat</a:t>
+                </a:r>
+                <a:r>
+                  <a:rPr kumimoji="0" lang="en-US" altLang="en-US" sz="1600" b="0" i="0" u="none" strike="noStrike" cap="none" normalizeH="0" baseline="0" dirty="0">
+                    <a:ln>
+                      <a:noFill/>
+                    </a:ln>
+                    <a:solidFill>
+                      <a:schemeClr val="tx1"/>
+                    </a:solidFill>
+                    <a:effectLst/>
+                    <a:latin typeface="Times New Roman" panose="02020603050405020304" pitchFamily="18" charset="0"/>
+                    <a:cs typeface="Times New Roman" panose="02020603050405020304" pitchFamily="18" charset="0"/>
+                  </a:rPr>
+                  <a:t> ?</a:t>
+                </a:r>
+                <a:endParaRPr kumimoji="0" lang="en-US" altLang="en-US" sz="1600" b="0" i="0" u="none" strike="noStrike" cap="none" normalizeH="0" baseline="0" dirty="0">
+                  <a:ln>
+                    <a:noFill/>
+                  </a:ln>
+                  <a:solidFill>
+                    <a:srgbClr val="000000"/>
+                  </a:solidFill>
+                  <a:effectLst/>
+                  <a:highlight>
+                    <a:srgbClr val="00FFFF"/>
+                  </a:highlight>
+                  <a:latin typeface="Times New Roman" panose="02020603050405020304" pitchFamily="18" charset="0"/>
+                  <a:cs typeface="Times New Roman" panose="02020603050405020304" pitchFamily="18" charset="0"/>
+                </a:endParaRPr>
+              </a:p>
+            </p:txBody>
+          </p:sp>
+          <p:sp>
+            <p:nvSpPr>
+              <p:cNvPr id="33" name="Rectangle 32"/>
+              <p:cNvSpPr/>
+              <p:nvPr/>
+            </p:nvSpPr>
+            <p:spPr>
+              <a:xfrm>
+                <a:off x="838200" y="801645"/>
+                <a:ext cx="3906795" cy="628650"/>
+              </a:xfrm>
+              <a:prstGeom prst="rect">
+                <a:avLst/>
+              </a:prstGeom>
+              <a:noFill/>
+            </p:spPr>
+            <p:style>
+              <a:lnRef idx="2">
+                <a:schemeClr val="accent5">
+                  <a:shade val="50000"/>
+                </a:schemeClr>
+              </a:lnRef>
+              <a:fillRef idx="1">
+                <a:schemeClr val="accent5"/>
+              </a:fillRef>
+              <a:effectRef idx="0">
+                <a:schemeClr val="accent5"/>
+              </a:effectRef>
+              <a:fontRef idx="minor">
+                <a:schemeClr val="lt1"/>
+              </a:fontRef>
+            </p:style>
+            <p:txBody>
+              <a:bodyPr rtlCol="0" anchor="ctr"/>
+              <a:lstStyle/>
+              <a:p>
+                <a:pPr lvl="0" eaLnBrk="0" fontAlgn="base" hangingPunct="0">
+                  <a:spcBef>
+                    <a:spcPct val="0"/>
+                  </a:spcBef>
+                  <a:spcAft>
+                    <a:spcPct val="0"/>
+                  </a:spcAft>
+                </a:pPr>
+                <a:r>
+                  <a:rPr kumimoji="0" lang="en-US" altLang="en-US" sz="1600" b="0" i="0" u="none" strike="noStrike" cap="none" normalizeH="0" baseline="0" dirty="0">
+                    <a:ln>
+                      <a:noFill/>
+                    </a:ln>
+                    <a:solidFill>
+                      <a:schemeClr val="tx1"/>
+                    </a:solidFill>
+                    <a:effectLst/>
+                    <a:latin typeface="Times New Roman" panose="02020603050405020304" pitchFamily="18" charset="0"/>
+                    <a:cs typeface="Times New Roman" panose="02020603050405020304" pitchFamily="18" charset="0"/>
+                  </a:rPr>
+                  <a:t>Saya </a:t>
+                </a:r>
+                <a:r>
+                  <a:rPr kumimoji="0" lang="en-US" altLang="en-US" sz="1600" b="0" i="0" u="none" strike="noStrike" cap="none" normalizeH="0" baseline="0" dirty="0" err="1">
+                    <a:ln>
+                      <a:noFill/>
+                    </a:ln>
+                    <a:solidFill>
+                      <a:schemeClr val="tx1"/>
+                    </a:solidFill>
+                    <a:effectLst/>
+                    <a:latin typeface="Times New Roman" panose="02020603050405020304" pitchFamily="18" charset="0"/>
+                    <a:cs typeface="Times New Roman" panose="02020603050405020304" pitchFamily="18" charset="0"/>
+                  </a:rPr>
+                  <a:t>kadang</a:t>
+                </a:r>
+                <a:r>
+                  <a:rPr kumimoji="0" lang="en-US" altLang="en-US" sz="1600" b="0" i="0" u="none" strike="noStrike" cap="none" normalizeH="0" baseline="0" dirty="0">
+                    <a:ln>
+                      <a:noFill/>
+                    </a:ln>
+                    <a:solidFill>
+                      <a:schemeClr val="tx1"/>
+                    </a:solidFill>
+                    <a:effectLst/>
+                    <a:latin typeface="Times New Roman" panose="02020603050405020304" pitchFamily="18" charset="0"/>
+                    <a:cs typeface="Times New Roman" panose="02020603050405020304" pitchFamily="18" charset="0"/>
+                  </a:rPr>
+                  <a:t> </a:t>
+                </a:r>
+                <a:r>
+                  <a:rPr kumimoji="0" lang="en-US" altLang="en-US" sz="1600" b="0" i="0" u="none" strike="noStrike" cap="none" normalizeH="0" baseline="0" dirty="0" err="1">
+                    <a:ln>
+                      <a:noFill/>
+                    </a:ln>
+                    <a:solidFill>
+                      <a:schemeClr val="tx1"/>
+                    </a:solidFill>
+                    <a:effectLst/>
+                    <a:latin typeface="Times New Roman" panose="02020603050405020304" pitchFamily="18" charset="0"/>
+                    <a:cs typeface="Times New Roman" panose="02020603050405020304" pitchFamily="18" charset="0"/>
+                  </a:rPr>
+                  <a:t>bisa</a:t>
+                </a:r>
+                <a:r>
+                  <a:rPr kumimoji="0" lang="en-US" altLang="en-US" sz="1600" b="0" i="0" u="none" strike="noStrike" cap="none" normalizeH="0" baseline="0" dirty="0">
+                    <a:ln>
+                      <a:noFill/>
+                    </a:ln>
+                    <a:solidFill>
+                      <a:schemeClr val="tx1"/>
+                    </a:solidFill>
+                    <a:effectLst/>
+                    <a:latin typeface="Times New Roman" panose="02020603050405020304" pitchFamily="18" charset="0"/>
+                    <a:cs typeface="Times New Roman" panose="02020603050405020304" pitchFamily="18" charset="0"/>
+                  </a:rPr>
+                  <a:t> </a:t>
+                </a:r>
+                <a:r>
+                  <a:rPr kumimoji="0" lang="en-US" altLang="en-US" sz="1600" b="0" i="0" u="none" strike="noStrike" cap="none" normalizeH="0" baseline="0" dirty="0" err="1">
+                    <a:ln>
+                      <a:noFill/>
+                    </a:ln>
+                    <a:solidFill>
+                      <a:schemeClr val="tx1"/>
+                    </a:solidFill>
+                    <a:effectLst/>
+                    <a:latin typeface="Times New Roman" panose="02020603050405020304" pitchFamily="18" charset="0"/>
+                    <a:cs typeface="Times New Roman" panose="02020603050405020304" pitchFamily="18" charset="0"/>
+                  </a:rPr>
+                  <a:t>muncul</a:t>
+                </a:r>
+                <a:r>
+                  <a:rPr kumimoji="0" lang="en-US" altLang="en-US" sz="1600" b="0" i="0" u="none" strike="noStrike" cap="none" normalizeH="0" baseline="0" dirty="0">
+                    <a:ln>
+                      <a:noFill/>
+                    </a:ln>
+                    <a:solidFill>
+                      <a:schemeClr val="tx1"/>
+                    </a:solidFill>
+                    <a:effectLst/>
+                    <a:latin typeface="Times New Roman" panose="02020603050405020304" pitchFamily="18" charset="0"/>
+                    <a:cs typeface="Times New Roman" panose="02020603050405020304" pitchFamily="18" charset="0"/>
+                  </a:rPr>
+                  <a:t> rasa </a:t>
+                </a:r>
+                <a:r>
+                  <a:rPr kumimoji="0" lang="en-US" altLang="en-US" sz="1600" b="0" i="0" u="none" strike="noStrike" cap="none" normalizeH="0" baseline="0" dirty="0" err="1">
+                    <a:ln>
+                      <a:noFill/>
+                    </a:ln>
+                    <a:solidFill>
+                      <a:schemeClr val="tx1"/>
+                    </a:solidFill>
+                    <a:effectLst/>
+                    <a:latin typeface="Times New Roman" panose="02020603050405020304" pitchFamily="18" charset="0"/>
+                    <a:cs typeface="Times New Roman" panose="02020603050405020304" pitchFamily="18" charset="0"/>
+                  </a:rPr>
+                  <a:t>sakit</a:t>
+                </a:r>
+                <a:r>
+                  <a:rPr kumimoji="0" lang="en-US" altLang="en-US" sz="1600" b="0" i="0" u="none" strike="noStrike" cap="none" normalizeH="0" baseline="0" dirty="0">
+                    <a:ln>
+                      <a:noFill/>
+                    </a:ln>
+                    <a:solidFill>
+                      <a:schemeClr val="tx1"/>
+                    </a:solidFill>
+                    <a:effectLst/>
+                    <a:latin typeface="Times New Roman" panose="02020603050405020304" pitchFamily="18" charset="0"/>
+                    <a:cs typeface="Times New Roman" panose="02020603050405020304" pitchFamily="18" charset="0"/>
+                  </a:rPr>
+                  <a:t> </a:t>
+                </a:r>
+                <a:r>
+                  <a:rPr kumimoji="0" lang="en-US" altLang="en-US" sz="1600" b="0" i="0" u="none" strike="noStrike" cap="none" normalizeH="0" baseline="0" dirty="0" err="1">
+                    <a:ln>
+                      <a:noFill/>
+                    </a:ln>
+                    <a:solidFill>
+                      <a:schemeClr val="tx1"/>
+                    </a:solidFill>
+                    <a:effectLst/>
+                    <a:latin typeface="Times New Roman" panose="02020603050405020304" pitchFamily="18" charset="0"/>
+                    <a:cs typeface="Times New Roman" panose="02020603050405020304" pitchFamily="18" charset="0"/>
+                  </a:rPr>
+                  <a:t>dibagian</a:t>
+                </a:r>
+                <a:r>
+                  <a:rPr kumimoji="0" lang="en-US" altLang="en-US" sz="1600" b="0" i="0" u="none" strike="noStrike" cap="none" normalizeH="0" baseline="0" dirty="0">
+                    <a:ln>
+                      <a:noFill/>
+                    </a:ln>
+                    <a:solidFill>
+                      <a:schemeClr val="tx1"/>
+                    </a:solidFill>
+                    <a:effectLst/>
+                    <a:latin typeface="Times New Roman" panose="02020603050405020304" pitchFamily="18" charset="0"/>
+                    <a:cs typeface="Times New Roman" panose="02020603050405020304" pitchFamily="18" charset="0"/>
+                  </a:rPr>
+                  <a:t> </a:t>
+                </a:r>
+                <a:r>
+                  <a:rPr kumimoji="0" lang="en-US" altLang="en-US" sz="1600" b="0" i="0" u="none" strike="noStrike" cap="none" normalizeH="0" baseline="0" dirty="0" err="1">
+                    <a:ln>
+                      <a:noFill/>
+                    </a:ln>
+                    <a:solidFill>
+                      <a:schemeClr val="tx1"/>
+                    </a:solidFill>
+                    <a:effectLst/>
+                    <a:latin typeface="Times New Roman" panose="02020603050405020304" pitchFamily="18" charset="0"/>
+                    <a:cs typeface="Times New Roman" panose="02020603050405020304" pitchFamily="18" charset="0"/>
+                  </a:rPr>
+                  <a:t>dada</a:t>
+                </a:r>
+                <a:r>
+                  <a:rPr kumimoji="0" lang="en-US" altLang="en-US" sz="1600" b="0" i="0" u="none" strike="noStrike" cap="none" normalizeH="0" baseline="0" dirty="0">
+                    <a:ln>
+                      <a:noFill/>
+                    </a:ln>
+                    <a:solidFill>
+                      <a:schemeClr val="tx1"/>
+                    </a:solidFill>
+                    <a:effectLst/>
+                    <a:latin typeface="Times New Roman" panose="02020603050405020304" pitchFamily="18" charset="0"/>
+                    <a:cs typeface="Times New Roman" panose="02020603050405020304" pitchFamily="18" charset="0"/>
+                  </a:rPr>
+                  <a:t> </a:t>
+                </a:r>
+                <a:r>
+                  <a:rPr kumimoji="0" lang="en-US" altLang="en-US" sz="1600" b="0" i="0" u="none" strike="noStrike" cap="none" normalizeH="0" baseline="0" dirty="0" err="1">
+                    <a:ln>
+                      <a:noFill/>
+                    </a:ln>
+                    <a:solidFill>
+                      <a:schemeClr val="tx1"/>
+                    </a:solidFill>
+                    <a:effectLst/>
+                    <a:latin typeface="Times New Roman" panose="02020603050405020304" pitchFamily="18" charset="0"/>
+                    <a:cs typeface="Times New Roman" panose="02020603050405020304" pitchFamily="18" charset="0"/>
+                  </a:rPr>
+                  <a:t>sebelah</a:t>
+                </a:r>
+                <a:r>
+                  <a:rPr kumimoji="0" lang="en-US" altLang="en-US" sz="1600" b="0" i="0" u="none" strike="noStrike" cap="none" normalizeH="0" baseline="0" dirty="0">
+                    <a:ln>
+                      <a:noFill/>
+                    </a:ln>
+                    <a:solidFill>
+                      <a:schemeClr val="tx1"/>
+                    </a:solidFill>
+                    <a:effectLst/>
+                    <a:latin typeface="Times New Roman" panose="02020603050405020304" pitchFamily="18" charset="0"/>
+                    <a:cs typeface="Times New Roman" panose="02020603050405020304" pitchFamily="18" charset="0"/>
+                  </a:rPr>
+                  <a:t> </a:t>
+                </a:r>
+                <a:r>
+                  <a:rPr kumimoji="0" lang="en-US" altLang="en-US" sz="1600" b="0" i="0" u="none" strike="noStrike" cap="none" normalizeH="0" baseline="0" dirty="0" err="1">
+                    <a:ln>
+                      <a:noFill/>
+                    </a:ln>
+                    <a:solidFill>
+                      <a:schemeClr val="tx1"/>
+                    </a:solidFill>
+                    <a:effectLst/>
+                    <a:latin typeface="Times New Roman" panose="02020603050405020304" pitchFamily="18" charset="0"/>
+                    <a:cs typeface="Times New Roman" panose="02020603050405020304" pitchFamily="18" charset="0"/>
+                  </a:rPr>
+                  <a:t>kiri</a:t>
+                </a:r>
+                <a:r>
+                  <a:rPr kumimoji="0" lang="en-US" altLang="en-US" sz="1600" b="0" i="0" u="none" strike="noStrike" cap="none" normalizeH="0" baseline="0" dirty="0">
+                    <a:ln>
+                      <a:noFill/>
+                    </a:ln>
+                    <a:solidFill>
+                      <a:schemeClr val="tx1"/>
+                    </a:solidFill>
+                    <a:effectLst/>
+                    <a:latin typeface="Times New Roman" panose="02020603050405020304" pitchFamily="18" charset="0"/>
+                    <a:cs typeface="Times New Roman" panose="02020603050405020304" pitchFamily="18" charset="0"/>
+                  </a:rPr>
+                  <a:t> </a:t>
+                </a:r>
+                <a:r>
+                  <a:rPr kumimoji="0" lang="en-US" altLang="en-US" sz="1600" b="0" i="0" u="none" strike="noStrike" cap="none" normalizeH="0" baseline="0" dirty="0" err="1">
+                    <a:ln>
+                      <a:noFill/>
+                    </a:ln>
+                    <a:solidFill>
+                      <a:schemeClr val="tx1"/>
+                    </a:solidFill>
+                    <a:effectLst/>
+                    <a:latin typeface="Times New Roman" panose="02020603050405020304" pitchFamily="18" charset="0"/>
+                    <a:cs typeface="Times New Roman" panose="02020603050405020304" pitchFamily="18" charset="0"/>
+                  </a:rPr>
+                  <a:t>bawah</a:t>
+                </a:r>
+                <a:r>
+                  <a:rPr kumimoji="0" lang="en-US" altLang="en-US" sz="1600" b="0" i="0" u="none" strike="noStrike" cap="none" normalizeH="0" baseline="0" dirty="0">
+                    <a:ln>
+                      <a:noFill/>
+                    </a:ln>
+                    <a:solidFill>
+                      <a:schemeClr val="tx1"/>
+                    </a:solidFill>
+                    <a:effectLst/>
+                    <a:latin typeface="Times New Roman" panose="02020603050405020304" pitchFamily="18" charset="0"/>
+                    <a:cs typeface="Times New Roman" panose="02020603050405020304" pitchFamily="18" charset="0"/>
+                  </a:rPr>
+                  <a:t> .</a:t>
+                </a:r>
+                <a:endParaRPr kumimoji="0" lang="en-US" altLang="en-US" sz="3600" b="0" i="0" u="none" strike="noStrike" cap="none" normalizeH="0" baseline="0" dirty="0">
+                  <a:ln>
+                    <a:noFill/>
+                  </a:ln>
+                  <a:solidFill>
+                    <a:schemeClr val="tx1"/>
+                  </a:solidFill>
+                  <a:effectLst/>
+                  <a:highlight>
+                    <a:srgbClr val="00FFFF"/>
+                  </a:highlight>
+                  <a:latin typeface="Times New Roman" panose="02020603050405020304" pitchFamily="18" charset="0"/>
+                  <a:cs typeface="Times New Roman" panose="02020603050405020304" pitchFamily="18" charset="0"/>
+                </a:endParaRPr>
+              </a:p>
+            </p:txBody>
+          </p:sp>
+          <p:sp>
+            <p:nvSpPr>
+              <p:cNvPr id="34" name="Rectangle 33"/>
+              <p:cNvSpPr/>
+              <p:nvPr/>
+            </p:nvSpPr>
+            <p:spPr>
+              <a:xfrm>
+                <a:off x="838200" y="1426433"/>
+                <a:ext cx="3906795" cy="628650"/>
+              </a:xfrm>
+              <a:prstGeom prst="rect">
+                <a:avLst/>
+              </a:prstGeom>
+              <a:noFill/>
+            </p:spPr>
+            <p:style>
+              <a:lnRef idx="2">
+                <a:schemeClr val="accent5">
+                  <a:shade val="50000"/>
+                </a:schemeClr>
+              </a:lnRef>
+              <a:fillRef idx="1">
+                <a:schemeClr val="accent5"/>
+              </a:fillRef>
+              <a:effectRef idx="0">
+                <a:schemeClr val="accent5"/>
+              </a:effectRef>
+              <a:fontRef idx="minor">
+                <a:schemeClr val="lt1"/>
+              </a:fontRef>
+            </p:style>
+            <p:txBody>
+              <a:bodyPr rtlCol="0" anchor="ctr"/>
+              <a:lstStyle/>
+              <a:p>
+                <a:pPr lvl="0" eaLnBrk="0" fontAlgn="base" hangingPunct="0">
+                  <a:spcBef>
+                    <a:spcPct val="0"/>
+                  </a:spcBef>
+                  <a:spcAft>
+                    <a:spcPct val="0"/>
+                  </a:spcAft>
+                </a:pPr>
+                <a:r>
+                  <a:rPr kumimoji="0" lang="en-US" altLang="en-US" sz="1600" b="0" i="0" u="none" strike="noStrike" cap="none" normalizeH="0" baseline="0" dirty="0" err="1">
+                    <a:ln>
+                      <a:noFill/>
+                    </a:ln>
+                    <a:solidFill>
+                      <a:schemeClr val="tx1"/>
+                    </a:solidFill>
+                    <a:effectLst/>
+                    <a:latin typeface="Times New Roman" panose="02020603050405020304" pitchFamily="18" charset="0"/>
+                    <a:cs typeface="Times New Roman" panose="02020603050405020304" pitchFamily="18" charset="0"/>
+                  </a:rPr>
+                  <a:t>Kadang</a:t>
+                </a:r>
+                <a:r>
+                  <a:rPr kumimoji="0" lang="en-US" altLang="en-US" sz="1600" b="0" i="0" u="none" strike="noStrike" cap="none" normalizeH="0" baseline="0" dirty="0">
+                    <a:ln>
+                      <a:noFill/>
+                    </a:ln>
+                    <a:solidFill>
+                      <a:schemeClr val="tx1"/>
+                    </a:solidFill>
+                    <a:effectLst/>
+                    <a:latin typeface="Times New Roman" panose="02020603050405020304" pitchFamily="18" charset="0"/>
+                    <a:cs typeface="Times New Roman" panose="02020603050405020304" pitchFamily="18" charset="0"/>
+                  </a:rPr>
+                  <a:t> </a:t>
+                </a:r>
+                <a:r>
+                  <a:rPr kumimoji="0" lang="en-US" altLang="en-US" sz="1600" b="0" i="0" u="none" strike="noStrike" cap="none" normalizeH="0" baseline="0" dirty="0" err="1">
+                    <a:ln>
+                      <a:noFill/>
+                    </a:ln>
+                    <a:solidFill>
+                      <a:schemeClr val="tx1"/>
+                    </a:solidFill>
+                    <a:effectLst/>
+                    <a:latin typeface="Times New Roman" panose="02020603050405020304" pitchFamily="18" charset="0"/>
+                    <a:cs typeface="Times New Roman" panose="02020603050405020304" pitchFamily="18" charset="0"/>
+                  </a:rPr>
+                  <a:t>bisa</a:t>
+                </a:r>
+                <a:r>
+                  <a:rPr kumimoji="0" lang="en-US" altLang="en-US" sz="1600" b="0" i="0" u="none" strike="noStrike" cap="none" normalizeH="0" baseline="0" dirty="0">
+                    <a:ln>
+                      <a:noFill/>
+                    </a:ln>
+                    <a:solidFill>
+                      <a:schemeClr val="tx1"/>
+                    </a:solidFill>
+                    <a:effectLst/>
+                    <a:latin typeface="Times New Roman" panose="02020603050405020304" pitchFamily="18" charset="0"/>
+                    <a:cs typeface="Times New Roman" panose="02020603050405020304" pitchFamily="18" charset="0"/>
+                  </a:rPr>
+                  <a:t> </a:t>
+                </a:r>
+                <a:r>
+                  <a:rPr kumimoji="0" lang="en-US" altLang="en-US" sz="1600" b="0" i="0" u="none" strike="noStrike" cap="none" normalizeH="0" baseline="0" dirty="0" err="1">
+                    <a:ln>
+                      <a:noFill/>
+                    </a:ln>
+                    <a:solidFill>
+                      <a:schemeClr val="tx1"/>
+                    </a:solidFill>
+                    <a:effectLst/>
+                    <a:latin typeface="Times New Roman" panose="02020603050405020304" pitchFamily="18" charset="0"/>
+                    <a:cs typeface="Times New Roman" panose="02020603050405020304" pitchFamily="18" charset="0"/>
+                  </a:rPr>
+                  <a:t>ditengah</a:t>
+                </a:r>
+                <a:r>
+                  <a:rPr kumimoji="0" lang="en-US" altLang="en-US" sz="1600" b="0" i="0" u="none" strike="noStrike" cap="none" normalizeH="0" baseline="0" dirty="0">
+                    <a:ln>
+                      <a:noFill/>
+                    </a:ln>
+                    <a:solidFill>
+                      <a:schemeClr val="tx1"/>
+                    </a:solidFill>
+                    <a:effectLst/>
+                    <a:latin typeface="Times New Roman" panose="02020603050405020304" pitchFamily="18" charset="0"/>
+                    <a:cs typeface="Times New Roman" panose="02020603050405020304" pitchFamily="18" charset="0"/>
+                  </a:rPr>
+                  <a:t> ( </a:t>
+                </a:r>
+                <a:r>
+                  <a:rPr kumimoji="0" lang="en-US" altLang="en-US" sz="1600" b="0" i="0" u="none" strike="noStrike" cap="none" normalizeH="0" baseline="0" dirty="0" err="1">
+                    <a:ln>
+                      <a:noFill/>
+                    </a:ln>
+                    <a:solidFill>
+                      <a:schemeClr val="tx1"/>
+                    </a:solidFill>
+                    <a:effectLst/>
+                    <a:latin typeface="Times New Roman" panose="02020603050405020304" pitchFamily="18" charset="0"/>
+                    <a:cs typeface="Times New Roman" panose="02020603050405020304" pitchFamily="18" charset="0"/>
+                  </a:rPr>
+                  <a:t>diatas</a:t>
+                </a:r>
+                <a:r>
+                  <a:rPr kumimoji="0" lang="en-US" altLang="en-US" sz="1600" b="0" i="0" u="none" strike="noStrike" cap="none" normalizeH="0" baseline="0" dirty="0">
+                    <a:ln>
+                      <a:noFill/>
+                    </a:ln>
+                    <a:solidFill>
+                      <a:schemeClr val="tx1"/>
+                    </a:solidFill>
+                    <a:effectLst/>
+                    <a:latin typeface="Times New Roman" panose="02020603050405020304" pitchFamily="18" charset="0"/>
+                    <a:cs typeface="Times New Roman" panose="02020603050405020304" pitchFamily="18" charset="0"/>
+                  </a:rPr>
+                  <a:t> </a:t>
+                </a:r>
+                <a:r>
+                  <a:rPr kumimoji="0" lang="en-US" altLang="en-US" sz="1600" b="0" i="0" u="none" strike="noStrike" cap="none" normalizeH="0" baseline="0" dirty="0" err="1">
+                    <a:ln>
+                      <a:noFill/>
+                    </a:ln>
+                    <a:solidFill>
+                      <a:schemeClr val="tx1"/>
+                    </a:solidFill>
+                    <a:effectLst/>
+                    <a:latin typeface="Times New Roman" panose="02020603050405020304" pitchFamily="18" charset="0"/>
+                    <a:cs typeface="Times New Roman" panose="02020603050405020304" pitchFamily="18" charset="0"/>
+                  </a:rPr>
+                  <a:t>perut</a:t>
+                </a:r>
+                <a:r>
+                  <a:rPr kumimoji="0" lang="en-US" altLang="en-US" sz="1600" b="0" i="0" u="none" strike="noStrike" cap="none" normalizeH="0" baseline="0" dirty="0">
+                    <a:ln>
+                      <a:noFill/>
+                    </a:ln>
+                    <a:solidFill>
+                      <a:schemeClr val="tx1"/>
+                    </a:solidFill>
+                    <a:effectLst/>
+                    <a:latin typeface="Times New Roman" panose="02020603050405020304" pitchFamily="18" charset="0"/>
+                    <a:cs typeface="Times New Roman" panose="02020603050405020304" pitchFamily="18" charset="0"/>
+                  </a:rPr>
+                  <a:t> ) . Rasa </a:t>
+                </a:r>
+                <a:r>
+                  <a:rPr kumimoji="0" lang="en-US" altLang="en-US" sz="1600" b="0" i="0" u="none" strike="noStrike" cap="none" normalizeH="0" baseline="0" dirty="0" err="1">
+                    <a:ln>
+                      <a:noFill/>
+                    </a:ln>
+                    <a:solidFill>
+                      <a:schemeClr val="tx1"/>
+                    </a:solidFill>
+                    <a:effectLst/>
+                    <a:latin typeface="Times New Roman" panose="02020603050405020304" pitchFamily="18" charset="0"/>
+                    <a:cs typeface="Times New Roman" panose="02020603050405020304" pitchFamily="18" charset="0"/>
+                  </a:rPr>
+                  <a:t>sakitnya</a:t>
+                </a:r>
+                <a:r>
+                  <a:rPr kumimoji="0" lang="en-US" altLang="en-US" sz="1600" b="0" i="0" u="none" strike="noStrike" cap="none" normalizeH="0" baseline="0" dirty="0">
+                    <a:ln>
+                      <a:noFill/>
+                    </a:ln>
+                    <a:solidFill>
+                      <a:schemeClr val="tx1"/>
+                    </a:solidFill>
+                    <a:effectLst/>
+                    <a:latin typeface="Times New Roman" panose="02020603050405020304" pitchFamily="18" charset="0"/>
+                    <a:cs typeface="Times New Roman" panose="02020603050405020304" pitchFamily="18" charset="0"/>
+                  </a:rPr>
+                  <a:t> </a:t>
+                </a:r>
+                <a:r>
+                  <a:rPr kumimoji="0" lang="en-US" altLang="en-US" sz="1600" b="0" i="0" u="none" strike="noStrike" cap="none" normalizeH="0" baseline="0" dirty="0" err="1">
+                    <a:ln>
+                      <a:noFill/>
+                    </a:ln>
+                    <a:solidFill>
+                      <a:schemeClr val="tx1"/>
+                    </a:solidFill>
+                    <a:effectLst/>
+                    <a:latin typeface="Times New Roman" panose="02020603050405020304" pitchFamily="18" charset="0"/>
+                    <a:cs typeface="Times New Roman" panose="02020603050405020304" pitchFamily="18" charset="0"/>
+                  </a:rPr>
+                  <a:t>itu</a:t>
+                </a:r>
+                <a:r>
+                  <a:rPr kumimoji="0" lang="en-US" altLang="en-US" sz="1600" b="0" i="0" u="none" strike="noStrike" cap="none" normalizeH="0" baseline="0" dirty="0">
+                    <a:ln>
+                      <a:noFill/>
+                    </a:ln>
+                    <a:solidFill>
+                      <a:schemeClr val="tx1"/>
+                    </a:solidFill>
+                    <a:effectLst/>
+                    <a:latin typeface="Times New Roman" panose="02020603050405020304" pitchFamily="18" charset="0"/>
+                    <a:cs typeface="Times New Roman" panose="02020603050405020304" pitchFamily="18" charset="0"/>
+                  </a:rPr>
+                  <a:t> </a:t>
+                </a:r>
+                <a:r>
+                  <a:rPr kumimoji="0" lang="en-US" altLang="en-US" sz="1600" b="0" i="0" u="none" strike="noStrike" cap="none" normalizeH="0" baseline="0" dirty="0" err="1">
+                    <a:ln>
+                      <a:noFill/>
+                    </a:ln>
+                    <a:solidFill>
+                      <a:schemeClr val="tx1"/>
+                    </a:solidFill>
+                    <a:effectLst/>
+                    <a:latin typeface="Times New Roman" panose="02020603050405020304" pitchFamily="18" charset="0"/>
+                    <a:cs typeface="Times New Roman" panose="02020603050405020304" pitchFamily="18" charset="0"/>
+                  </a:rPr>
+                  <a:t>bisa</a:t>
+                </a:r>
+                <a:r>
+                  <a:rPr kumimoji="0" lang="en-US" altLang="en-US" sz="1600" b="0" i="0" u="none" strike="noStrike" cap="none" normalizeH="0" baseline="0" dirty="0">
+                    <a:ln>
+                      <a:noFill/>
+                    </a:ln>
+                    <a:solidFill>
+                      <a:schemeClr val="tx1"/>
+                    </a:solidFill>
+                    <a:effectLst/>
+                    <a:latin typeface="Times New Roman" panose="02020603050405020304" pitchFamily="18" charset="0"/>
+                    <a:cs typeface="Times New Roman" panose="02020603050405020304" pitchFamily="18" charset="0"/>
+                  </a:rPr>
+                  <a:t> </a:t>
+                </a:r>
+                <a:r>
+                  <a:rPr kumimoji="0" lang="en-US" altLang="en-US" sz="1600" b="0" i="0" u="none" strike="noStrike" cap="none" normalizeH="0" baseline="0" dirty="0" err="1">
+                    <a:ln>
+                      <a:noFill/>
+                    </a:ln>
+                    <a:solidFill>
+                      <a:schemeClr val="tx1"/>
+                    </a:solidFill>
+                    <a:effectLst/>
+                    <a:latin typeface="Times New Roman" panose="02020603050405020304" pitchFamily="18" charset="0"/>
+                    <a:cs typeface="Times New Roman" panose="02020603050405020304" pitchFamily="18" charset="0"/>
+                  </a:rPr>
+                  <a:t>kapan</a:t>
+                </a:r>
+                <a:r>
+                  <a:rPr kumimoji="0" lang="en-US" altLang="en-US" sz="1600" b="0" i="0" u="none" strike="noStrike" cap="none" normalizeH="0" baseline="0" dirty="0">
+                    <a:ln>
+                      <a:noFill/>
+                    </a:ln>
+                    <a:solidFill>
+                      <a:schemeClr val="tx1"/>
+                    </a:solidFill>
+                    <a:effectLst/>
+                    <a:latin typeface="Times New Roman" panose="02020603050405020304" pitchFamily="18" charset="0"/>
+                    <a:cs typeface="Times New Roman" panose="02020603050405020304" pitchFamily="18" charset="0"/>
+                  </a:rPr>
+                  <a:t> </a:t>
+                </a:r>
+                <a:r>
+                  <a:rPr kumimoji="0" lang="en-US" altLang="en-US" sz="1600" b="0" i="0" u="none" strike="noStrike" cap="none" normalizeH="0" baseline="0" dirty="0" err="1">
+                    <a:ln>
+                      <a:noFill/>
+                    </a:ln>
+                    <a:solidFill>
+                      <a:schemeClr val="tx1"/>
+                    </a:solidFill>
+                    <a:effectLst/>
+                    <a:latin typeface="Times New Roman" panose="02020603050405020304" pitchFamily="18" charset="0"/>
+                    <a:cs typeface="Times New Roman" panose="02020603050405020304" pitchFamily="18" charset="0"/>
+                  </a:rPr>
+                  <a:t>aja</a:t>
+                </a:r>
+                <a:r>
+                  <a:rPr kumimoji="0" lang="en-US" altLang="en-US" sz="1600" b="0" i="0" u="none" strike="noStrike" cap="none" normalizeH="0" baseline="0" dirty="0">
+                    <a:ln>
+                      <a:noFill/>
+                    </a:ln>
+                    <a:solidFill>
+                      <a:schemeClr val="tx1"/>
+                    </a:solidFill>
+                    <a:effectLst/>
+                    <a:latin typeface="Times New Roman" panose="02020603050405020304" pitchFamily="18" charset="0"/>
+                    <a:cs typeface="Times New Roman" panose="02020603050405020304" pitchFamily="18" charset="0"/>
+                  </a:rPr>
+                  <a:t> </a:t>
+                </a:r>
+                <a:r>
+                  <a:rPr kumimoji="0" lang="en-US" altLang="en-US" sz="1600" b="0" i="0" u="none" strike="noStrike" cap="none" normalizeH="0" baseline="0" dirty="0" err="1">
+                    <a:ln>
+                      <a:noFill/>
+                    </a:ln>
+                    <a:solidFill>
+                      <a:schemeClr val="tx1"/>
+                    </a:solidFill>
+                    <a:effectLst/>
+                    <a:latin typeface="Times New Roman" panose="02020603050405020304" pitchFamily="18" charset="0"/>
+                    <a:cs typeface="Times New Roman" panose="02020603050405020304" pitchFamily="18" charset="0"/>
+                  </a:rPr>
+                  <a:t>muncul</a:t>
+                </a:r>
+                <a:r>
+                  <a:rPr kumimoji="0" lang="en-US" altLang="en-US" sz="1600" b="0" i="0" u="none" strike="noStrike" cap="none" normalizeH="0" baseline="0" dirty="0">
+                    <a:ln>
+                      <a:noFill/>
+                    </a:ln>
+                    <a:solidFill>
+                      <a:schemeClr val="tx1"/>
+                    </a:solidFill>
+                    <a:effectLst/>
+                    <a:latin typeface="Times New Roman" panose="02020603050405020304" pitchFamily="18" charset="0"/>
+                    <a:cs typeface="Times New Roman" panose="02020603050405020304" pitchFamily="18" charset="0"/>
+                  </a:rPr>
+                  <a:t> </a:t>
+                </a:r>
+                <a:r>
+                  <a:rPr kumimoji="0" lang="en-US" altLang="en-US" sz="1600" b="0" i="0" u="none" strike="noStrike" cap="none" normalizeH="0" baseline="0" dirty="0" err="1">
+                    <a:ln>
+                      <a:noFill/>
+                    </a:ln>
+                    <a:solidFill>
+                      <a:schemeClr val="tx1"/>
+                    </a:solidFill>
+                    <a:effectLst/>
+                    <a:latin typeface="Times New Roman" panose="02020603050405020304" pitchFamily="18" charset="0"/>
+                    <a:cs typeface="Times New Roman" panose="02020603050405020304" pitchFamily="18" charset="0"/>
+                  </a:rPr>
+                  <a:t>secara</a:t>
+                </a:r>
+                <a:r>
+                  <a:rPr kumimoji="0" lang="en-US" altLang="en-US" sz="1600" b="0" i="0" u="none" strike="noStrike" cap="none" normalizeH="0" baseline="0" dirty="0">
+                    <a:ln>
+                      <a:noFill/>
+                    </a:ln>
+                    <a:solidFill>
+                      <a:schemeClr val="tx1"/>
+                    </a:solidFill>
+                    <a:effectLst/>
+                    <a:latin typeface="Times New Roman" panose="02020603050405020304" pitchFamily="18" charset="0"/>
+                    <a:cs typeface="Times New Roman" panose="02020603050405020304" pitchFamily="18" charset="0"/>
+                  </a:rPr>
+                  <a:t> </a:t>
+                </a:r>
+                <a:r>
+                  <a:rPr kumimoji="0" lang="en-US" altLang="en-US" sz="1600" b="0" i="0" u="none" strike="noStrike" cap="none" normalizeH="0" baseline="0" dirty="0" err="1">
+                    <a:ln>
+                      <a:noFill/>
+                    </a:ln>
+                    <a:solidFill>
+                      <a:schemeClr val="tx1"/>
+                    </a:solidFill>
+                    <a:effectLst/>
+                    <a:latin typeface="Times New Roman" panose="02020603050405020304" pitchFamily="18" charset="0"/>
+                    <a:cs typeface="Times New Roman" panose="02020603050405020304" pitchFamily="18" charset="0"/>
+                  </a:rPr>
+                  <a:t>tiba</a:t>
+                </a:r>
+                <a:r>
+                  <a:rPr kumimoji="0" lang="en-US" altLang="en-US" sz="1600" b="0" i="0" u="none" strike="noStrike" cap="none" normalizeH="0" baseline="0" dirty="0">
+                    <a:ln>
+                      <a:noFill/>
+                    </a:ln>
+                    <a:solidFill>
+                      <a:schemeClr val="tx1"/>
+                    </a:solidFill>
+                    <a:effectLst/>
+                    <a:latin typeface="Times New Roman" panose="02020603050405020304" pitchFamily="18" charset="0"/>
+                    <a:cs typeface="Times New Roman" panose="02020603050405020304" pitchFamily="18" charset="0"/>
+                  </a:rPr>
+                  <a:t> 2 .</a:t>
+                </a:r>
+                <a:endParaRPr kumimoji="0" lang="en-US" altLang="en-US" sz="3600" b="0" i="0" u="none" strike="noStrike" cap="none" normalizeH="0" baseline="0" dirty="0">
+                  <a:ln>
+                    <a:noFill/>
+                  </a:ln>
+                  <a:solidFill>
+                    <a:schemeClr val="tx1"/>
+                  </a:solidFill>
+                  <a:effectLst/>
+                  <a:highlight>
+                    <a:srgbClr val="00FFFF"/>
+                  </a:highlight>
+                  <a:latin typeface="Times New Roman" panose="02020603050405020304" pitchFamily="18" charset="0"/>
+                  <a:cs typeface="Times New Roman" panose="02020603050405020304" pitchFamily="18" charset="0"/>
+                </a:endParaRPr>
+              </a:p>
+            </p:txBody>
+          </p:sp>
+          <p:sp>
+            <p:nvSpPr>
+              <p:cNvPr id="26" name="Rectangle 25"/>
+              <p:cNvSpPr/>
+              <p:nvPr/>
+            </p:nvSpPr>
+            <p:spPr>
+              <a:xfrm>
+                <a:off x="838200" y="2045238"/>
+                <a:ext cx="3906795" cy="628650"/>
+              </a:xfrm>
+              <a:prstGeom prst="rect">
+                <a:avLst/>
+              </a:prstGeom>
+              <a:noFill/>
+            </p:spPr>
+            <p:style>
+              <a:lnRef idx="2">
+                <a:schemeClr val="accent5">
+                  <a:shade val="50000"/>
+                </a:schemeClr>
+              </a:lnRef>
+              <a:fillRef idx="1">
+                <a:schemeClr val="accent5"/>
+              </a:fillRef>
+              <a:effectRef idx="0">
+                <a:schemeClr val="accent5"/>
+              </a:effectRef>
+              <a:fontRef idx="minor">
+                <a:schemeClr val="lt1"/>
+              </a:fontRef>
+            </p:style>
+            <p:txBody>
+              <a:bodyPr rtlCol="0" anchor="ctr"/>
+              <a:lstStyle/>
+              <a:p>
+                <a:pPr lvl="0" eaLnBrk="0" fontAlgn="base" hangingPunct="0">
+                  <a:spcBef>
+                    <a:spcPct val="0"/>
+                  </a:spcBef>
+                  <a:spcAft>
+                    <a:spcPct val="0"/>
+                  </a:spcAft>
+                </a:pPr>
+                <a:r>
+                  <a:rPr kumimoji="0" lang="en-US" altLang="en-US" sz="1600" b="0" i="0" u="none" strike="noStrike" cap="none" normalizeH="0" baseline="0" dirty="0" err="1">
+                    <a:ln>
+                      <a:noFill/>
+                    </a:ln>
+                    <a:solidFill>
+                      <a:schemeClr val="tx1"/>
+                    </a:solidFill>
+                    <a:effectLst/>
+                    <a:latin typeface="Times New Roman" panose="02020603050405020304" pitchFamily="18" charset="0"/>
+                    <a:cs typeface="Times New Roman" panose="02020603050405020304" pitchFamily="18" charset="0"/>
+                  </a:rPr>
+                  <a:t>Semacam</a:t>
+                </a:r>
+                <a:r>
+                  <a:rPr kumimoji="0" lang="en-US" altLang="en-US" sz="1600" b="0" i="0" u="none" strike="noStrike" cap="none" normalizeH="0" baseline="0" dirty="0">
+                    <a:ln>
+                      <a:noFill/>
+                    </a:ln>
+                    <a:solidFill>
+                      <a:schemeClr val="tx1"/>
+                    </a:solidFill>
+                    <a:effectLst/>
+                    <a:latin typeface="Times New Roman" panose="02020603050405020304" pitchFamily="18" charset="0"/>
+                    <a:cs typeface="Times New Roman" panose="02020603050405020304" pitchFamily="18" charset="0"/>
+                  </a:rPr>
+                  <a:t> </a:t>
+                </a:r>
+                <a:r>
+                  <a:rPr kumimoji="0" lang="en-US" altLang="en-US" sz="1600" b="0" i="0" u="none" strike="noStrike" cap="none" normalizeH="0" baseline="0" dirty="0" err="1">
+                    <a:ln>
+                      <a:noFill/>
+                    </a:ln>
+                    <a:solidFill>
+                      <a:schemeClr val="tx1"/>
+                    </a:solidFill>
+                    <a:effectLst/>
+                    <a:latin typeface="Times New Roman" panose="02020603050405020304" pitchFamily="18" charset="0"/>
+                    <a:cs typeface="Times New Roman" panose="02020603050405020304" pitchFamily="18" charset="0"/>
+                  </a:rPr>
+                  <a:t>ngilu</a:t>
+                </a:r>
+                <a:r>
+                  <a:rPr kumimoji="0" lang="en-US" altLang="en-US" sz="1600" b="0" i="0" u="none" strike="noStrike" cap="none" normalizeH="0" baseline="0" dirty="0">
+                    <a:ln>
+                      <a:noFill/>
+                    </a:ln>
+                    <a:solidFill>
+                      <a:schemeClr val="tx1"/>
+                    </a:solidFill>
+                    <a:effectLst/>
+                    <a:latin typeface="Times New Roman" panose="02020603050405020304" pitchFamily="18" charset="0"/>
+                    <a:cs typeface="Times New Roman" panose="02020603050405020304" pitchFamily="18" charset="0"/>
+                  </a:rPr>
+                  <a:t> </a:t>
+                </a:r>
+                <a:r>
+                  <a:rPr kumimoji="0" lang="en-US" altLang="en-US" sz="1600" b="0" i="0" u="none" strike="noStrike" cap="none" normalizeH="0" baseline="0" dirty="0" err="1">
+                    <a:ln>
+                      <a:noFill/>
+                    </a:ln>
+                    <a:solidFill>
+                      <a:schemeClr val="tx1"/>
+                    </a:solidFill>
+                    <a:effectLst/>
+                    <a:latin typeface="Times New Roman" panose="02020603050405020304" pitchFamily="18" charset="0"/>
+                    <a:cs typeface="Times New Roman" panose="02020603050405020304" pitchFamily="18" charset="0"/>
+                  </a:rPr>
+                  <a:t>nyeri</a:t>
+                </a:r>
+                <a:r>
+                  <a:rPr kumimoji="0" lang="en-US" altLang="en-US" sz="1600" b="0" i="0" u="none" strike="noStrike" cap="none" normalizeH="0" baseline="0" dirty="0">
+                    <a:ln>
+                      <a:noFill/>
+                    </a:ln>
+                    <a:solidFill>
+                      <a:schemeClr val="tx1"/>
+                    </a:solidFill>
+                    <a:effectLst/>
+                    <a:latin typeface="Times New Roman" panose="02020603050405020304" pitchFamily="18" charset="0"/>
+                    <a:cs typeface="Times New Roman" panose="02020603050405020304" pitchFamily="18" charset="0"/>
+                  </a:rPr>
+                  <a:t> </a:t>
+                </a:r>
+                <a:r>
+                  <a:rPr kumimoji="0" lang="en-US" altLang="en-US" sz="1600" b="0" i="0" u="none" strike="noStrike" cap="none" normalizeH="0" baseline="0" dirty="0" err="1">
+                    <a:ln>
+                      <a:noFill/>
+                    </a:ln>
+                    <a:solidFill>
+                      <a:schemeClr val="tx1"/>
+                    </a:solidFill>
+                    <a:effectLst/>
+                    <a:latin typeface="Times New Roman" panose="02020603050405020304" pitchFamily="18" charset="0"/>
+                    <a:cs typeface="Times New Roman" panose="02020603050405020304" pitchFamily="18" charset="0"/>
+                  </a:rPr>
+                  <a:t>gitu</a:t>
+                </a:r>
+                <a:r>
+                  <a:rPr kumimoji="0" lang="en-US" altLang="en-US" sz="1600" b="0" i="0" u="none" strike="noStrike" cap="none" normalizeH="0" baseline="0" dirty="0">
+                    <a:ln>
+                      <a:noFill/>
+                    </a:ln>
+                    <a:solidFill>
+                      <a:schemeClr val="tx1"/>
+                    </a:solidFill>
+                    <a:effectLst/>
+                    <a:latin typeface="Times New Roman" panose="02020603050405020304" pitchFamily="18" charset="0"/>
+                    <a:cs typeface="Times New Roman" panose="02020603050405020304" pitchFamily="18" charset="0"/>
+                  </a:rPr>
+                  <a:t> </a:t>
+                </a:r>
+                <a:r>
+                  <a:rPr kumimoji="0" lang="en-US" altLang="en-US" sz="1600" b="0" i="0" u="none" strike="noStrike" cap="none" normalizeH="0" baseline="0" dirty="0" err="1">
+                    <a:ln>
+                      <a:noFill/>
+                    </a:ln>
+                    <a:solidFill>
+                      <a:schemeClr val="tx1"/>
+                    </a:solidFill>
+                    <a:effectLst/>
+                    <a:latin typeface="Times New Roman" panose="02020603050405020304" pitchFamily="18" charset="0"/>
+                    <a:cs typeface="Times New Roman" panose="02020603050405020304" pitchFamily="18" charset="0"/>
+                  </a:rPr>
+                  <a:t>rasanya</a:t>
+                </a:r>
+                <a:r>
+                  <a:rPr kumimoji="0" lang="en-US" altLang="en-US" sz="1600" b="0" i="0" u="none" strike="noStrike" cap="none" normalizeH="0" baseline="0" dirty="0">
+                    <a:ln>
+                      <a:noFill/>
+                    </a:ln>
+                    <a:solidFill>
+                      <a:schemeClr val="tx1"/>
+                    </a:solidFill>
+                    <a:effectLst/>
+                    <a:latin typeface="Times New Roman" panose="02020603050405020304" pitchFamily="18" charset="0"/>
+                    <a:cs typeface="Times New Roman" panose="02020603050405020304" pitchFamily="18" charset="0"/>
+                  </a:rPr>
+                  <a:t> </a:t>
+                </a:r>
+                <a:r>
+                  <a:rPr kumimoji="0" lang="en-US" altLang="en-US" sz="1600" b="0" i="0" u="none" strike="noStrike" cap="none" normalizeH="0" baseline="0" dirty="0" err="1">
+                    <a:ln>
+                      <a:noFill/>
+                    </a:ln>
+                    <a:solidFill>
+                      <a:schemeClr val="tx1"/>
+                    </a:solidFill>
+                    <a:effectLst/>
+                    <a:latin typeface="Times New Roman" panose="02020603050405020304" pitchFamily="18" charset="0"/>
+                    <a:cs typeface="Times New Roman" panose="02020603050405020304" pitchFamily="18" charset="0"/>
+                  </a:rPr>
+                  <a:t>mungkin</a:t>
+                </a:r>
+                <a:r>
+                  <a:rPr kumimoji="0" lang="en-US" altLang="en-US" sz="1600" b="0" i="0" u="none" strike="noStrike" cap="none" normalizeH="0" baseline="0" dirty="0">
+                    <a:ln>
+                      <a:noFill/>
+                    </a:ln>
+                    <a:solidFill>
+                      <a:schemeClr val="tx1"/>
+                    </a:solidFill>
+                    <a:effectLst/>
+                    <a:latin typeface="Times New Roman" panose="02020603050405020304" pitchFamily="18" charset="0"/>
+                    <a:cs typeface="Times New Roman" panose="02020603050405020304" pitchFamily="18" charset="0"/>
+                  </a:rPr>
+                  <a:t> . </a:t>
+                </a:r>
+                <a:r>
+                  <a:rPr kumimoji="0" lang="en-US" altLang="en-US" sz="1600" b="0" i="0" u="none" strike="noStrike" cap="none" normalizeH="0" baseline="0" dirty="0" err="1">
+                    <a:ln>
+                      <a:noFill/>
+                    </a:ln>
+                    <a:solidFill>
+                      <a:schemeClr val="tx1"/>
+                    </a:solidFill>
+                    <a:effectLst/>
+                    <a:latin typeface="Times New Roman" panose="02020603050405020304" pitchFamily="18" charset="0"/>
+                    <a:cs typeface="Times New Roman" panose="02020603050405020304" pitchFamily="18" charset="0"/>
+                  </a:rPr>
+                  <a:t>Itu</a:t>
+                </a:r>
+                <a:r>
+                  <a:rPr kumimoji="0" lang="en-US" altLang="en-US" sz="1600" b="0" i="0" u="none" strike="noStrike" cap="none" normalizeH="0" baseline="0" dirty="0">
+                    <a:ln>
+                      <a:noFill/>
+                    </a:ln>
+                    <a:solidFill>
+                      <a:schemeClr val="tx1"/>
+                    </a:solidFill>
+                    <a:effectLst/>
+                    <a:latin typeface="Times New Roman" panose="02020603050405020304" pitchFamily="18" charset="0"/>
+                    <a:cs typeface="Times New Roman" panose="02020603050405020304" pitchFamily="18" charset="0"/>
+                  </a:rPr>
+                  <a:t> </a:t>
+                </a:r>
+                <a:r>
+                  <a:rPr kumimoji="0" lang="en-US" altLang="en-US" sz="1600" b="0" i="0" u="none" strike="noStrike" cap="none" normalizeH="0" baseline="0" dirty="0" err="1">
+                    <a:ln>
+                      <a:noFill/>
+                    </a:ln>
+                    <a:solidFill>
+                      <a:schemeClr val="tx1"/>
+                    </a:solidFill>
+                    <a:effectLst/>
+                    <a:latin typeface="Times New Roman" panose="02020603050405020304" pitchFamily="18" charset="0"/>
+                    <a:cs typeface="Times New Roman" panose="02020603050405020304" pitchFamily="18" charset="0"/>
+                  </a:rPr>
+                  <a:t>mengakibatkan</a:t>
+                </a:r>
+                <a:r>
+                  <a:rPr kumimoji="0" lang="en-US" altLang="en-US" sz="1600" b="0" i="0" u="none" strike="noStrike" cap="none" normalizeH="0" baseline="0" dirty="0">
+                    <a:ln>
+                      <a:noFill/>
+                    </a:ln>
+                    <a:solidFill>
+                      <a:schemeClr val="tx1"/>
+                    </a:solidFill>
+                    <a:effectLst/>
+                    <a:latin typeface="Times New Roman" panose="02020603050405020304" pitchFamily="18" charset="0"/>
+                    <a:cs typeface="Times New Roman" panose="02020603050405020304" pitchFamily="18" charset="0"/>
+                  </a:rPr>
+                  <a:t> </a:t>
+                </a:r>
+                <a:r>
+                  <a:rPr kumimoji="0" lang="en-US" altLang="en-US" sz="1600" b="0" i="0" u="none" strike="noStrike" cap="none" normalizeH="0" baseline="0" dirty="0" err="1">
+                    <a:ln>
+                      <a:noFill/>
+                    </a:ln>
+                    <a:solidFill>
+                      <a:schemeClr val="tx1"/>
+                    </a:solidFill>
+                    <a:effectLst/>
+                    <a:latin typeface="Times New Roman" panose="02020603050405020304" pitchFamily="18" charset="0"/>
+                    <a:cs typeface="Times New Roman" panose="02020603050405020304" pitchFamily="18" charset="0"/>
+                  </a:rPr>
+                  <a:t>napas</a:t>
+                </a:r>
+                <a:r>
+                  <a:rPr kumimoji="0" lang="en-US" altLang="en-US" sz="1600" b="0" i="0" u="none" strike="noStrike" cap="none" normalizeH="0" baseline="0" dirty="0">
+                    <a:ln>
+                      <a:noFill/>
+                    </a:ln>
+                    <a:solidFill>
+                      <a:schemeClr val="tx1"/>
+                    </a:solidFill>
+                    <a:effectLst/>
+                    <a:latin typeface="Times New Roman" panose="02020603050405020304" pitchFamily="18" charset="0"/>
+                    <a:cs typeface="Times New Roman" panose="02020603050405020304" pitchFamily="18" charset="0"/>
+                  </a:rPr>
+                  <a:t> </a:t>
+                </a:r>
+                <a:r>
+                  <a:rPr kumimoji="0" lang="en-US" altLang="en-US" sz="1600" b="0" i="0" u="none" strike="noStrike" cap="none" normalizeH="0" baseline="0" dirty="0" err="1">
+                    <a:ln>
+                      <a:noFill/>
+                    </a:ln>
+                    <a:solidFill>
+                      <a:schemeClr val="tx1"/>
+                    </a:solidFill>
+                    <a:effectLst/>
+                    <a:latin typeface="Times New Roman" panose="02020603050405020304" pitchFamily="18" charset="0"/>
+                    <a:cs typeface="Times New Roman" panose="02020603050405020304" pitchFamily="18" charset="0"/>
+                  </a:rPr>
+                  <a:t>saya</a:t>
+                </a:r>
+                <a:r>
+                  <a:rPr kumimoji="0" lang="en-US" altLang="en-US" sz="1600" b="0" i="0" u="none" strike="noStrike" cap="none" normalizeH="0" baseline="0" dirty="0">
+                    <a:ln>
+                      <a:noFill/>
+                    </a:ln>
+                    <a:solidFill>
+                      <a:schemeClr val="tx1"/>
+                    </a:solidFill>
+                    <a:effectLst/>
+                    <a:latin typeface="Times New Roman" panose="02020603050405020304" pitchFamily="18" charset="0"/>
+                    <a:cs typeface="Times New Roman" panose="02020603050405020304" pitchFamily="18" charset="0"/>
+                  </a:rPr>
+                  <a:t> </a:t>
+                </a:r>
+                <a:r>
+                  <a:rPr kumimoji="0" lang="en-US" altLang="en-US" sz="1600" b="0" i="0" u="none" strike="noStrike" cap="none" normalizeH="0" baseline="0" dirty="0" err="1">
+                    <a:ln>
+                      <a:noFill/>
+                    </a:ln>
+                    <a:solidFill>
+                      <a:schemeClr val="tx1"/>
+                    </a:solidFill>
+                    <a:effectLst/>
+                    <a:latin typeface="Times New Roman" panose="02020603050405020304" pitchFamily="18" charset="0"/>
+                    <a:cs typeface="Times New Roman" panose="02020603050405020304" pitchFamily="18" charset="0"/>
+                  </a:rPr>
+                  <a:t>terganggu</a:t>
+                </a:r>
+                <a:r>
+                  <a:rPr kumimoji="0" lang="en-US" altLang="en-US" sz="1600" b="0" i="0" u="none" strike="noStrike" cap="none" normalizeH="0" baseline="0" dirty="0">
+                    <a:ln>
+                      <a:noFill/>
+                    </a:ln>
+                    <a:solidFill>
+                      <a:schemeClr val="tx1"/>
+                    </a:solidFill>
+                    <a:effectLst/>
+                    <a:latin typeface="Times New Roman" panose="02020603050405020304" pitchFamily="18" charset="0"/>
+                    <a:cs typeface="Times New Roman" panose="02020603050405020304" pitchFamily="18" charset="0"/>
+                  </a:rPr>
+                  <a:t> .</a:t>
+                </a:r>
+                <a:endParaRPr kumimoji="0" lang="en-US" altLang="en-US" sz="3600" b="0" i="0" u="none" strike="noStrike" cap="none" normalizeH="0" baseline="0" dirty="0">
+                  <a:ln>
+                    <a:noFill/>
+                  </a:ln>
+                  <a:solidFill>
+                    <a:schemeClr val="tx1"/>
+                  </a:solidFill>
+                  <a:effectLst/>
+                  <a:highlight>
+                    <a:srgbClr val="00FFFF"/>
+                  </a:highlight>
+                  <a:latin typeface="Times New Roman" panose="02020603050405020304" pitchFamily="18" charset="0"/>
+                  <a:cs typeface="Times New Roman" panose="02020603050405020304" pitchFamily="18" charset="0"/>
+                </a:endParaRPr>
+              </a:p>
+            </p:txBody>
+          </p:sp>
+          <p:sp>
+            <p:nvSpPr>
+              <p:cNvPr id="27" name="Rectangle 26"/>
+              <p:cNvSpPr/>
+              <p:nvPr/>
+            </p:nvSpPr>
+            <p:spPr>
+              <a:xfrm>
+                <a:off x="838200" y="2671888"/>
+                <a:ext cx="3906795" cy="628650"/>
+              </a:xfrm>
+              <a:prstGeom prst="rect">
+                <a:avLst/>
+              </a:prstGeom>
+              <a:noFill/>
+            </p:spPr>
+            <p:style>
+              <a:lnRef idx="2">
+                <a:schemeClr val="accent5">
+                  <a:shade val="50000"/>
+                </a:schemeClr>
+              </a:lnRef>
+              <a:fillRef idx="1">
+                <a:schemeClr val="accent5"/>
+              </a:fillRef>
+              <a:effectRef idx="0">
+                <a:schemeClr val="accent5"/>
+              </a:effectRef>
+              <a:fontRef idx="minor">
+                <a:schemeClr val="lt1"/>
+              </a:fontRef>
+            </p:style>
+            <p:txBody>
+              <a:bodyPr rtlCol="0" anchor="ctr"/>
+              <a:lstStyle/>
+              <a:p>
+                <a:pPr lvl="0" eaLnBrk="0" fontAlgn="base" hangingPunct="0">
+                  <a:spcBef>
+                    <a:spcPct val="0"/>
+                  </a:spcBef>
+                  <a:spcAft>
+                    <a:spcPct val="0"/>
+                  </a:spcAft>
+                </a:pPr>
+                <a:r>
+                  <a:rPr kumimoji="0" lang="en-US" altLang="en-US" sz="1600" b="0" i="0" u="none" strike="noStrike" cap="none" normalizeH="0" baseline="0" dirty="0" err="1">
+                    <a:ln>
+                      <a:noFill/>
+                    </a:ln>
+                    <a:solidFill>
+                      <a:schemeClr val="tx1"/>
+                    </a:solidFill>
+                    <a:effectLst/>
+                    <a:latin typeface="Times New Roman" panose="02020603050405020304" pitchFamily="18" charset="0"/>
+                    <a:cs typeface="Times New Roman" panose="02020603050405020304" pitchFamily="18" charset="0"/>
+                  </a:rPr>
+                  <a:t>Saat</a:t>
+                </a:r>
+                <a:r>
+                  <a:rPr kumimoji="0" lang="en-US" altLang="en-US" sz="1600" b="0" i="0" u="none" strike="noStrike" cap="none" normalizeH="0" baseline="0" dirty="0">
+                    <a:ln>
+                      <a:noFill/>
+                    </a:ln>
+                    <a:solidFill>
+                      <a:schemeClr val="tx1"/>
+                    </a:solidFill>
+                    <a:effectLst/>
+                    <a:latin typeface="Times New Roman" panose="02020603050405020304" pitchFamily="18" charset="0"/>
+                    <a:cs typeface="Times New Roman" panose="02020603050405020304" pitchFamily="18" charset="0"/>
+                  </a:rPr>
+                  <a:t> rasa </a:t>
+                </a:r>
+                <a:r>
+                  <a:rPr kumimoji="0" lang="en-US" altLang="en-US" sz="1600" b="0" i="0" u="none" strike="noStrike" cap="none" normalizeH="0" baseline="0" dirty="0" err="1">
+                    <a:ln>
+                      <a:noFill/>
+                    </a:ln>
+                    <a:solidFill>
+                      <a:schemeClr val="tx1"/>
+                    </a:solidFill>
+                    <a:effectLst/>
+                    <a:latin typeface="Times New Roman" panose="02020603050405020304" pitchFamily="18" charset="0"/>
+                    <a:cs typeface="Times New Roman" panose="02020603050405020304" pitchFamily="18" charset="0"/>
+                  </a:rPr>
+                  <a:t>sakit</a:t>
+                </a:r>
+                <a:r>
+                  <a:rPr kumimoji="0" lang="en-US" altLang="en-US" sz="1600" b="0" i="0" u="none" strike="noStrike" cap="none" normalizeH="0" baseline="0" dirty="0">
+                    <a:ln>
+                      <a:noFill/>
+                    </a:ln>
+                    <a:solidFill>
+                      <a:schemeClr val="tx1"/>
+                    </a:solidFill>
+                    <a:effectLst/>
+                    <a:latin typeface="Times New Roman" panose="02020603050405020304" pitchFamily="18" charset="0"/>
+                    <a:cs typeface="Times New Roman" panose="02020603050405020304" pitchFamily="18" charset="0"/>
+                  </a:rPr>
+                  <a:t> </a:t>
+                </a:r>
+                <a:r>
+                  <a:rPr kumimoji="0" lang="en-US" altLang="en-US" sz="1600" b="0" i="0" u="none" strike="noStrike" cap="none" normalizeH="0" baseline="0" dirty="0" err="1">
+                    <a:ln>
+                      <a:noFill/>
+                    </a:ln>
+                    <a:solidFill>
+                      <a:schemeClr val="tx1"/>
+                    </a:solidFill>
+                    <a:effectLst/>
+                    <a:latin typeface="Times New Roman" panose="02020603050405020304" pitchFamily="18" charset="0"/>
+                    <a:cs typeface="Times New Roman" panose="02020603050405020304" pitchFamily="18" charset="0"/>
+                  </a:rPr>
+                  <a:t>itu</a:t>
+                </a:r>
+                <a:r>
+                  <a:rPr kumimoji="0" lang="en-US" altLang="en-US" sz="1600" b="0" i="0" u="none" strike="noStrike" cap="none" normalizeH="0" baseline="0" dirty="0">
+                    <a:ln>
+                      <a:noFill/>
+                    </a:ln>
+                    <a:solidFill>
+                      <a:schemeClr val="tx1"/>
+                    </a:solidFill>
+                    <a:effectLst/>
+                    <a:latin typeface="Times New Roman" panose="02020603050405020304" pitchFamily="18" charset="0"/>
+                    <a:cs typeface="Times New Roman" panose="02020603050405020304" pitchFamily="18" charset="0"/>
+                  </a:rPr>
+                  <a:t> </a:t>
+                </a:r>
+                <a:r>
+                  <a:rPr kumimoji="0" lang="en-US" altLang="en-US" sz="1600" b="0" i="0" u="none" strike="noStrike" cap="none" normalizeH="0" baseline="0" dirty="0" err="1">
+                    <a:ln>
+                      <a:noFill/>
+                    </a:ln>
+                    <a:solidFill>
+                      <a:schemeClr val="tx1"/>
+                    </a:solidFill>
+                    <a:effectLst/>
+                    <a:latin typeface="Times New Roman" panose="02020603050405020304" pitchFamily="18" charset="0"/>
+                    <a:cs typeface="Times New Roman" panose="02020603050405020304" pitchFamily="18" charset="0"/>
+                  </a:rPr>
+                  <a:t>muncul</a:t>
+                </a:r>
+                <a:r>
+                  <a:rPr kumimoji="0" lang="en-US" altLang="en-US" sz="1600" b="0" i="0" u="none" strike="noStrike" cap="none" normalizeH="0" baseline="0" dirty="0">
+                    <a:ln>
+                      <a:noFill/>
+                    </a:ln>
+                    <a:solidFill>
+                      <a:schemeClr val="tx1"/>
+                    </a:solidFill>
+                    <a:effectLst/>
+                    <a:latin typeface="Times New Roman" panose="02020603050405020304" pitchFamily="18" charset="0"/>
+                    <a:cs typeface="Times New Roman" panose="02020603050405020304" pitchFamily="18" charset="0"/>
+                  </a:rPr>
+                  <a:t> , </a:t>
+                </a:r>
+                <a:r>
+                  <a:rPr kumimoji="0" lang="en-US" altLang="en-US" sz="1600" b="0" i="0" u="none" strike="noStrike" cap="none" normalizeH="0" baseline="0" dirty="0" err="1">
+                    <a:ln>
+                      <a:noFill/>
+                    </a:ln>
+                    <a:solidFill>
+                      <a:schemeClr val="tx1"/>
+                    </a:solidFill>
+                    <a:effectLst/>
+                    <a:latin typeface="Times New Roman" panose="02020603050405020304" pitchFamily="18" charset="0"/>
+                    <a:cs typeface="Times New Roman" panose="02020603050405020304" pitchFamily="18" charset="0"/>
+                  </a:rPr>
+                  <a:t>napas</a:t>
+                </a:r>
+                <a:r>
+                  <a:rPr kumimoji="0" lang="en-US" altLang="en-US" sz="1600" b="0" i="0" u="none" strike="noStrike" cap="none" normalizeH="0" baseline="0" dirty="0">
+                    <a:ln>
+                      <a:noFill/>
+                    </a:ln>
+                    <a:solidFill>
+                      <a:schemeClr val="tx1"/>
+                    </a:solidFill>
+                    <a:effectLst/>
+                    <a:latin typeface="Times New Roman" panose="02020603050405020304" pitchFamily="18" charset="0"/>
+                    <a:cs typeface="Times New Roman" panose="02020603050405020304" pitchFamily="18" charset="0"/>
+                  </a:rPr>
+                  <a:t> </a:t>
+                </a:r>
+                <a:r>
+                  <a:rPr kumimoji="0" lang="en-US" altLang="en-US" sz="1600" b="0" i="0" u="none" strike="noStrike" cap="none" normalizeH="0" baseline="0" dirty="0" err="1">
+                    <a:ln>
+                      <a:noFill/>
+                    </a:ln>
+                    <a:solidFill>
+                      <a:schemeClr val="tx1"/>
+                    </a:solidFill>
+                    <a:effectLst/>
+                    <a:latin typeface="Times New Roman" panose="02020603050405020304" pitchFamily="18" charset="0"/>
+                    <a:cs typeface="Times New Roman" panose="02020603050405020304" pitchFamily="18" charset="0"/>
+                  </a:rPr>
+                  <a:t>saya</a:t>
+                </a:r>
+                <a:r>
+                  <a:rPr kumimoji="0" lang="en-US" altLang="en-US" sz="1600" b="0" i="0" u="none" strike="noStrike" cap="none" normalizeH="0" baseline="0" dirty="0">
+                    <a:ln>
+                      <a:noFill/>
+                    </a:ln>
+                    <a:solidFill>
+                      <a:schemeClr val="tx1"/>
+                    </a:solidFill>
+                    <a:effectLst/>
+                    <a:latin typeface="Times New Roman" panose="02020603050405020304" pitchFamily="18" charset="0"/>
+                    <a:cs typeface="Times New Roman" panose="02020603050405020304" pitchFamily="18" charset="0"/>
+                  </a:rPr>
+                  <a:t> </a:t>
+                </a:r>
+                <a:r>
+                  <a:rPr kumimoji="0" lang="en-US" altLang="en-US" sz="1600" b="0" i="0" u="none" strike="noStrike" cap="none" normalizeH="0" baseline="0" dirty="0" err="1">
+                    <a:ln>
+                      <a:noFill/>
+                    </a:ln>
+                    <a:solidFill>
+                      <a:schemeClr val="tx1"/>
+                    </a:solidFill>
+                    <a:effectLst/>
+                    <a:latin typeface="Times New Roman" panose="02020603050405020304" pitchFamily="18" charset="0"/>
+                    <a:cs typeface="Times New Roman" panose="02020603050405020304" pitchFamily="18" charset="0"/>
+                  </a:rPr>
+                  <a:t>jadi</a:t>
+                </a:r>
+                <a:r>
+                  <a:rPr kumimoji="0" lang="en-US" altLang="en-US" sz="1600" b="0" i="0" u="none" strike="noStrike" cap="none" normalizeH="0" baseline="0" dirty="0">
+                    <a:ln>
+                      <a:noFill/>
+                    </a:ln>
+                    <a:solidFill>
+                      <a:schemeClr val="tx1"/>
+                    </a:solidFill>
+                    <a:effectLst/>
+                    <a:latin typeface="Times New Roman" panose="02020603050405020304" pitchFamily="18" charset="0"/>
+                    <a:cs typeface="Times New Roman" panose="02020603050405020304" pitchFamily="18" charset="0"/>
+                  </a:rPr>
+                  <a:t> </a:t>
+                </a:r>
+                <a:r>
+                  <a:rPr kumimoji="0" lang="en-US" altLang="en-US" sz="1600" b="0" i="0" u="none" strike="noStrike" cap="none" normalizeH="0" baseline="0" dirty="0" err="1">
+                    <a:ln>
+                      <a:noFill/>
+                    </a:ln>
+                    <a:solidFill>
+                      <a:schemeClr val="tx1"/>
+                    </a:solidFill>
+                    <a:effectLst/>
+                    <a:latin typeface="Times New Roman" panose="02020603050405020304" pitchFamily="18" charset="0"/>
+                    <a:cs typeface="Times New Roman" panose="02020603050405020304" pitchFamily="18" charset="0"/>
+                  </a:rPr>
+                  <a:t>semacam</a:t>
+                </a:r>
+                <a:r>
+                  <a:rPr kumimoji="0" lang="en-US" altLang="en-US" sz="1600" b="0" i="0" u="none" strike="noStrike" cap="none" normalizeH="0" baseline="0" dirty="0">
+                    <a:ln>
+                      <a:noFill/>
+                    </a:ln>
+                    <a:solidFill>
+                      <a:schemeClr val="tx1"/>
+                    </a:solidFill>
+                    <a:effectLst/>
+                    <a:latin typeface="Times New Roman" panose="02020603050405020304" pitchFamily="18" charset="0"/>
+                    <a:cs typeface="Times New Roman" panose="02020603050405020304" pitchFamily="18" charset="0"/>
+                  </a:rPr>
+                  <a:t> </a:t>
+                </a:r>
+                <a:r>
+                  <a:rPr kumimoji="0" lang="en-US" altLang="en-US" sz="1600" b="0" i="0" u="none" strike="noStrike" cap="none" normalizeH="0" baseline="0" dirty="0" err="1">
+                    <a:ln>
+                      <a:noFill/>
+                    </a:ln>
+                    <a:solidFill>
+                      <a:schemeClr val="tx1"/>
+                    </a:solidFill>
+                    <a:effectLst/>
+                    <a:latin typeface="Times New Roman" panose="02020603050405020304" pitchFamily="18" charset="0"/>
+                    <a:cs typeface="Times New Roman" panose="02020603050405020304" pitchFamily="18" charset="0"/>
+                  </a:rPr>
+                  <a:t>terengah</a:t>
+                </a:r>
+                <a:r>
+                  <a:rPr kumimoji="0" lang="en-US" altLang="en-US" sz="1600" b="0" i="0" u="none" strike="noStrike" cap="none" normalizeH="0" baseline="0" dirty="0">
+                    <a:ln>
+                      <a:noFill/>
+                    </a:ln>
+                    <a:solidFill>
+                      <a:schemeClr val="tx1"/>
+                    </a:solidFill>
+                    <a:effectLst/>
+                    <a:latin typeface="Times New Roman" panose="02020603050405020304" pitchFamily="18" charset="0"/>
+                    <a:cs typeface="Times New Roman" panose="02020603050405020304" pitchFamily="18" charset="0"/>
+                  </a:rPr>
+                  <a:t> - </a:t>
+                </a:r>
+                <a:r>
+                  <a:rPr kumimoji="0" lang="en-US" altLang="en-US" sz="1600" b="0" i="0" u="none" strike="noStrike" cap="none" normalizeH="0" baseline="0" dirty="0" err="1">
+                    <a:ln>
+                      <a:noFill/>
+                    </a:ln>
+                    <a:solidFill>
+                      <a:schemeClr val="tx1"/>
+                    </a:solidFill>
+                    <a:effectLst/>
+                    <a:latin typeface="Times New Roman" panose="02020603050405020304" pitchFamily="18" charset="0"/>
+                    <a:cs typeface="Times New Roman" panose="02020603050405020304" pitchFamily="18" charset="0"/>
+                  </a:rPr>
+                  <a:t>engah</a:t>
+                </a:r>
+                <a:r>
+                  <a:rPr kumimoji="0" lang="en-US" altLang="en-US" sz="1600" b="0" i="0" u="none" strike="noStrike" cap="none" normalizeH="0" baseline="0" dirty="0">
+                    <a:ln>
+                      <a:noFill/>
+                    </a:ln>
+                    <a:solidFill>
+                      <a:schemeClr val="tx1"/>
+                    </a:solidFill>
+                    <a:effectLst/>
+                    <a:latin typeface="Times New Roman" panose="02020603050405020304" pitchFamily="18" charset="0"/>
+                    <a:cs typeface="Times New Roman" panose="02020603050405020304" pitchFamily="18" charset="0"/>
+                  </a:rPr>
+                  <a:t> .</a:t>
+                </a:r>
+                <a:endParaRPr kumimoji="0" lang="en-US" altLang="en-US" sz="3600" b="0" i="0" u="none" strike="noStrike" cap="none" normalizeH="0" baseline="0" dirty="0">
+                  <a:ln>
+                    <a:noFill/>
+                  </a:ln>
+                  <a:solidFill>
+                    <a:schemeClr val="tx1"/>
+                  </a:solidFill>
+                  <a:effectLst/>
+                  <a:highlight>
+                    <a:srgbClr val="00FFFF"/>
+                  </a:highlight>
+                  <a:latin typeface="Times New Roman" panose="02020603050405020304" pitchFamily="18" charset="0"/>
+                  <a:cs typeface="Times New Roman" panose="02020603050405020304" pitchFamily="18" charset="0"/>
+                </a:endParaRPr>
+              </a:p>
+            </p:txBody>
+          </p:sp>
+          <p:sp>
+            <p:nvSpPr>
+              <p:cNvPr id="35" name="Rectangle 34"/>
+              <p:cNvSpPr/>
+              <p:nvPr/>
+            </p:nvSpPr>
+            <p:spPr>
+              <a:xfrm>
+                <a:off x="838200" y="3295969"/>
+                <a:ext cx="3906795" cy="850765"/>
+              </a:xfrm>
+              <a:prstGeom prst="rect">
+                <a:avLst/>
+              </a:prstGeom>
+              <a:noFill/>
+            </p:spPr>
+            <p:style>
+              <a:lnRef idx="2">
+                <a:schemeClr val="accent5">
+                  <a:shade val="50000"/>
+                </a:schemeClr>
+              </a:lnRef>
+              <a:fillRef idx="1">
+                <a:schemeClr val="accent5"/>
+              </a:fillRef>
+              <a:effectRef idx="0">
+                <a:schemeClr val="accent5"/>
+              </a:effectRef>
+              <a:fontRef idx="minor">
+                <a:schemeClr val="lt1"/>
+              </a:fontRef>
+            </p:style>
+            <p:txBody>
+              <a:bodyPr rtlCol="0" anchor="ctr"/>
+              <a:lstStyle/>
+              <a:p>
+                <a:pPr lvl="0" eaLnBrk="0" fontAlgn="base" hangingPunct="0">
+                  <a:spcBef>
+                    <a:spcPct val="0"/>
+                  </a:spcBef>
+                  <a:spcAft>
+                    <a:spcPct val="0"/>
+                  </a:spcAft>
+                </a:pPr>
+                <a:r>
+                  <a:rPr kumimoji="0" lang="en-US" altLang="en-US" sz="1600" b="0" i="0" u="none" strike="noStrike" cap="none" normalizeH="0" baseline="0" dirty="0" err="1">
+                    <a:ln>
+                      <a:noFill/>
+                    </a:ln>
+                    <a:solidFill>
+                      <a:schemeClr val="tx1"/>
+                    </a:solidFill>
+                    <a:effectLst/>
+                    <a:latin typeface="Times New Roman" panose="02020603050405020304" pitchFamily="18" charset="0"/>
+                    <a:cs typeface="Times New Roman" panose="02020603050405020304" pitchFamily="18" charset="0"/>
+                  </a:rPr>
+                  <a:t>Pokoknya</a:t>
+                </a:r>
+                <a:r>
+                  <a:rPr kumimoji="0" lang="en-US" altLang="en-US" sz="1600" b="0" i="0" u="none" strike="noStrike" cap="none" normalizeH="0" baseline="0" dirty="0">
+                    <a:ln>
+                      <a:noFill/>
+                    </a:ln>
+                    <a:solidFill>
+                      <a:schemeClr val="tx1"/>
+                    </a:solidFill>
+                    <a:effectLst/>
+                    <a:latin typeface="Times New Roman" panose="02020603050405020304" pitchFamily="18" charset="0"/>
+                    <a:cs typeface="Times New Roman" panose="02020603050405020304" pitchFamily="18" charset="0"/>
+                  </a:rPr>
+                  <a:t> </a:t>
+                </a:r>
+                <a:r>
+                  <a:rPr kumimoji="0" lang="en-US" altLang="en-US" sz="1600" b="0" i="0" u="none" strike="noStrike" cap="none" normalizeH="0" baseline="0" dirty="0" err="1">
+                    <a:ln>
+                      <a:noFill/>
+                    </a:ln>
+                    <a:solidFill>
+                      <a:schemeClr val="tx1"/>
+                    </a:solidFill>
+                    <a:effectLst/>
+                    <a:latin typeface="Times New Roman" panose="02020603050405020304" pitchFamily="18" charset="0"/>
+                    <a:cs typeface="Times New Roman" panose="02020603050405020304" pitchFamily="18" charset="0"/>
+                  </a:rPr>
+                  <a:t>jadi</a:t>
+                </a:r>
+                <a:r>
+                  <a:rPr kumimoji="0" lang="en-US" altLang="en-US" sz="1600" b="0" i="0" u="none" strike="noStrike" cap="none" normalizeH="0" baseline="0" dirty="0">
+                    <a:ln>
+                      <a:noFill/>
+                    </a:ln>
+                    <a:solidFill>
+                      <a:schemeClr val="tx1"/>
+                    </a:solidFill>
+                    <a:effectLst/>
+                    <a:latin typeface="Times New Roman" panose="02020603050405020304" pitchFamily="18" charset="0"/>
+                    <a:cs typeface="Times New Roman" panose="02020603050405020304" pitchFamily="18" charset="0"/>
+                  </a:rPr>
+                  <a:t> </a:t>
+                </a:r>
+                <a:r>
+                  <a:rPr kumimoji="0" lang="en-US" altLang="en-US" sz="1600" b="0" i="0" u="none" strike="noStrike" cap="none" normalizeH="0" baseline="0" dirty="0" err="1">
+                    <a:ln>
+                      <a:noFill/>
+                    </a:ln>
+                    <a:solidFill>
+                      <a:schemeClr val="tx1"/>
+                    </a:solidFill>
+                    <a:effectLst/>
+                    <a:latin typeface="Times New Roman" panose="02020603050405020304" pitchFamily="18" charset="0"/>
+                    <a:cs typeface="Times New Roman" panose="02020603050405020304" pitchFamily="18" charset="0"/>
+                  </a:rPr>
+                  <a:t>susah</a:t>
+                </a:r>
+                <a:r>
+                  <a:rPr kumimoji="0" lang="en-US" altLang="en-US" sz="1600" b="0" i="0" u="none" strike="noStrike" cap="none" normalizeH="0" baseline="0" dirty="0">
+                    <a:ln>
+                      <a:noFill/>
+                    </a:ln>
+                    <a:solidFill>
+                      <a:schemeClr val="tx1"/>
+                    </a:solidFill>
+                    <a:effectLst/>
+                    <a:latin typeface="Times New Roman" panose="02020603050405020304" pitchFamily="18" charset="0"/>
+                    <a:cs typeface="Times New Roman" panose="02020603050405020304" pitchFamily="18" charset="0"/>
+                  </a:rPr>
+                  <a:t> </a:t>
+                </a:r>
+                <a:r>
+                  <a:rPr kumimoji="0" lang="en-US" altLang="en-US" sz="1600" b="0" i="0" u="none" strike="noStrike" cap="none" normalizeH="0" baseline="0" dirty="0" err="1">
+                    <a:ln>
+                      <a:noFill/>
+                    </a:ln>
+                    <a:solidFill>
+                      <a:schemeClr val="tx1"/>
+                    </a:solidFill>
+                    <a:effectLst/>
+                    <a:latin typeface="Times New Roman" panose="02020603050405020304" pitchFamily="18" charset="0"/>
+                    <a:cs typeface="Times New Roman" panose="02020603050405020304" pitchFamily="18" charset="0"/>
+                  </a:rPr>
+                  <a:t>ngambil</a:t>
+                </a:r>
+                <a:r>
+                  <a:rPr kumimoji="0" lang="en-US" altLang="en-US" sz="1600" b="0" i="0" u="none" strike="noStrike" cap="none" normalizeH="0" baseline="0" dirty="0">
+                    <a:ln>
+                      <a:noFill/>
+                    </a:ln>
+                    <a:solidFill>
+                      <a:schemeClr val="tx1"/>
+                    </a:solidFill>
+                    <a:effectLst/>
+                    <a:latin typeface="Times New Roman" panose="02020603050405020304" pitchFamily="18" charset="0"/>
+                    <a:cs typeface="Times New Roman" panose="02020603050405020304" pitchFamily="18" charset="0"/>
+                  </a:rPr>
+                  <a:t> </a:t>
+                </a:r>
+                <a:r>
+                  <a:rPr kumimoji="0" lang="en-US" altLang="en-US" sz="1600" b="0" i="0" u="none" strike="noStrike" cap="none" normalizeH="0" baseline="0" dirty="0" err="1">
+                    <a:ln>
+                      <a:noFill/>
+                    </a:ln>
+                    <a:solidFill>
+                      <a:schemeClr val="tx1"/>
+                    </a:solidFill>
+                    <a:effectLst/>
+                    <a:latin typeface="Times New Roman" panose="02020603050405020304" pitchFamily="18" charset="0"/>
+                    <a:cs typeface="Times New Roman" panose="02020603050405020304" pitchFamily="18" charset="0"/>
+                  </a:rPr>
+                  <a:t>napas</a:t>
+                </a:r>
+                <a:r>
+                  <a:rPr kumimoji="0" lang="en-US" altLang="en-US" sz="1600" b="0" i="0" u="none" strike="noStrike" cap="none" normalizeH="0" baseline="0" dirty="0">
+                    <a:ln>
+                      <a:noFill/>
+                    </a:ln>
+                    <a:solidFill>
+                      <a:schemeClr val="tx1"/>
+                    </a:solidFill>
+                    <a:effectLst/>
+                    <a:latin typeface="Times New Roman" panose="02020603050405020304" pitchFamily="18" charset="0"/>
+                    <a:cs typeface="Times New Roman" panose="02020603050405020304" pitchFamily="18" charset="0"/>
+                  </a:rPr>
+                  <a:t> </a:t>
+                </a:r>
+                <a:r>
+                  <a:rPr kumimoji="0" lang="en-US" altLang="en-US" sz="1600" b="0" i="0" u="none" strike="noStrike" cap="none" normalizeH="0" baseline="0" dirty="0" err="1">
+                    <a:ln>
+                      <a:noFill/>
+                    </a:ln>
+                    <a:solidFill>
+                      <a:schemeClr val="tx1"/>
+                    </a:solidFill>
+                    <a:effectLst/>
+                    <a:latin typeface="Times New Roman" panose="02020603050405020304" pitchFamily="18" charset="0"/>
+                    <a:cs typeface="Times New Roman" panose="02020603050405020304" pitchFamily="18" charset="0"/>
+                  </a:rPr>
+                  <a:t>gitu</a:t>
+                </a:r>
+                <a:r>
+                  <a:rPr kumimoji="0" lang="en-US" altLang="en-US" sz="1600" b="0" i="0" u="none" strike="noStrike" cap="none" normalizeH="0" baseline="0" dirty="0">
+                    <a:ln>
+                      <a:noFill/>
+                    </a:ln>
+                    <a:solidFill>
+                      <a:schemeClr val="tx1"/>
+                    </a:solidFill>
+                    <a:effectLst/>
+                    <a:latin typeface="Times New Roman" panose="02020603050405020304" pitchFamily="18" charset="0"/>
+                    <a:cs typeface="Times New Roman" panose="02020603050405020304" pitchFamily="18" charset="0"/>
+                  </a:rPr>
+                  <a:t> . </a:t>
+                </a:r>
+                <a:r>
+                  <a:rPr kumimoji="0" lang="en-US" altLang="en-US" sz="1600" b="0" i="0" u="none" strike="noStrike" cap="none" normalizeH="0" baseline="0" dirty="0" err="1">
+                    <a:ln>
+                      <a:noFill/>
+                    </a:ln>
+                    <a:solidFill>
+                      <a:schemeClr val="tx1"/>
+                    </a:solidFill>
+                    <a:effectLst/>
+                    <a:latin typeface="Times New Roman" panose="02020603050405020304" pitchFamily="18" charset="0"/>
+                    <a:cs typeface="Times New Roman" panose="02020603050405020304" pitchFamily="18" charset="0"/>
+                  </a:rPr>
+                  <a:t>Kadang</a:t>
+                </a:r>
+                <a:r>
+                  <a:rPr kumimoji="0" lang="en-US" altLang="en-US" sz="1600" b="0" i="0" u="none" strike="noStrike" cap="none" normalizeH="0" baseline="0" dirty="0">
+                    <a:ln>
+                      <a:noFill/>
+                    </a:ln>
+                    <a:solidFill>
+                      <a:schemeClr val="tx1"/>
+                    </a:solidFill>
+                    <a:effectLst/>
+                    <a:latin typeface="Times New Roman" panose="02020603050405020304" pitchFamily="18" charset="0"/>
+                    <a:cs typeface="Times New Roman" panose="02020603050405020304" pitchFamily="18" charset="0"/>
+                  </a:rPr>
+                  <a:t> </a:t>
+                </a:r>
+                <a:r>
+                  <a:rPr kumimoji="0" lang="en-US" altLang="en-US" sz="1600" b="0" i="0" u="none" strike="noStrike" cap="none" normalizeH="0" baseline="0" dirty="0" err="1">
+                    <a:ln>
+                      <a:noFill/>
+                    </a:ln>
+                    <a:solidFill>
+                      <a:schemeClr val="tx1"/>
+                    </a:solidFill>
+                    <a:effectLst/>
+                    <a:latin typeface="Times New Roman" panose="02020603050405020304" pitchFamily="18" charset="0"/>
+                    <a:cs typeface="Times New Roman" panose="02020603050405020304" pitchFamily="18" charset="0"/>
+                  </a:rPr>
+                  <a:t>kalo</a:t>
+                </a:r>
+                <a:r>
+                  <a:rPr kumimoji="0" lang="en-US" altLang="en-US" sz="1600" b="0" i="0" u="none" strike="noStrike" cap="none" normalizeH="0" baseline="0" dirty="0">
+                    <a:ln>
+                      <a:noFill/>
+                    </a:ln>
+                    <a:solidFill>
+                      <a:schemeClr val="tx1"/>
+                    </a:solidFill>
+                    <a:effectLst/>
+                    <a:latin typeface="Times New Roman" panose="02020603050405020304" pitchFamily="18" charset="0"/>
+                    <a:cs typeface="Times New Roman" panose="02020603050405020304" pitchFamily="18" charset="0"/>
+                  </a:rPr>
+                  <a:t> </a:t>
+                </a:r>
+                <a:r>
+                  <a:rPr kumimoji="0" lang="en-US" altLang="en-US" sz="1600" b="0" i="0" u="none" strike="noStrike" cap="none" normalizeH="0" baseline="0" dirty="0" err="1">
+                    <a:ln>
+                      <a:noFill/>
+                    </a:ln>
+                    <a:solidFill>
+                      <a:schemeClr val="tx1"/>
+                    </a:solidFill>
+                    <a:effectLst/>
+                    <a:latin typeface="Times New Roman" panose="02020603050405020304" pitchFamily="18" charset="0"/>
+                    <a:cs typeface="Times New Roman" panose="02020603050405020304" pitchFamily="18" charset="0"/>
+                  </a:rPr>
+                  <a:t>saya</a:t>
+                </a:r>
+                <a:r>
+                  <a:rPr kumimoji="0" lang="en-US" altLang="en-US" sz="1600" b="0" i="0" u="none" strike="noStrike" cap="none" normalizeH="0" baseline="0" dirty="0">
+                    <a:ln>
+                      <a:noFill/>
+                    </a:ln>
+                    <a:solidFill>
+                      <a:schemeClr val="tx1"/>
+                    </a:solidFill>
+                    <a:effectLst/>
+                    <a:latin typeface="Times New Roman" panose="02020603050405020304" pitchFamily="18" charset="0"/>
+                    <a:cs typeface="Times New Roman" panose="02020603050405020304" pitchFamily="18" charset="0"/>
+                  </a:rPr>
+                  <a:t> </a:t>
+                </a:r>
+                <a:r>
+                  <a:rPr kumimoji="0" lang="en-US" altLang="en-US" sz="1600" b="0" i="0" u="none" strike="noStrike" cap="none" normalizeH="0" baseline="0" dirty="0" err="1">
+                    <a:ln>
+                      <a:noFill/>
+                    </a:ln>
+                    <a:solidFill>
+                      <a:schemeClr val="tx1"/>
+                    </a:solidFill>
+                    <a:effectLst/>
+                    <a:latin typeface="Times New Roman" panose="02020603050405020304" pitchFamily="18" charset="0"/>
+                    <a:cs typeface="Times New Roman" panose="02020603050405020304" pitchFamily="18" charset="0"/>
+                  </a:rPr>
+                  <a:t>tahan</a:t>
+                </a:r>
+                <a:r>
+                  <a:rPr kumimoji="0" lang="en-US" altLang="en-US" sz="1600" b="0" i="0" u="none" strike="noStrike" cap="none" normalizeH="0" baseline="0" dirty="0">
+                    <a:ln>
+                      <a:noFill/>
+                    </a:ln>
+                    <a:solidFill>
+                      <a:schemeClr val="tx1"/>
+                    </a:solidFill>
+                    <a:effectLst/>
+                    <a:latin typeface="Times New Roman" panose="02020603050405020304" pitchFamily="18" charset="0"/>
+                    <a:cs typeface="Times New Roman" panose="02020603050405020304" pitchFamily="18" charset="0"/>
+                  </a:rPr>
+                  <a:t> </a:t>
+                </a:r>
+                <a:r>
+                  <a:rPr kumimoji="0" lang="en-US" altLang="en-US" sz="1600" b="0" i="0" u="none" strike="noStrike" cap="none" normalizeH="0" baseline="0" dirty="0" err="1">
+                    <a:ln>
+                      <a:noFill/>
+                    </a:ln>
+                    <a:solidFill>
+                      <a:schemeClr val="tx1"/>
+                    </a:solidFill>
+                    <a:effectLst/>
+                    <a:latin typeface="Times New Roman" panose="02020603050405020304" pitchFamily="18" charset="0"/>
+                    <a:cs typeface="Times New Roman" panose="02020603050405020304" pitchFamily="18" charset="0"/>
+                  </a:rPr>
+                  <a:t>napas</a:t>
+                </a:r>
+                <a:r>
+                  <a:rPr kumimoji="0" lang="en-US" altLang="en-US" sz="1600" b="0" i="0" u="none" strike="noStrike" cap="none" normalizeH="0" baseline="0" dirty="0">
+                    <a:ln>
+                      <a:noFill/>
+                    </a:ln>
+                    <a:solidFill>
+                      <a:schemeClr val="tx1"/>
+                    </a:solidFill>
+                    <a:effectLst/>
+                    <a:latin typeface="Times New Roman" panose="02020603050405020304" pitchFamily="18" charset="0"/>
+                    <a:cs typeface="Times New Roman" panose="02020603050405020304" pitchFamily="18" charset="0"/>
+                  </a:rPr>
+                  <a:t> rasa </a:t>
+                </a:r>
+                <a:r>
+                  <a:rPr kumimoji="0" lang="en-US" altLang="en-US" sz="1600" b="0" i="0" u="none" strike="noStrike" cap="none" normalizeH="0" baseline="0" dirty="0" err="1">
+                    <a:ln>
+                      <a:noFill/>
+                    </a:ln>
+                    <a:solidFill>
+                      <a:schemeClr val="tx1"/>
+                    </a:solidFill>
+                    <a:effectLst/>
+                    <a:latin typeface="Times New Roman" panose="02020603050405020304" pitchFamily="18" charset="0"/>
+                    <a:cs typeface="Times New Roman" panose="02020603050405020304" pitchFamily="18" charset="0"/>
+                  </a:rPr>
+                  <a:t>sakitnya</a:t>
+                </a:r>
+                <a:r>
+                  <a:rPr kumimoji="0" lang="en-US" altLang="en-US" sz="1600" b="0" i="0" u="none" strike="noStrike" cap="none" normalizeH="0" baseline="0" dirty="0">
+                    <a:ln>
+                      <a:noFill/>
+                    </a:ln>
+                    <a:solidFill>
+                      <a:schemeClr val="tx1"/>
+                    </a:solidFill>
+                    <a:effectLst/>
+                    <a:latin typeface="Times New Roman" panose="02020603050405020304" pitchFamily="18" charset="0"/>
+                    <a:cs typeface="Times New Roman" panose="02020603050405020304" pitchFamily="18" charset="0"/>
+                  </a:rPr>
+                  <a:t> </a:t>
+                </a:r>
+                <a:r>
+                  <a:rPr kumimoji="0" lang="en-US" altLang="en-US" sz="1600" b="0" i="0" u="none" strike="noStrike" cap="none" normalizeH="0" baseline="0" dirty="0" err="1">
+                    <a:ln>
+                      <a:noFill/>
+                    </a:ln>
+                    <a:solidFill>
+                      <a:schemeClr val="tx1"/>
+                    </a:solidFill>
+                    <a:effectLst/>
+                    <a:latin typeface="Times New Roman" panose="02020603050405020304" pitchFamily="18" charset="0"/>
+                    <a:cs typeface="Times New Roman" panose="02020603050405020304" pitchFamily="18" charset="0"/>
+                  </a:rPr>
+                  <a:t>jadi</a:t>
+                </a:r>
+                <a:r>
+                  <a:rPr kumimoji="0" lang="en-US" altLang="en-US" sz="1600" b="0" i="0" u="none" strike="noStrike" cap="none" normalizeH="0" baseline="0" dirty="0">
+                    <a:ln>
+                      <a:noFill/>
+                    </a:ln>
+                    <a:solidFill>
+                      <a:schemeClr val="tx1"/>
+                    </a:solidFill>
+                    <a:effectLst/>
+                    <a:latin typeface="Times New Roman" panose="02020603050405020304" pitchFamily="18" charset="0"/>
+                    <a:cs typeface="Times New Roman" panose="02020603050405020304" pitchFamily="18" charset="0"/>
+                  </a:rPr>
+                  <a:t> </a:t>
+                </a:r>
+                <a:r>
+                  <a:rPr kumimoji="0" lang="en-US" altLang="en-US" sz="1600" b="0" i="0" u="none" strike="noStrike" cap="none" normalizeH="0" baseline="0" dirty="0" err="1">
+                    <a:ln>
+                      <a:noFill/>
+                    </a:ln>
+                    <a:solidFill>
+                      <a:schemeClr val="tx1"/>
+                    </a:solidFill>
+                    <a:effectLst/>
+                    <a:latin typeface="Times New Roman" panose="02020603050405020304" pitchFamily="18" charset="0"/>
+                    <a:cs typeface="Times New Roman" panose="02020603050405020304" pitchFamily="18" charset="0"/>
+                  </a:rPr>
+                  <a:t>mendingan</a:t>
+                </a:r>
+                <a:r>
+                  <a:rPr kumimoji="0" lang="en-US" altLang="en-US" sz="1600" b="0" i="0" u="none" strike="noStrike" cap="none" normalizeH="0" baseline="0" dirty="0">
+                    <a:ln>
+                      <a:noFill/>
+                    </a:ln>
+                    <a:solidFill>
+                      <a:schemeClr val="tx1"/>
+                    </a:solidFill>
+                    <a:effectLst/>
+                    <a:latin typeface="Times New Roman" panose="02020603050405020304" pitchFamily="18" charset="0"/>
+                    <a:cs typeface="Times New Roman" panose="02020603050405020304" pitchFamily="18" charset="0"/>
+                  </a:rPr>
+                  <a:t> </a:t>
+                </a:r>
+                <a:r>
+                  <a:rPr kumimoji="0" lang="en-US" altLang="en-US" sz="1600" b="0" i="0" u="none" strike="noStrike" cap="none" normalizeH="0" baseline="0" dirty="0" err="1">
+                    <a:ln>
+                      <a:noFill/>
+                    </a:ln>
+                    <a:solidFill>
+                      <a:schemeClr val="tx1"/>
+                    </a:solidFill>
+                    <a:effectLst/>
+                    <a:latin typeface="Times New Roman" panose="02020603050405020304" pitchFamily="18" charset="0"/>
+                    <a:cs typeface="Times New Roman" panose="02020603050405020304" pitchFamily="18" charset="0"/>
+                  </a:rPr>
+                  <a:t>sepertinya</a:t>
+                </a:r>
+                <a:r>
+                  <a:rPr kumimoji="0" lang="en-US" altLang="en-US" sz="1600" b="0" i="0" u="none" strike="noStrike" cap="none" normalizeH="0" baseline="0" dirty="0">
+                    <a:ln>
+                      <a:noFill/>
+                    </a:ln>
+                    <a:solidFill>
+                      <a:schemeClr val="tx1"/>
+                    </a:solidFill>
+                    <a:effectLst/>
+                    <a:latin typeface="Times New Roman" panose="02020603050405020304" pitchFamily="18" charset="0"/>
+                    <a:cs typeface="Times New Roman" panose="02020603050405020304" pitchFamily="18" charset="0"/>
+                  </a:rPr>
+                  <a:t> ( Saya </a:t>
+                </a:r>
+                <a:r>
+                  <a:rPr kumimoji="0" lang="en-US" altLang="en-US" sz="1600" b="0" i="0" u="none" strike="noStrike" cap="none" normalizeH="0" baseline="0" dirty="0" err="1">
+                    <a:ln>
+                      <a:noFill/>
+                    </a:ln>
+                    <a:solidFill>
+                      <a:schemeClr val="tx1"/>
+                    </a:solidFill>
+                    <a:effectLst/>
+                    <a:latin typeface="Times New Roman" panose="02020603050405020304" pitchFamily="18" charset="0"/>
+                    <a:cs typeface="Times New Roman" panose="02020603050405020304" pitchFamily="18" charset="0"/>
+                  </a:rPr>
+                  <a:t>kurang</a:t>
+                </a:r>
+                <a:r>
+                  <a:rPr kumimoji="0" lang="en-US" altLang="en-US" sz="1600" b="0" i="0" u="none" strike="noStrike" cap="none" normalizeH="0" baseline="0" dirty="0">
+                    <a:ln>
+                      <a:noFill/>
+                    </a:ln>
+                    <a:solidFill>
+                      <a:schemeClr val="tx1"/>
+                    </a:solidFill>
+                    <a:effectLst/>
+                    <a:latin typeface="Times New Roman" panose="02020603050405020304" pitchFamily="18" charset="0"/>
+                    <a:cs typeface="Times New Roman" panose="02020603050405020304" pitchFamily="18" charset="0"/>
+                  </a:rPr>
+                  <a:t> </a:t>
+                </a:r>
+                <a:r>
+                  <a:rPr kumimoji="0" lang="en-US" altLang="en-US" sz="1600" b="0" i="0" u="none" strike="noStrike" cap="none" normalizeH="0" baseline="0" dirty="0" err="1">
+                    <a:ln>
+                      <a:noFill/>
+                    </a:ln>
+                    <a:solidFill>
+                      <a:schemeClr val="tx1"/>
+                    </a:solidFill>
+                    <a:effectLst/>
+                    <a:latin typeface="Times New Roman" panose="02020603050405020304" pitchFamily="18" charset="0"/>
+                    <a:cs typeface="Times New Roman" panose="02020603050405020304" pitchFamily="18" charset="0"/>
+                  </a:rPr>
+                  <a:t>yakin</a:t>
+                </a:r>
+                <a:r>
+                  <a:rPr kumimoji="0" lang="en-US" altLang="en-US" sz="1600" b="0" i="0" u="none" strike="noStrike" cap="none" normalizeH="0" baseline="0" dirty="0">
+                    <a:ln>
+                      <a:noFill/>
+                    </a:ln>
+                    <a:solidFill>
+                      <a:schemeClr val="tx1"/>
+                    </a:solidFill>
+                    <a:effectLst/>
+                    <a:latin typeface="Times New Roman" panose="02020603050405020304" pitchFamily="18" charset="0"/>
+                    <a:cs typeface="Times New Roman" panose="02020603050405020304" pitchFamily="18" charset="0"/>
+                  </a:rPr>
+                  <a:t> </a:t>
+                </a:r>
+                <a:r>
+                  <a:rPr kumimoji="0" lang="en-US" altLang="en-US" sz="1600" b="0" i="0" u="none" strike="noStrike" cap="none" normalizeH="0" baseline="0" dirty="0" err="1">
+                    <a:ln>
+                      <a:noFill/>
+                    </a:ln>
+                    <a:solidFill>
+                      <a:schemeClr val="tx1"/>
+                    </a:solidFill>
+                    <a:effectLst/>
+                    <a:latin typeface="Times New Roman" panose="02020603050405020304" pitchFamily="18" charset="0"/>
+                    <a:cs typeface="Times New Roman" panose="02020603050405020304" pitchFamily="18" charset="0"/>
+                  </a:rPr>
+                  <a:t>sih</a:t>
+                </a:r>
+                <a:r>
+                  <a:rPr kumimoji="0" lang="en-US" altLang="en-US" sz="1600" b="0" i="0" u="none" strike="noStrike" cap="none" normalizeH="0" baseline="0" dirty="0">
+                    <a:ln>
+                      <a:noFill/>
+                    </a:ln>
+                    <a:solidFill>
+                      <a:schemeClr val="tx1"/>
+                    </a:solidFill>
+                    <a:effectLst/>
+                    <a:latin typeface="Times New Roman" panose="02020603050405020304" pitchFamily="18" charset="0"/>
+                    <a:cs typeface="Times New Roman" panose="02020603050405020304" pitchFamily="18" charset="0"/>
+                  </a:rPr>
+                  <a:t> ) .</a:t>
+                </a:r>
+                <a:endParaRPr kumimoji="0" lang="en-US" altLang="en-US" sz="3600" b="0" i="0" u="none" strike="noStrike" cap="none" normalizeH="0" baseline="0" dirty="0">
+                  <a:ln>
+                    <a:noFill/>
+                  </a:ln>
+                  <a:solidFill>
+                    <a:schemeClr val="tx1"/>
+                  </a:solidFill>
+                  <a:effectLst/>
+                  <a:highlight>
+                    <a:srgbClr val="00FFFF"/>
+                  </a:highlight>
+                  <a:latin typeface="Times New Roman" panose="02020603050405020304" pitchFamily="18" charset="0"/>
+                  <a:cs typeface="Times New Roman" panose="02020603050405020304" pitchFamily="18" charset="0"/>
+                </a:endParaRPr>
+              </a:p>
+            </p:txBody>
+          </p:sp>
+        </p:grpSp>
+        <p:sp>
+          <p:nvSpPr>
+            <p:cNvPr id="30" name="Rectangle 29"/>
+            <p:cNvSpPr/>
+            <p:nvPr/>
+          </p:nvSpPr>
+          <p:spPr>
+            <a:xfrm>
+              <a:off x="838200" y="-318568"/>
+              <a:ext cx="255373" cy="4465302"/>
+            </a:xfrm>
+            <a:prstGeom prst="rect">
+              <a:avLst/>
+            </a:prstGeom>
+            <a:noFill/>
+            <a:ln>
+              <a:noFill/>
+            </a:ln>
+          </p:spPr>
+          <p:style>
+            <a:lnRef idx="2">
+              <a:schemeClr val="accent1">
+                <a:shade val="50000"/>
+              </a:schemeClr>
+            </a:lnRef>
+            <a:fillRef idx="1">
+              <a:schemeClr val="accent1"/>
+            </a:fillRef>
+            <a:effectRef idx="0">
+              <a:schemeClr val="accent1"/>
+            </a:effectRef>
+            <a:fontRef idx="minor">
+              <a:schemeClr val="lt1"/>
+            </a:fontRef>
+          </p:style>
+          <p:txBody>
+            <a:bodyPr rtlCol="0" anchor="ctr"/>
+            <a:lstStyle/>
+            <a:p>
+              <a:pPr algn="ctr"/>
+              <a:endParaRPr lang="en-US" dirty="0"/>
+            </a:p>
+          </p:txBody>
+        </p:sp>
+      </p:grpSp>
+      <p:sp>
+        <p:nvSpPr>
+          <p:cNvPr id="9" name="Rectangle 1"/>
+          <p:cNvSpPr>
+            <a:spLocks noChangeArrowheads="1"/>
+          </p:cNvSpPr>
+          <p:nvPr/>
+        </p:nvSpPr>
+        <p:spPr bwMode="auto">
+          <a:xfrm>
+            <a:off x="0" y="90100"/>
+            <a:ext cx="65" cy="276999"/>
+          </a:xfrm>
+          <a:prstGeom prst="rect">
+            <a:avLst/>
+          </a:prstGeom>
+          <a:solidFill>
+            <a:srgbClr val="FFFFFF"/>
+          </a:solidFill>
+          <a:ln>
+            <a:noFill/>
+          </a:ln>
+          <a:effectLst/>
+          <a:extLst>
+            <a:ext uri="{91240B29-F687-4F45-9708-019B960494DF}">
+              <a14:hiddenLine xmlns:a14="http://schemas.microsoft.com/office/drawing/2010/main" w="9525">
+                <a:solidFill>
+                  <a:schemeClr val="tx1"/>
+                </a:solidFill>
+                <a:miter lim="800000"/>
+                <a:headEnd/>
+                <a:tailEnd/>
+              </a14:hiddenLine>
+            </a:ext>
+            <a:ext uri="{AF507438-7753-43E0-B8FC-AC1667EBCBE1}">
+              <a14:hiddenEffects xmlns:a14="http://schemas.microsoft.com/office/drawing/2010/main">
+                <a:effectLst>
+                  <a:outerShdw dist="35921" dir="2700000" algn="ctr" rotWithShape="0">
+                    <a:schemeClr val="bg2"/>
+                  </a:outerShdw>
+                </a:effectLst>
+              </a14:hiddenEffects>
+            </a:ext>
+          </a:extLst>
+        </p:spPr>
+        <p:txBody>
+          <a:bodyPr vert="horz" wrap="none" lIns="0" tIns="0" rIns="0" bIns="0" numCol="1" anchor="ctr" anchorCtr="0" compatLnSpc="1">
+            <a:prstTxWarp prst="textNoShape">
+              <a:avLst/>
+            </a:prstTxWarp>
+            <a:spAutoFit/>
+          </a:bodyPr>
+          <a:lstStyle/>
+          <a:p>
+            <a:pPr marL="0" marR="0" lvl="0" indent="0" algn="l" defTabSz="914400" rtl="0" eaLnBrk="0" fontAlgn="base" latinLnBrk="0" hangingPunct="0">
+              <a:lnSpc>
+                <a:spcPct val="100000"/>
+              </a:lnSpc>
+              <a:spcBef>
+                <a:spcPct val="0"/>
+              </a:spcBef>
+              <a:spcAft>
+                <a:spcPct val="0"/>
+              </a:spcAft>
+              <a:buClrTx/>
+              <a:buSzTx/>
+              <a:buFontTx/>
+              <a:buNone/>
+              <a:tabLst/>
+            </a:pPr>
+            <a:endParaRPr kumimoji="0" lang="en-US" altLang="en-US" sz="1800" b="0" i="0" u="none" strike="noStrike" cap="none" normalizeH="0" baseline="0" dirty="0">
+              <a:ln>
+                <a:noFill/>
+              </a:ln>
+              <a:solidFill>
+                <a:schemeClr val="tx1"/>
+              </a:solidFill>
+              <a:effectLst/>
+              <a:latin typeface="Arial" panose="020B0604020202020204" pitchFamily="34" charset="0"/>
+            </a:endParaRPr>
+          </a:p>
+        </p:txBody>
+      </p:sp>
+      <p:sp>
+        <p:nvSpPr>
+          <p:cNvPr id="10" name="Rectangle 2"/>
+          <p:cNvSpPr>
+            <a:spLocks noChangeArrowheads="1"/>
+          </p:cNvSpPr>
+          <p:nvPr/>
+        </p:nvSpPr>
+        <p:spPr bwMode="auto">
+          <a:xfrm>
+            <a:off x="0" y="90100"/>
+            <a:ext cx="65" cy="276999"/>
+          </a:xfrm>
+          <a:prstGeom prst="rect">
+            <a:avLst/>
+          </a:prstGeom>
+          <a:solidFill>
+            <a:srgbClr val="FFFFFF"/>
+          </a:solidFill>
+          <a:ln>
+            <a:noFill/>
+          </a:ln>
+          <a:effectLst/>
+          <a:extLst>
+            <a:ext uri="{91240B29-F687-4F45-9708-019B960494DF}">
+              <a14:hiddenLine xmlns:a14="http://schemas.microsoft.com/office/drawing/2010/main" w="9525">
+                <a:solidFill>
+                  <a:schemeClr val="tx1"/>
+                </a:solidFill>
+                <a:miter lim="800000"/>
+                <a:headEnd/>
+                <a:tailEnd/>
+              </a14:hiddenLine>
+            </a:ext>
+            <a:ext uri="{AF507438-7753-43E0-B8FC-AC1667EBCBE1}">
+              <a14:hiddenEffects xmlns:a14="http://schemas.microsoft.com/office/drawing/2010/main">
+                <a:effectLst>
+                  <a:outerShdw dist="35921" dir="2700000" algn="ctr" rotWithShape="0">
+                    <a:schemeClr val="bg2"/>
+                  </a:outerShdw>
+                </a:effectLst>
+              </a14:hiddenEffects>
+            </a:ext>
+          </a:extLst>
+        </p:spPr>
+        <p:txBody>
+          <a:bodyPr vert="horz" wrap="none" lIns="0" tIns="0" rIns="0" bIns="0" numCol="1" anchor="ctr" anchorCtr="0" compatLnSpc="1">
+            <a:prstTxWarp prst="textNoShape">
+              <a:avLst/>
+            </a:prstTxWarp>
+            <a:spAutoFit/>
+          </a:bodyPr>
+          <a:lstStyle/>
+          <a:p>
+            <a:pPr marL="0" marR="0" lvl="0" indent="0" algn="l" defTabSz="914400" rtl="0" eaLnBrk="0" fontAlgn="base" latinLnBrk="0" hangingPunct="0">
+              <a:lnSpc>
+                <a:spcPct val="100000"/>
+              </a:lnSpc>
+              <a:spcBef>
+                <a:spcPct val="0"/>
+              </a:spcBef>
+              <a:spcAft>
+                <a:spcPct val="0"/>
+              </a:spcAft>
+              <a:buClrTx/>
+              <a:buSzTx/>
+              <a:buFontTx/>
+              <a:buNone/>
+              <a:tabLst/>
+            </a:pPr>
+            <a:endParaRPr kumimoji="0" lang="en-US" altLang="en-US" sz="1800" b="0" i="0" u="none" strike="noStrike" cap="none" normalizeH="0" baseline="0" dirty="0">
+              <a:ln>
+                <a:noFill/>
+              </a:ln>
+              <a:solidFill>
+                <a:schemeClr val="tx1"/>
+              </a:solidFill>
+              <a:effectLst/>
+              <a:latin typeface="Arial" panose="020B0604020202020204" pitchFamily="34" charset="0"/>
+            </a:endParaRPr>
+          </a:p>
+        </p:txBody>
+      </p:sp>
+      <p:sp>
+        <p:nvSpPr>
+          <p:cNvPr id="11" name="Rectangle 1"/>
+          <p:cNvSpPr>
+            <a:spLocks noChangeArrowheads="1"/>
+          </p:cNvSpPr>
+          <p:nvPr/>
+        </p:nvSpPr>
+        <p:spPr bwMode="auto">
+          <a:xfrm>
+            <a:off x="0" y="90100"/>
+            <a:ext cx="65" cy="276999"/>
+          </a:xfrm>
+          <a:prstGeom prst="rect">
+            <a:avLst/>
+          </a:prstGeom>
+          <a:solidFill>
+            <a:srgbClr val="FFFFFF"/>
+          </a:solidFill>
+          <a:ln>
+            <a:noFill/>
+          </a:ln>
+          <a:effectLst/>
+          <a:extLst>
+            <a:ext uri="{91240B29-F687-4F45-9708-019B960494DF}">
+              <a14:hiddenLine xmlns:a14="http://schemas.microsoft.com/office/drawing/2010/main" w="9525">
+                <a:solidFill>
+                  <a:schemeClr val="tx1"/>
+                </a:solidFill>
+                <a:miter lim="800000"/>
+                <a:headEnd/>
+                <a:tailEnd/>
+              </a14:hiddenLine>
+            </a:ext>
+            <a:ext uri="{AF507438-7753-43E0-B8FC-AC1667EBCBE1}">
+              <a14:hiddenEffects xmlns:a14="http://schemas.microsoft.com/office/drawing/2010/main">
+                <a:effectLst>
+                  <a:outerShdw dist="35921" dir="2700000" algn="ctr" rotWithShape="0">
+                    <a:schemeClr val="bg2"/>
+                  </a:outerShdw>
+                </a:effectLst>
+              </a14:hiddenEffects>
+            </a:ext>
+          </a:extLst>
+        </p:spPr>
+        <p:txBody>
+          <a:bodyPr vert="horz" wrap="none" lIns="0" tIns="0" rIns="0" bIns="0" numCol="1" anchor="ctr" anchorCtr="0" compatLnSpc="1">
+            <a:prstTxWarp prst="textNoShape">
+              <a:avLst/>
+            </a:prstTxWarp>
+            <a:spAutoFit/>
+          </a:bodyPr>
+          <a:lstStyle/>
+          <a:p>
+            <a:pPr marL="0" marR="0" lvl="0" indent="0" algn="l" defTabSz="914400" rtl="0" eaLnBrk="0" fontAlgn="base" latinLnBrk="0" hangingPunct="0">
+              <a:lnSpc>
+                <a:spcPct val="100000"/>
+              </a:lnSpc>
+              <a:spcBef>
+                <a:spcPct val="0"/>
+              </a:spcBef>
+              <a:spcAft>
+                <a:spcPct val="0"/>
+              </a:spcAft>
+              <a:buClrTx/>
+              <a:buSzTx/>
+              <a:buFontTx/>
+              <a:buNone/>
+              <a:tabLst/>
+            </a:pPr>
+            <a:endParaRPr kumimoji="0" lang="en-US" altLang="en-US" sz="1800" b="0" i="0" u="none" strike="noStrike" cap="none" normalizeH="0" baseline="0" dirty="0">
+              <a:ln>
+                <a:noFill/>
+              </a:ln>
+              <a:solidFill>
+                <a:schemeClr val="tx1"/>
+              </a:solidFill>
+              <a:effectLst/>
+              <a:latin typeface="Arial" panose="020B0604020202020204" pitchFamily="34" charset="0"/>
+            </a:endParaRPr>
+          </a:p>
+        </p:txBody>
+      </p:sp>
+    </p:spTree>
+    <p:extLst>
+      <p:ext uri="{BB962C8B-B14F-4D97-AF65-F5344CB8AC3E}">
+        <p14:creationId xmlns:p14="http://schemas.microsoft.com/office/powerpoint/2010/main" val="419612767"/>
       </p:ext>
     </p:extLst>
   </p:cSld>
